--- a/MortgageCustomerSegmentationSlides.pptx
+++ b/MortgageCustomerSegmentationSlides.pptx
@@ -11,19 +11,26 @@
     <p:sldId id="302" r:id="rId5"/>
     <p:sldId id="303" r:id="rId6"/>
     <p:sldId id="263" r:id="rId7"/>
-    <p:sldId id="305" r:id="rId8"/>
-    <p:sldId id="306" r:id="rId9"/>
-    <p:sldId id="265" r:id="rId10"/>
-    <p:sldId id="307" r:id="rId11"/>
-    <p:sldId id="308" r:id="rId12"/>
-    <p:sldId id="309" r:id="rId13"/>
-    <p:sldId id="310" r:id="rId14"/>
-    <p:sldId id="311" r:id="rId15"/>
-    <p:sldId id="312" r:id="rId16"/>
-    <p:sldId id="313" r:id="rId17"/>
-    <p:sldId id="314" r:id="rId18"/>
-    <p:sldId id="315" r:id="rId19"/>
-    <p:sldId id="316" r:id="rId20"/>
+    <p:sldId id="317" r:id="rId8"/>
+    <p:sldId id="318" r:id="rId9"/>
+    <p:sldId id="319" r:id="rId10"/>
+    <p:sldId id="320" r:id="rId11"/>
+    <p:sldId id="321" r:id="rId12"/>
+    <p:sldId id="322" r:id="rId13"/>
+    <p:sldId id="323" r:id="rId14"/>
+    <p:sldId id="305" r:id="rId15"/>
+    <p:sldId id="306" r:id="rId16"/>
+    <p:sldId id="265" r:id="rId17"/>
+    <p:sldId id="307" r:id="rId18"/>
+    <p:sldId id="308" r:id="rId19"/>
+    <p:sldId id="309" r:id="rId20"/>
+    <p:sldId id="310" r:id="rId21"/>
+    <p:sldId id="311" r:id="rId22"/>
+    <p:sldId id="312" r:id="rId23"/>
+    <p:sldId id="313" r:id="rId24"/>
+    <p:sldId id="314" r:id="rId25"/>
+    <p:sldId id="315" r:id="rId26"/>
+    <p:sldId id="316" r:id="rId27"/>
   </p:sldIdLst>
   <p:sldSz cx="12192000" cy="6858000"/>
   <p:notesSz cx="6858000" cy="9144000"/>
@@ -1025,7 +1032,7 @@
         <a:bodyPr/>
         <a:lstStyle/>
         <a:p>
-          <a:pPr marL="0" lvl="0" indent="0" algn="l" defTabSz="1066800">
+          <a:pPr marL="171450" lvl="1" indent="-171450" algn="l" defTabSz="711200">
             <a:lnSpc>
               <a:spcPct val="90000"/>
             </a:lnSpc>
@@ -1033,21 +1040,21 @@
               <a:spcPct val="0"/>
             </a:spcBef>
             <a:spcAft>
-              <a:spcPct val="35000"/>
+              <a:spcPct val="15000"/>
             </a:spcAft>
+            <a:buChar char="•"/>
           </a:pPr>
           <a:r>
-            <a:rPr lang="en-US" sz="1600" kern="1200" dirty="0"/>
+            <a:rPr lang="en-US" sz="1600" kern="1200" dirty="0">
+              <a:solidFill>
+                <a:prstClr val="white"/>
+              </a:solidFill>
+              <a:latin typeface="Calibri" panose="020F0502020204030204"/>
+              <a:ea typeface="+mn-ea"/>
+              <a:cs typeface="+mn-cs"/>
+            </a:rPr>
             <a:t>Merged with FIPS database for county information</a:t>
           </a:r>
-          <a:endParaRPr lang="en-US" sz="1600" kern="1200" dirty="0">
-            <a:solidFill>
-              <a:prstClr val="white"/>
-            </a:solidFill>
-            <a:latin typeface="Calibri" panose="020F0502020204030204"/>
-            <a:ea typeface="+mn-ea"/>
-            <a:cs typeface="+mn-cs"/>
-          </a:endParaRPr>
         </a:p>
       </dgm:t>
     </dgm:pt>
@@ -1093,7 +1100,7 @@
             <a:buNone/>
           </a:pPr>
           <a:r>
-            <a:rPr lang="en-US" sz="2400" kern="1200" dirty="0">
+            <a:rPr lang="en-US" sz="1600" kern="1200" dirty="0">
               <a:solidFill>
                 <a:prstClr val="white"/>
               </a:solidFill>
@@ -1135,7 +1142,7 @@
         <a:bodyPr/>
         <a:lstStyle/>
         <a:p>
-          <a:pPr marL="285750" lvl="1" indent="0" algn="l" defTabSz="1733550">
+          <a:pPr marL="171450" lvl="1" indent="-171450" algn="l" defTabSz="711200">
             <a:lnSpc>
               <a:spcPct val="90000"/>
             </a:lnSpc>
@@ -1145,9 +1152,17 @@
             <a:spcAft>
               <a:spcPct val="15000"/>
             </a:spcAft>
+            <a:buChar char="•"/>
           </a:pPr>
           <a:r>
-            <a:rPr lang="en-US" sz="1600" kern="1200" dirty="0"/>
+            <a:rPr lang="en-US" sz="1600" kern="1200" dirty="0">
+              <a:solidFill>
+                <a:prstClr val="white"/>
+              </a:solidFill>
+              <a:latin typeface="Calibri" panose="020F0502020204030204"/>
+              <a:ea typeface="+mn-ea"/>
+              <a:cs typeface="+mn-cs"/>
+            </a:rPr>
             <a:t>Pickle object sterilization is utilized to store each month data frame</a:t>
           </a:r>
         </a:p>
@@ -1184,7 +1199,7 @@
         <a:p>
           <a:r>
             <a:rPr lang="en-US" sz="1600" dirty="0"/>
-            <a:t>Data can be downloaded for one year at a time2015-2017</a:t>
+            <a:t>Data can be downloaded for one year at a time 2015-2017</a:t>
           </a:r>
         </a:p>
       </dgm:t>
@@ -1292,7 +1307,7 @@
         <a:p>
           <a:r>
             <a:rPr lang="en-US" sz="1600" dirty="0"/>
-            <a:t>Each CSV file has of loan records in millions</a:t>
+            <a:t>Each CSV file has loan records in millions</a:t>
           </a:r>
         </a:p>
       </dgm:t>
@@ -1362,7 +1377,7 @@
         <a:bodyPr/>
         <a:lstStyle/>
         <a:p>
-          <a:pPr marL="0" lvl="0" indent="0" algn="l" defTabSz="1066800">
+          <a:pPr marL="171450" lvl="1" indent="-171450" algn="l" defTabSz="711200">
             <a:lnSpc>
               <a:spcPct val="90000"/>
             </a:lnSpc>
@@ -1370,8 +1385,9 @@
               <a:spcPct val="0"/>
             </a:spcBef>
             <a:spcAft>
-              <a:spcPct val="35000"/>
+              <a:spcPct val="15000"/>
             </a:spcAft>
+            <a:buChar char="•"/>
           </a:pPr>
           <a:r>
             <a:rPr lang="en-US" sz="1600" kern="1200" dirty="0">
@@ -1390,10 +1406,24 @@
     <dgm:pt modelId="{4F5886AC-DAB1-406F-8A32-A09EA6ABA6AE}" type="parTrans" cxnId="{466FFD72-9E5D-45F3-B923-AC5E0439921B}">
       <dgm:prSet/>
       <dgm:spPr/>
+      <dgm:t>
+        <a:bodyPr/>
+        <a:lstStyle/>
+        <a:p>
+          <a:endParaRPr lang="en-US"/>
+        </a:p>
+      </dgm:t>
     </dgm:pt>
     <dgm:pt modelId="{E97B2894-65AA-4430-95E4-2E34BED60523}" type="sibTrans" cxnId="{466FFD72-9E5D-45F3-B923-AC5E0439921B}">
       <dgm:prSet/>
       <dgm:spPr/>
+      <dgm:t>
+        <a:bodyPr/>
+        <a:lstStyle/>
+        <a:p>
+          <a:endParaRPr lang="en-US"/>
+        </a:p>
+      </dgm:t>
     </dgm:pt>
     <dgm:pt modelId="{96E9D714-EB4E-4C1B-88E5-3815B9049119}">
       <dgm:prSet phldrT="[Text]" custT="1"/>
@@ -1402,7 +1432,7 @@
         <a:bodyPr/>
         <a:lstStyle/>
         <a:p>
-          <a:pPr marL="0" lvl="0" indent="0" algn="l" defTabSz="1066800">
+          <a:pPr marL="171450" lvl="1" indent="-171450" algn="l" defTabSz="711200">
             <a:lnSpc>
               <a:spcPct val="90000"/>
             </a:lnSpc>
@@ -1410,8 +1440,9 @@
               <a:spcPct val="0"/>
             </a:spcBef>
             <a:spcAft>
-              <a:spcPct val="35000"/>
+              <a:spcPct val="15000"/>
             </a:spcAft>
+            <a:buChar char="•"/>
           </a:pPr>
           <a:r>
             <a:rPr lang="en-US" sz="1600" kern="1200" dirty="0">
@@ -1430,10 +1461,24 @@
     <dgm:pt modelId="{BF2DAFB7-E4AE-48F5-8B9B-75A0B82BFF0F}" type="parTrans" cxnId="{C0F65EAD-6F82-4272-9730-901B7C79889B}">
       <dgm:prSet/>
       <dgm:spPr/>
+      <dgm:t>
+        <a:bodyPr/>
+        <a:lstStyle/>
+        <a:p>
+          <a:endParaRPr lang="en-US"/>
+        </a:p>
+      </dgm:t>
     </dgm:pt>
     <dgm:pt modelId="{D6E3953B-FD53-4FCB-881C-323904B8DA16}" type="sibTrans" cxnId="{C0F65EAD-6F82-4272-9730-901B7C79889B}">
       <dgm:prSet/>
       <dgm:spPr/>
+      <dgm:t>
+        <a:bodyPr/>
+        <a:lstStyle/>
+        <a:p>
+          <a:endParaRPr lang="en-US"/>
+        </a:p>
+      </dgm:t>
     </dgm:pt>
     <dgm:pt modelId="{08E67EBE-D764-4C44-B011-6FADB4BA518F}">
       <dgm:prSet phldrT="[Text]" custT="1"/>
@@ -1442,7 +1487,7 @@
         <a:bodyPr/>
         <a:lstStyle/>
         <a:p>
-          <a:pPr marL="0" lvl="0" indent="0" algn="l" defTabSz="1066800">
+          <a:pPr marL="171450" lvl="1" indent="-171450" algn="l" defTabSz="711200">
             <a:lnSpc>
               <a:spcPct val="90000"/>
             </a:lnSpc>
@@ -1450,8 +1495,9 @@
               <a:spcPct val="0"/>
             </a:spcBef>
             <a:spcAft>
-              <a:spcPct val="35000"/>
+              <a:spcPct val="15000"/>
             </a:spcAft>
+            <a:buChar char="•"/>
           </a:pPr>
           <a:r>
             <a:rPr lang="en-US" sz="1600" kern="1200" dirty="0">
@@ -1470,10 +1516,24 @@
     <dgm:pt modelId="{5A8D1A44-0A64-41A3-A1C8-B5DC1DA7B7C4}" type="parTrans" cxnId="{4A56CBA5-BD9C-4C75-A83F-B2BD9D52546B}">
       <dgm:prSet/>
       <dgm:spPr/>
+      <dgm:t>
+        <a:bodyPr/>
+        <a:lstStyle/>
+        <a:p>
+          <a:endParaRPr lang="en-US"/>
+        </a:p>
+      </dgm:t>
     </dgm:pt>
     <dgm:pt modelId="{ED1F1DDA-AC9A-46DD-8052-4BCB23D32D64}" type="sibTrans" cxnId="{4A56CBA5-BD9C-4C75-A83F-B2BD9D52546B}">
       <dgm:prSet/>
       <dgm:spPr/>
+      <dgm:t>
+        <a:bodyPr/>
+        <a:lstStyle/>
+        <a:p>
+          <a:endParaRPr lang="en-US"/>
+        </a:p>
+      </dgm:t>
     </dgm:pt>
     <dgm:pt modelId="{4904B670-7BD2-491B-B721-97496CF3C048}">
       <dgm:prSet phldrT="[Text]" custT="1"/>
@@ -1482,7 +1542,7 @@
         <a:bodyPr/>
         <a:lstStyle/>
         <a:p>
-          <a:pPr marL="0" lvl="0" indent="0" algn="l" defTabSz="1066800">
+          <a:pPr marL="171450" lvl="1" indent="-171450" algn="l" defTabSz="711200">
             <a:lnSpc>
               <a:spcPct val="90000"/>
             </a:lnSpc>
@@ -1490,8 +1550,9 @@
               <a:spcPct val="0"/>
             </a:spcBef>
             <a:spcAft>
-              <a:spcPct val="35000"/>
+              <a:spcPct val="15000"/>
             </a:spcAft>
+            <a:buChar char="•"/>
           </a:pPr>
           <a:r>
             <a:rPr lang="en-US" sz="1600" kern="1200" dirty="0">
@@ -1510,10 +1571,24 @@
     <dgm:pt modelId="{45AFB7A4-4827-42E8-97EB-EAA08644BF03}" type="parTrans" cxnId="{6A71D180-0884-468C-84A6-453B33FC6DAC}">
       <dgm:prSet/>
       <dgm:spPr/>
+      <dgm:t>
+        <a:bodyPr/>
+        <a:lstStyle/>
+        <a:p>
+          <a:endParaRPr lang="en-US"/>
+        </a:p>
+      </dgm:t>
     </dgm:pt>
     <dgm:pt modelId="{E399DDBC-344B-493D-8484-7ECE0CCD8877}" type="sibTrans" cxnId="{6A71D180-0884-468C-84A6-453B33FC6DAC}">
       <dgm:prSet/>
       <dgm:spPr/>
+      <dgm:t>
+        <a:bodyPr/>
+        <a:lstStyle/>
+        <a:p>
+          <a:endParaRPr lang="en-US"/>
+        </a:p>
+      </dgm:t>
     </dgm:pt>
     <dgm:pt modelId="{B73D9CB7-4E97-47C6-94B5-869FC30827AD}">
       <dgm:prSet custT="1"/>
@@ -1522,7 +1597,7 @@
         <a:bodyPr/>
         <a:lstStyle/>
         <a:p>
-          <a:pPr marL="285750" lvl="1" indent="0" algn="l" defTabSz="1733550">
+          <a:pPr marL="171450" lvl="1" indent="-171450" algn="l" defTabSz="711200">
             <a:lnSpc>
               <a:spcPct val="90000"/>
             </a:lnSpc>
@@ -1532,9 +1607,17 @@
             <a:spcAft>
               <a:spcPct val="15000"/>
             </a:spcAft>
+            <a:buChar char="•"/>
           </a:pPr>
           <a:r>
-            <a:rPr lang="en-US" sz="1600" kern="1200" dirty="0"/>
+            <a:rPr lang="en-US" sz="1600" kern="1200" dirty="0">
+              <a:solidFill>
+                <a:prstClr val="white"/>
+              </a:solidFill>
+              <a:latin typeface="Calibri" panose="020F0502020204030204"/>
+              <a:ea typeface="+mn-ea"/>
+              <a:cs typeface="+mn-cs"/>
+            </a:rPr>
             <a:t>All the final models are saved in a Pickle file </a:t>
           </a:r>
         </a:p>
@@ -1569,7 +1652,7 @@
         <a:bodyPr/>
         <a:lstStyle/>
         <a:p>
-          <a:pPr marL="285750" lvl="1" indent="0" algn="l" defTabSz="1733550">
+          <a:pPr marL="171450" lvl="1" indent="-171450" algn="l" defTabSz="711200">
             <a:lnSpc>
               <a:spcPct val="90000"/>
             </a:lnSpc>
@@ -1579,9 +1662,17 @@
             <a:spcAft>
               <a:spcPct val="15000"/>
             </a:spcAft>
+            <a:buChar char="•"/>
           </a:pPr>
           <a:r>
-            <a:rPr lang="en-US" sz="1600" kern="1200" dirty="0"/>
+            <a:rPr lang="en-US" sz="1600" kern="1200" dirty="0">
+              <a:solidFill>
+                <a:prstClr val="white"/>
+              </a:solidFill>
+              <a:latin typeface="Calibri" panose="020F0502020204030204"/>
+              <a:ea typeface="+mn-ea"/>
+              <a:cs typeface="+mn-cs"/>
+            </a:rPr>
             <a:t>Intermediate pickle file was created to save a state of data wherever process was time consuming</a:t>
           </a:r>
         </a:p>
@@ -1764,8 +1855,8 @@
       </dsp:nvSpPr>
       <dsp:spPr>
         <a:xfrm rot="16200000">
-          <a:off x="-1325920" y="1326929"/>
-          <a:ext cx="5275822" cy="2621963"/>
+          <a:off x="-1259112" y="1260120"/>
+          <a:ext cx="5142205" cy="2621963"/>
         </a:xfrm>
         <a:prstGeom prst="flowChartManualOperation">
           <a:avLst/>
@@ -1862,7 +1953,7 @@
           </a:pPr>
           <a:r>
             <a:rPr lang="en-US" sz="1600" kern="1200" dirty="0"/>
-            <a:t>Data can be downloaded for one year at a time2015-2017</a:t>
+            <a:t>Data can be downloaded for one year at a time 2015-2017</a:t>
           </a:r>
         </a:p>
         <a:p>
@@ -1916,7 +2007,7 @@
           </a:pPr>
           <a:r>
             <a:rPr lang="en-US" sz="1600" kern="1200" dirty="0"/>
-            <a:t>Each CSV file has of loan records in millions</a:t>
+            <a:t>Each CSV file has loan records in millions</a:t>
           </a:r>
         </a:p>
         <a:p>
@@ -1939,8 +2030,8 @@
         </a:p>
       </dsp:txBody>
       <dsp:txXfrm rot="5400000">
-        <a:off x="1009" y="1055164"/>
-        <a:ext cx="2621963" cy="3165494"/>
+        <a:off x="1009" y="1028440"/>
+        <a:ext cx="2621963" cy="3085323"/>
       </dsp:txXfrm>
     </dsp:sp>
     <dsp:sp modelId="{E68B69EC-F041-40C3-BD3C-3C57EB372AF0}">
@@ -1950,8 +2041,8 @@
       </dsp:nvSpPr>
       <dsp:spPr>
         <a:xfrm rot="16200000">
-          <a:off x="1492689" y="1326929"/>
-          <a:ext cx="5275822" cy="2621963"/>
+          <a:off x="1559498" y="1260120"/>
+          <a:ext cx="5142205" cy="2621963"/>
         </a:xfrm>
         <a:prstGeom prst="flowChartManualOperation">
           <a:avLst/>
@@ -2023,7 +2114,7 @@
           </a:r>
         </a:p>
         <a:p>
-          <a:pPr marL="0" lvl="0" indent="0" algn="l" defTabSz="1066800">
+          <a:pPr marL="171450" lvl="1" indent="-171450" algn="l" defTabSz="711200">
             <a:lnSpc>
               <a:spcPct val="90000"/>
             </a:lnSpc>
@@ -2031,25 +2122,24 @@
               <a:spcPct val="0"/>
             </a:spcBef>
             <a:spcAft>
-              <a:spcPct val="35000"/>
+              <a:spcPct val="15000"/>
             </a:spcAft>
             <a:buChar char="•"/>
           </a:pPr>
           <a:r>
-            <a:rPr lang="en-US" sz="1600" kern="1200" dirty="0"/>
+            <a:rPr lang="en-US" sz="1600" kern="1200" dirty="0">
+              <a:solidFill>
+                <a:prstClr val="white"/>
+              </a:solidFill>
+              <a:latin typeface="Calibri" panose="020F0502020204030204"/>
+              <a:ea typeface="+mn-ea"/>
+              <a:cs typeface="+mn-cs"/>
+            </a:rPr>
             <a:t>Merged with FIPS database for county information</a:t>
           </a:r>
-          <a:endParaRPr lang="en-US" sz="1600" kern="1200" dirty="0">
-            <a:solidFill>
-              <a:prstClr val="white"/>
-            </a:solidFill>
-            <a:latin typeface="Calibri" panose="020F0502020204030204"/>
-            <a:ea typeface="+mn-ea"/>
-            <a:cs typeface="+mn-cs"/>
-          </a:endParaRPr>
         </a:p>
         <a:p>
-          <a:pPr marL="0" lvl="0" indent="0" algn="l" defTabSz="1066800">
+          <a:pPr marL="171450" lvl="1" indent="-171450" algn="l" defTabSz="711200">
             <a:lnSpc>
               <a:spcPct val="90000"/>
             </a:lnSpc>
@@ -2057,7 +2147,7 @@
               <a:spcPct val="0"/>
             </a:spcBef>
             <a:spcAft>
-              <a:spcPct val="35000"/>
+              <a:spcPct val="15000"/>
             </a:spcAft>
             <a:buChar char="•"/>
           </a:pPr>
@@ -2074,7 +2164,7 @@
           </a:r>
         </a:p>
         <a:p>
-          <a:pPr marL="0" lvl="0" indent="0" algn="l" defTabSz="1066800">
+          <a:pPr marL="171450" lvl="1" indent="-171450" algn="l" defTabSz="711200">
             <a:lnSpc>
               <a:spcPct val="90000"/>
             </a:lnSpc>
@@ -2082,7 +2172,7 @@
               <a:spcPct val="0"/>
             </a:spcBef>
             <a:spcAft>
-              <a:spcPct val="35000"/>
+              <a:spcPct val="15000"/>
             </a:spcAft>
             <a:buChar char="•"/>
           </a:pPr>
@@ -2099,7 +2189,7 @@
           </a:r>
         </a:p>
         <a:p>
-          <a:pPr marL="0" lvl="0" indent="0" algn="l" defTabSz="1066800">
+          <a:pPr marL="171450" lvl="1" indent="-171450" algn="l" defTabSz="711200">
             <a:lnSpc>
               <a:spcPct val="90000"/>
             </a:lnSpc>
@@ -2107,7 +2197,7 @@
               <a:spcPct val="0"/>
             </a:spcBef>
             <a:spcAft>
-              <a:spcPct val="35000"/>
+              <a:spcPct val="15000"/>
             </a:spcAft>
             <a:buChar char="•"/>
           </a:pPr>
@@ -2124,7 +2214,7 @@
           </a:r>
         </a:p>
         <a:p>
-          <a:pPr marL="0" lvl="0" indent="0" algn="l" defTabSz="1066800">
+          <a:pPr marL="171450" lvl="1" indent="-171450" algn="l" defTabSz="711200">
             <a:lnSpc>
               <a:spcPct val="90000"/>
             </a:lnSpc>
@@ -2132,7 +2222,7 @@
               <a:spcPct val="0"/>
             </a:spcBef>
             <a:spcAft>
-              <a:spcPct val="35000"/>
+              <a:spcPct val="15000"/>
             </a:spcAft>
             <a:buChar char="•"/>
           </a:pPr>
@@ -2150,8 +2240,8 @@
         </a:p>
       </dsp:txBody>
       <dsp:txXfrm rot="5400000">
-        <a:off x="2819618" y="1055164"/>
-        <a:ext cx="2621963" cy="3165494"/>
+        <a:off x="2819619" y="1028440"/>
+        <a:ext cx="2621963" cy="3085323"/>
       </dsp:txXfrm>
     </dsp:sp>
     <dsp:sp modelId="{FE5BE274-B090-47D1-BE73-5C49738CFD90}">
@@ -2161,8 +2251,8 @@
       </dsp:nvSpPr>
       <dsp:spPr>
         <a:xfrm rot="16200000">
-          <a:off x="4311300" y="1326929"/>
-          <a:ext cx="5275822" cy="2621963"/>
+          <a:off x="4378109" y="1260120"/>
+          <a:ext cx="5142205" cy="2621963"/>
         </a:xfrm>
         <a:prstGeom prst="flowChartManualOperation">
           <a:avLst/>
@@ -2204,7 +2294,7 @@
         </a:fontRef>
       </dsp:style>
       <dsp:txBody>
-        <a:bodyPr spcFirstLastPara="0" vert="horz" wrap="square" lIns="152400" tIns="0" rIns="152400" bIns="0" numCol="1" spcCol="1270" anchor="t" anchorCtr="0">
+        <a:bodyPr spcFirstLastPara="0" vert="horz" wrap="square" lIns="101600" tIns="0" rIns="101600" bIns="0" numCol="1" spcCol="1270" anchor="t" anchorCtr="0">
           <a:noAutofit/>
         </a:bodyPr>
         <a:lstStyle/>
@@ -2222,7 +2312,7 @@
             <a:buNone/>
           </a:pPr>
           <a:r>
-            <a:rPr lang="en-US" sz="2400" kern="1200" dirty="0">
+            <a:rPr lang="en-US" sz="1600" kern="1200" dirty="0">
               <a:solidFill>
                 <a:prstClr val="white"/>
               </a:solidFill>
@@ -2234,7 +2324,7 @@
           </a:r>
         </a:p>
         <a:p>
-          <a:pPr marL="285750" lvl="1" indent="0" algn="l" defTabSz="1733550">
+          <a:pPr marL="171450" lvl="1" indent="-171450" algn="l" defTabSz="711200">
             <a:lnSpc>
               <a:spcPct val="90000"/>
             </a:lnSpc>
@@ -2247,12 +2337,19 @@
             <a:buChar char="•"/>
           </a:pPr>
           <a:r>
-            <a:rPr lang="en-US" sz="1600" kern="1200" dirty="0"/>
+            <a:rPr lang="en-US" sz="1600" kern="1200" dirty="0">
+              <a:solidFill>
+                <a:prstClr val="white"/>
+              </a:solidFill>
+              <a:latin typeface="Calibri" panose="020F0502020204030204"/>
+              <a:ea typeface="+mn-ea"/>
+              <a:cs typeface="+mn-cs"/>
+            </a:rPr>
             <a:t>Pickle object sterilization is utilized to store each month data frame</a:t>
           </a:r>
         </a:p>
         <a:p>
-          <a:pPr marL="285750" lvl="1" indent="0" algn="l" defTabSz="1733550">
+          <a:pPr marL="171450" lvl="1" indent="-171450" algn="l" defTabSz="711200">
             <a:lnSpc>
               <a:spcPct val="90000"/>
             </a:lnSpc>
@@ -2265,12 +2362,19 @@
             <a:buChar char="•"/>
           </a:pPr>
           <a:r>
-            <a:rPr lang="en-US" sz="1600" kern="1200" dirty="0"/>
+            <a:rPr lang="en-US" sz="1600" kern="1200" dirty="0">
+              <a:solidFill>
+                <a:prstClr val="white"/>
+              </a:solidFill>
+              <a:latin typeface="Calibri" panose="020F0502020204030204"/>
+              <a:ea typeface="+mn-ea"/>
+              <a:cs typeface="+mn-cs"/>
+            </a:rPr>
             <a:t>All the final models are saved in a Pickle file </a:t>
           </a:r>
         </a:p>
         <a:p>
-          <a:pPr marL="285750" lvl="1" indent="0" algn="l" defTabSz="1733550">
+          <a:pPr marL="171450" lvl="1" indent="-171450" algn="l" defTabSz="711200">
             <a:lnSpc>
               <a:spcPct val="90000"/>
             </a:lnSpc>
@@ -2283,7 +2387,14 @@
             <a:buChar char="•"/>
           </a:pPr>
           <a:r>
-            <a:rPr lang="en-US" sz="1600" kern="1200" dirty="0"/>
+            <a:rPr lang="en-US" sz="1600" kern="1200" dirty="0">
+              <a:solidFill>
+                <a:prstClr val="white"/>
+              </a:solidFill>
+              <a:latin typeface="Calibri" panose="020F0502020204030204"/>
+              <a:ea typeface="+mn-ea"/>
+              <a:cs typeface="+mn-cs"/>
+            </a:rPr>
             <a:t>Intermediate pickle file was created to save a state of data wherever process was time consuming</a:t>
           </a:r>
         </a:p>
@@ -2304,8 +2415,8 @@
         </a:p>
       </dsp:txBody>
       <dsp:txXfrm rot="5400000">
-        <a:off x="5638229" y="1055164"/>
-        <a:ext cx="2621963" cy="3165494"/>
+        <a:off x="5638230" y="1028440"/>
+        <a:ext cx="2621963" cy="3085323"/>
       </dsp:txXfrm>
     </dsp:sp>
   </dsp:spTree>
@@ -3665,7 +3776,7 @@
           <a:p>
             <a:fld id="{8EE5D4FF-F34F-4810-8F40-C4B8AA92A553}" type="datetimeFigureOut">
               <a:rPr lang="en-US" smtClean="0"/>
-              <a:t>7/26/2018</a:t>
+              <a:t>7/27/2018</a:t>
             </a:fld>
             <a:endParaRPr lang="en-US"/>
           </a:p>
@@ -3863,7 +3974,7 @@
           <a:p>
             <a:fld id="{8EE5D4FF-F34F-4810-8F40-C4B8AA92A553}" type="datetimeFigureOut">
               <a:rPr lang="en-US" smtClean="0"/>
-              <a:t>7/26/2018</a:t>
+              <a:t>7/27/2018</a:t>
             </a:fld>
             <a:endParaRPr lang="en-US"/>
           </a:p>
@@ -4071,7 +4182,7 @@
           <a:p>
             <a:fld id="{8EE5D4FF-F34F-4810-8F40-C4B8AA92A553}" type="datetimeFigureOut">
               <a:rPr lang="en-US" smtClean="0"/>
-              <a:t>7/26/2018</a:t>
+              <a:t>7/27/2018</a:t>
             </a:fld>
             <a:endParaRPr lang="en-US"/>
           </a:p>
@@ -4273,7 +4384,7 @@
           <a:p>
             <a:fld id="{B745CBB4-17F1-5643-8DEB-75599D970D44}" type="datetime1">
               <a:rPr lang="en-US" smtClean="0"/>
-              <a:t>7/26/2018</a:t>
+              <a:t>7/27/2018</a:t>
             </a:fld>
             <a:endParaRPr lang="en-US"/>
           </a:p>
@@ -4441,7 +4552,7 @@
           <a:p>
             <a:fld id="{E5F896B3-AA55-C94D-BE44-808909993477}" type="datetime1">
               <a:rPr lang="en-US" smtClean="0"/>
-              <a:t>7/26/2018</a:t>
+              <a:t>7/27/2018</a:t>
             </a:fld>
             <a:endParaRPr lang="en-US"/>
           </a:p>
@@ -4755,7 +4866,7 @@
           <a:p>
             <a:fld id="{E0CE3727-2199-5649-AC87-E6E5681E0B8E}" type="datetime1">
               <a:rPr lang="en-US" smtClean="0"/>
-              <a:t>7/26/2018</a:t>
+              <a:t>7/27/2018</a:t>
             </a:fld>
             <a:endParaRPr lang="en-US"/>
           </a:p>
@@ -4984,7 +5095,7 @@
           <a:p>
             <a:fld id="{A93865B3-41D5-034E-B6F1-60C5D9F4873F}" type="datetime1">
               <a:rPr lang="en-US" smtClean="0"/>
-              <a:t>7/26/2018</a:t>
+              <a:t>7/27/2018</a:t>
             </a:fld>
             <a:endParaRPr lang="en-US"/>
           </a:p>
@@ -5348,7 +5459,7 @@
           <a:p>
             <a:fld id="{B112CA36-708B-7648-BF90-9D250630A9E2}" type="datetime1">
               <a:rPr lang="en-US" smtClean="0"/>
-              <a:t>7/26/2018</a:t>
+              <a:t>7/27/2018</a:t>
             </a:fld>
             <a:endParaRPr lang="en-US"/>
           </a:p>
@@ -5465,7 +5576,7 @@
           <a:p>
             <a:fld id="{7F45DEAB-756C-5E4E-ACB5-A6BFCCE26CCF}" type="datetime1">
               <a:rPr lang="en-US" smtClean="0"/>
-              <a:t>7/26/2018</a:t>
+              <a:t>7/27/2018</a:t>
             </a:fld>
             <a:endParaRPr lang="en-US"/>
           </a:p>
@@ -5560,7 +5671,7 @@
           <a:p>
             <a:fld id="{64429A69-FC37-2F46-BF78-223F97D3DBFE}" type="datetime1">
               <a:rPr lang="en-US" smtClean="0"/>
-              <a:t>7/26/2018</a:t>
+              <a:t>7/27/2018</a:t>
             </a:fld>
             <a:endParaRPr lang="en-US"/>
           </a:p>
@@ -5835,7 +5946,7 @@
           <a:p>
             <a:fld id="{15AA053D-4144-9F49-9F85-C796B4CF14D8}" type="datetime1">
               <a:rPr lang="en-US" smtClean="0"/>
-              <a:t>7/26/2018</a:t>
+              <a:t>7/27/2018</a:t>
             </a:fld>
             <a:endParaRPr lang="en-US"/>
           </a:p>
@@ -6021,7 +6132,7 @@
           <a:p>
             <a:fld id="{8EE5D4FF-F34F-4810-8F40-C4B8AA92A553}" type="datetimeFigureOut">
               <a:rPr lang="en-US" smtClean="0"/>
-              <a:t>7/26/2018</a:t>
+              <a:t>7/27/2018</a:t>
             </a:fld>
             <a:endParaRPr lang="en-US"/>
           </a:p>
@@ -6285,7 +6396,7 @@
           <a:p>
             <a:fld id="{ED2BF090-368A-7842-8F3E-58B347A106A8}" type="datetime1">
               <a:rPr lang="en-US" smtClean="0"/>
-              <a:t>7/26/2018</a:t>
+              <a:t>7/27/2018</a:t>
             </a:fld>
             <a:endParaRPr lang="en-US"/>
           </a:p>
@@ -6453,7 +6564,7 @@
           <a:p>
             <a:fld id="{7296C603-CFE9-A94B-8A03-3FFCE6FFF9B1}" type="datetime1">
               <a:rPr lang="en-US" smtClean="0"/>
-              <a:t>7/26/2018</a:t>
+              <a:t>7/27/2018</a:t>
             </a:fld>
             <a:endParaRPr lang="en-US"/>
           </a:p>
@@ -6631,7 +6742,7 @@
           <a:p>
             <a:fld id="{1E769188-4CD3-8144-9C7A-626107CDAE3A}" type="datetime1">
               <a:rPr lang="en-US" smtClean="0"/>
-              <a:t>7/26/2018</a:t>
+              <a:t>7/27/2018</a:t>
             </a:fld>
             <a:endParaRPr lang="en-US"/>
           </a:p>
@@ -6894,7 +7005,7 @@
           <a:p>
             <a:fld id="{8EE5D4FF-F34F-4810-8F40-C4B8AA92A553}" type="datetimeFigureOut">
               <a:rPr lang="en-US" smtClean="0"/>
-              <a:t>7/26/2018</a:t>
+              <a:t>7/27/2018</a:t>
             </a:fld>
             <a:endParaRPr lang="en-US"/>
           </a:p>
@@ -7159,7 +7270,7 @@
           <a:p>
             <a:fld id="{8EE5D4FF-F34F-4810-8F40-C4B8AA92A553}" type="datetimeFigureOut">
               <a:rPr lang="en-US" smtClean="0"/>
-              <a:t>7/26/2018</a:t>
+              <a:t>7/27/2018</a:t>
             </a:fld>
             <a:endParaRPr lang="en-US"/>
           </a:p>
@@ -7571,7 +7682,7 @@
           <a:p>
             <a:fld id="{8EE5D4FF-F34F-4810-8F40-C4B8AA92A553}" type="datetimeFigureOut">
               <a:rPr lang="en-US" smtClean="0"/>
-              <a:t>7/26/2018</a:t>
+              <a:t>7/27/2018</a:t>
             </a:fld>
             <a:endParaRPr lang="en-US"/>
           </a:p>
@@ -7712,7 +7823,7 @@
           <a:p>
             <a:fld id="{8EE5D4FF-F34F-4810-8F40-C4B8AA92A553}" type="datetimeFigureOut">
               <a:rPr lang="en-US" smtClean="0"/>
-              <a:t>7/26/2018</a:t>
+              <a:t>7/27/2018</a:t>
             </a:fld>
             <a:endParaRPr lang="en-US"/>
           </a:p>
@@ -7825,7 +7936,7 @@
           <a:p>
             <a:fld id="{8EE5D4FF-F34F-4810-8F40-C4B8AA92A553}" type="datetimeFigureOut">
               <a:rPr lang="en-US" smtClean="0"/>
-              <a:t>7/26/2018</a:t>
+              <a:t>7/27/2018</a:t>
             </a:fld>
             <a:endParaRPr lang="en-US"/>
           </a:p>
@@ -8136,7 +8247,7 @@
           <a:p>
             <a:fld id="{8EE5D4FF-F34F-4810-8F40-C4B8AA92A553}" type="datetimeFigureOut">
               <a:rPr lang="en-US" smtClean="0"/>
-              <a:t>7/26/2018</a:t>
+              <a:t>7/27/2018</a:t>
             </a:fld>
             <a:endParaRPr lang="en-US"/>
           </a:p>
@@ -8424,7 +8535,7 @@
           <a:p>
             <a:fld id="{8EE5D4FF-F34F-4810-8F40-C4B8AA92A553}" type="datetimeFigureOut">
               <a:rPr lang="en-US" smtClean="0"/>
-              <a:t>7/26/2018</a:t>
+              <a:t>7/27/2018</a:t>
             </a:fld>
             <a:endParaRPr lang="en-US"/>
           </a:p>
@@ -8665,7 +8776,7 @@
           <a:p>
             <a:fld id="{8EE5D4FF-F34F-4810-8F40-C4B8AA92A553}" type="datetimeFigureOut">
               <a:rPr lang="en-US" smtClean="0"/>
-              <a:t>7/26/2018</a:t>
+              <a:t>7/27/2018</a:t>
             </a:fld>
             <a:endParaRPr lang="en-US"/>
           </a:p>
@@ -9215,7 +9326,7 @@
           <a:p>
             <a:fld id="{37ACA1DE-B3E7-4647-BF9E-AE25C997A068}" type="datetime1">
               <a:rPr lang="en-US" smtClean="0"/>
-              <a:t>7/26/2018</a:t>
+              <a:t>7/27/2018</a:t>
             </a:fld>
             <a:endParaRPr lang="en-US"/>
           </a:p>
@@ -9654,7 +9765,7 @@
         </p:blipFill>
         <p:spPr bwMode="auto">
           <a:xfrm>
-            <a:off x="-1" y="-1662756"/>
+            <a:off x="-69057" y="-1662756"/>
             <a:ext cx="12330113" cy="8520756"/>
           </a:xfrm>
           <a:prstGeom prst="rect">
@@ -9978,6 +10089,83 @@
           </a:ln>
         </p:spPr>
       </p:pic>
+      <p:sp>
+        <p:nvSpPr>
+          <p:cNvPr id="7" name="Title 1">
+            <a:extLst>
+              <a:ext uri="{FF2B5EF4-FFF2-40B4-BE49-F238E27FC236}">
+                <a16:creationId xmlns:a16="http://schemas.microsoft.com/office/drawing/2014/main" id="{90CDDF3E-AD4F-4050-95B5-D37635604981}"/>
+              </a:ext>
+            </a:extLst>
+          </p:cNvPr>
+          <p:cNvSpPr txBox="1">
+            <a:spLocks/>
+          </p:cNvSpPr>
+          <p:nvPr/>
+        </p:nvSpPr>
+        <p:spPr>
+          <a:xfrm>
+            <a:off x="836395" y="5188097"/>
+            <a:ext cx="10901361" cy="1476945"/>
+          </a:xfrm>
+          <a:prstGeom prst="rect">
+            <a:avLst/>
+          </a:prstGeom>
+        </p:spPr>
+        <p:txBody>
+          <a:bodyPr vert="horz" lIns="91440" tIns="45720" rIns="91440" bIns="45720" rtlCol="0" anchor="b">
+            <a:noAutofit/>
+          </a:bodyPr>
+          <a:lstStyle>
+            <a:lvl1pPr algn="l" defTabSz="914400" rtl="0" eaLnBrk="1" latinLnBrk="0" hangingPunct="1">
+              <a:lnSpc>
+                <a:spcPct val="90000"/>
+              </a:lnSpc>
+              <a:spcBef>
+                <a:spcPct val="0"/>
+              </a:spcBef>
+              <a:buNone/>
+              <a:defRPr sz="4400" kern="1200">
+                <a:solidFill>
+                  <a:schemeClr val="tx1"/>
+                </a:solidFill>
+                <a:latin typeface="+mj-lt"/>
+                <a:ea typeface="+mj-ea"/>
+                <a:cs typeface="+mj-cs"/>
+              </a:defRPr>
+            </a:lvl1pPr>
+          </a:lstStyle>
+          <a:p>
+            <a:pPr algn="ctr"/>
+            <a:r>
+              <a:rPr lang="en-US" sz="2800" b="1" dirty="0">
+                <a:latin typeface="+mn-lt"/>
+                <a:cs typeface="Arial" panose="020B0604020202020204" pitchFamily="34" charset="0"/>
+              </a:rPr>
+              <a:t>Thanks to Springboard Mentor </a:t>
+            </a:r>
+            <a:br>
+              <a:rPr lang="en-US" sz="2800" b="1" dirty="0">
+                <a:latin typeface="+mn-lt"/>
+                <a:cs typeface="Arial" panose="020B0604020202020204" pitchFamily="34" charset="0"/>
+              </a:rPr>
+            </a:br>
+            <a:br>
+              <a:rPr lang="en-US" sz="2800" b="1" dirty="0">
+                <a:latin typeface="+mn-lt"/>
+                <a:cs typeface="Arial" panose="020B0604020202020204" pitchFamily="34" charset="0"/>
+              </a:rPr>
+            </a:br>
+            <a:r>
+              <a:rPr lang="en-US" sz="2800" b="1" dirty="0">
+                <a:latin typeface="+mn-lt"/>
+                <a:cs typeface="Arial" panose="020B0604020202020204" pitchFamily="34" charset="0"/>
+              </a:rPr>
+              <a:t>AJ Sanchez </a:t>
+            </a:r>
+          </a:p>
+        </p:txBody>
+      </p:sp>
     </p:spTree>
     <p:extLst>
       <p:ext uri="{BB962C8B-B14F-4D97-AF65-F5344CB8AC3E}">
@@ -10008,12 +10196,822 @@
           <a:chExt cx="0" cy="0"/>
         </a:xfrm>
       </p:grpSpPr>
+      <p:pic>
+        <p:nvPicPr>
+          <p:cNvPr id="4" name="Content Placeholder 3">
+            <a:extLst>
+              <a:ext uri="{FF2B5EF4-FFF2-40B4-BE49-F238E27FC236}">
+                <a16:creationId xmlns:a16="http://schemas.microsoft.com/office/drawing/2014/main" id="{DB016458-1245-4732-88D3-A098790DFFBF}"/>
+              </a:ext>
+            </a:extLst>
+          </p:cNvPr>
+          <p:cNvPicPr>
+            <a:picLocks noGrp="1"/>
+          </p:cNvPicPr>
+          <p:nvPr>
+            <p:ph idx="1"/>
+          </p:nvPr>
+        </p:nvPicPr>
+        <p:blipFill>
+          <a:blip r:embed="rId2">
+            <a:extLst>
+              <a:ext uri="{BEBA8EAE-BF5A-486C-A8C5-ECC9F3942E4B}">
+                <a14:imgProps xmlns:a14="http://schemas.microsoft.com/office/drawing/2010/main">
+                  <a14:imgLayer r:embed="rId3">
+                    <a14:imgEffect>
+                      <a14:sharpenSoften amount="42000"/>
+                    </a14:imgEffect>
+                    <a14:imgEffect>
+                      <a14:saturation sat="173000"/>
+                    </a14:imgEffect>
+                  </a14:imgLayer>
+                </a14:imgProps>
+              </a:ext>
+              <a:ext uri="{28A0092B-C50C-407E-A947-70E740481C1C}">
+                <a14:useLocalDpi xmlns:a14="http://schemas.microsoft.com/office/drawing/2010/main" val="0"/>
+              </a:ext>
+            </a:extLst>
+          </a:blip>
+          <a:stretch>
+            <a:fillRect/>
+          </a:stretch>
+        </p:blipFill>
+        <p:spPr>
+          <a:xfrm>
+            <a:off x="2653777" y="553454"/>
+            <a:ext cx="6899297" cy="6184230"/>
+          </a:xfrm>
+          <a:prstGeom prst="rect">
+            <a:avLst/>
+          </a:prstGeom>
+          <a:ln>
+            <a:noFill/>
+          </a:ln>
+          <a:effectLst>
+            <a:outerShdw blurRad="292100" dist="139700" dir="2700000" algn="tl" rotWithShape="0">
+              <a:srgbClr val="333333">
+                <a:alpha val="65000"/>
+              </a:srgbClr>
+            </a:outerShdw>
+          </a:effectLst>
+        </p:spPr>
+      </p:pic>
+      <p:sp>
+        <p:nvSpPr>
+          <p:cNvPr id="5" name="Title 1">
+            <a:extLst>
+              <a:ext uri="{FF2B5EF4-FFF2-40B4-BE49-F238E27FC236}">
+                <a16:creationId xmlns:a16="http://schemas.microsoft.com/office/drawing/2014/main" id="{F65453D9-CCE2-4DE7-8584-BE5F968288F5}"/>
+              </a:ext>
+            </a:extLst>
+          </p:cNvPr>
+          <p:cNvSpPr txBox="1">
+            <a:spLocks/>
+          </p:cNvSpPr>
+          <p:nvPr/>
+        </p:nvSpPr>
+        <p:spPr>
+          <a:xfrm>
+            <a:off x="-11289" y="0"/>
+            <a:ext cx="12192000" cy="447674"/>
+          </a:xfrm>
+          <a:prstGeom prst="rect">
+            <a:avLst/>
+          </a:prstGeom>
+          <a:solidFill>
+            <a:schemeClr val="accent5">
+              <a:lumMod val="60000"/>
+              <a:lumOff val="40000"/>
+            </a:schemeClr>
+          </a:solidFill>
+        </p:spPr>
+        <p:txBody>
+          <a:bodyPr vert="horz" lIns="91440" tIns="45720" rIns="91440" bIns="45720" rtlCol="0" anchor="ctr">
+            <a:noAutofit/>
+          </a:bodyPr>
+          <a:lstStyle>
+            <a:lvl1pPr>
+              <a:lnSpc>
+                <a:spcPct val="90000"/>
+              </a:lnSpc>
+              <a:spcBef>
+                <a:spcPct val="0"/>
+              </a:spcBef>
+              <a:buNone/>
+              <a:defRPr sz="3600">
+                <a:ea typeface="+mj-ea"/>
+                <a:cs typeface="Arial" panose="020B0604020202020204" pitchFamily="34" charset="0"/>
+              </a:defRPr>
+            </a:lvl1pPr>
+          </a:lstStyle>
+          <a:p>
+            <a:r>
+              <a:rPr lang="en-US" dirty="0"/>
+              <a:t>Loan Status – Applicant Income </a:t>
+            </a:r>
+          </a:p>
+        </p:txBody>
+      </p:sp>
+    </p:spTree>
+    <p:extLst>
+      <p:ext uri="{BB962C8B-B14F-4D97-AF65-F5344CB8AC3E}">
+        <p14:creationId xmlns:p14="http://schemas.microsoft.com/office/powerpoint/2010/main" val="2556616605"/>
+      </p:ext>
+    </p:extLst>
+  </p:cSld>
+  <p:clrMapOvr>
+    <a:masterClrMapping/>
+  </p:clrMapOvr>
+</p:sld>
+</file>
+
+<file path=ppt/slides/slide11.xml><?xml version="1.0" encoding="utf-8"?>
+<p:sld xmlns:a="http://schemas.openxmlformats.org/drawingml/2006/main" xmlns:r="http://schemas.openxmlformats.org/officeDocument/2006/relationships" xmlns:p="http://schemas.openxmlformats.org/presentationml/2006/main">
+  <p:cSld>
+    <p:spTree>
+      <p:nvGrpSpPr>
+        <p:cNvPr id="1" name=""/>
+        <p:cNvGrpSpPr/>
+        <p:nvPr/>
+      </p:nvGrpSpPr>
+      <p:grpSpPr>
+        <a:xfrm>
+          <a:off x="0" y="0"/>
+          <a:ext cx="0" cy="0"/>
+          <a:chOff x="0" y="0"/>
+          <a:chExt cx="0" cy="0"/>
+        </a:xfrm>
+      </p:grpSpPr>
+      <p:sp>
+        <p:nvSpPr>
+          <p:cNvPr id="6" name="Title 1">
+            <a:extLst>
+              <a:ext uri="{FF2B5EF4-FFF2-40B4-BE49-F238E27FC236}">
+                <a16:creationId xmlns:a16="http://schemas.microsoft.com/office/drawing/2014/main" id="{91B5ECF8-A7E2-40E1-A001-3F47F361D7FE}"/>
+              </a:ext>
+            </a:extLst>
+          </p:cNvPr>
+          <p:cNvSpPr txBox="1">
+            <a:spLocks/>
+          </p:cNvSpPr>
+          <p:nvPr/>
+        </p:nvSpPr>
+        <p:spPr>
+          <a:xfrm>
+            <a:off x="-11289" y="0"/>
+            <a:ext cx="12192000" cy="447674"/>
+          </a:xfrm>
+          <a:prstGeom prst="rect">
+            <a:avLst/>
+          </a:prstGeom>
+          <a:solidFill>
+            <a:schemeClr val="accent5">
+              <a:lumMod val="60000"/>
+              <a:lumOff val="40000"/>
+            </a:schemeClr>
+          </a:solidFill>
+        </p:spPr>
+        <p:txBody>
+          <a:bodyPr vert="horz" lIns="91440" tIns="45720" rIns="91440" bIns="45720" rtlCol="0" anchor="ctr">
+            <a:noAutofit/>
+          </a:bodyPr>
+          <a:lstStyle>
+            <a:lvl1pPr>
+              <a:lnSpc>
+                <a:spcPct val="90000"/>
+              </a:lnSpc>
+              <a:spcBef>
+                <a:spcPct val="0"/>
+              </a:spcBef>
+              <a:buNone/>
+              <a:defRPr sz="3600">
+                <a:ea typeface="+mj-ea"/>
+                <a:cs typeface="Arial" panose="020B0604020202020204" pitchFamily="34" charset="0"/>
+              </a:defRPr>
+            </a:lvl1pPr>
+          </a:lstStyle>
+          <a:p>
+            <a:r>
+              <a:rPr lang="en-US" dirty="0"/>
+              <a:t>Loan Count – Loan Purpose for all US states</a:t>
+            </a:r>
+          </a:p>
+        </p:txBody>
+      </p:sp>
+      <p:sp>
+        <p:nvSpPr>
+          <p:cNvPr id="9" name="Text Placeholder 3">
+            <a:extLst>
+              <a:ext uri="{FF2B5EF4-FFF2-40B4-BE49-F238E27FC236}">
+                <a16:creationId xmlns:a16="http://schemas.microsoft.com/office/drawing/2014/main" id="{7F70EC9A-FE20-44EE-A76E-CFD0AD04BB76}"/>
+              </a:ext>
+            </a:extLst>
+          </p:cNvPr>
+          <p:cNvSpPr>
+            <a:spLocks noGrp="1"/>
+          </p:cNvSpPr>
+          <p:nvPr>
+            <p:ph type="body" sz="half" idx="2"/>
+          </p:nvPr>
+        </p:nvSpPr>
+        <p:spPr>
+          <a:xfrm>
+            <a:off x="6777485" y="708905"/>
+            <a:ext cx="5025494" cy="5872370"/>
+          </a:xfrm>
+          <a:solidFill>
+            <a:schemeClr val="bg2"/>
+          </a:solidFill>
+          <a:ln>
+            <a:solidFill>
+              <a:schemeClr val="bg2">
+                <a:lumMod val="75000"/>
+              </a:schemeClr>
+            </a:solidFill>
+          </a:ln>
+        </p:spPr>
+        <p:txBody>
+          <a:bodyPr>
+            <a:normAutofit lnSpcReduction="10000"/>
+          </a:bodyPr>
+          <a:lstStyle/>
+          <a:p>
+            <a:pPr marL="285750" indent="-285750">
+              <a:buFont typeface="Arial" panose="020B0604020202020204" pitchFamily="34" charset="0"/>
+              <a:buChar char="•"/>
+            </a:pPr>
+            <a:r>
+              <a:rPr lang="en-US" sz="2400" dirty="0"/>
+              <a:t>Loan counts for Refinancing is higher as compared to Home Purchase</a:t>
+            </a:r>
+          </a:p>
+          <a:p>
+            <a:pPr marL="285750" indent="-285750">
+              <a:buFont typeface="Arial" panose="020B0604020202020204" pitchFamily="34" charset="0"/>
+              <a:buChar char="•"/>
+            </a:pPr>
+            <a:endParaRPr lang="en-US" sz="2400" dirty="0"/>
+          </a:p>
+          <a:p>
+            <a:pPr marL="285750" indent="-285750">
+              <a:buFont typeface="Arial" panose="020B0604020202020204" pitchFamily="34" charset="0"/>
+              <a:buChar char="•"/>
+            </a:pPr>
+            <a:r>
+              <a:rPr lang="en-US" sz="2400" dirty="0"/>
+              <a:t>56% of applicants received approval for refinancing 29% for new home purchase and 15% for home improvement </a:t>
+            </a:r>
+          </a:p>
+          <a:p>
+            <a:pPr marL="285750" indent="-285750">
+              <a:buFont typeface="Arial" panose="020B0604020202020204" pitchFamily="34" charset="0"/>
+              <a:buChar char="•"/>
+            </a:pPr>
+            <a:endParaRPr lang="en-US" sz="2400" dirty="0"/>
+          </a:p>
+          <a:p>
+            <a:pPr marL="285750" indent="-285750">
+              <a:buFont typeface="Arial" panose="020B0604020202020204" pitchFamily="34" charset="0"/>
+              <a:buChar char="•"/>
+            </a:pPr>
+            <a:r>
+              <a:rPr lang="en-US" sz="2400" dirty="0"/>
+              <a:t>There are some areas where refinances are higher than a new home loan</a:t>
+            </a:r>
+          </a:p>
+          <a:p>
+            <a:pPr marL="285750" indent="-285750">
+              <a:buFont typeface="Arial" panose="020B0604020202020204" pitchFamily="34" charset="0"/>
+              <a:buChar char="•"/>
+            </a:pPr>
+            <a:endParaRPr lang="en-US" sz="2400" dirty="0"/>
+          </a:p>
+          <a:p>
+            <a:pPr marL="285750" indent="-285750">
+              <a:buFont typeface="Arial" panose="020B0604020202020204" pitchFamily="34" charset="0"/>
+              <a:buChar char="•"/>
+            </a:pPr>
+            <a:r>
+              <a:rPr lang="en-US" sz="2400" dirty="0"/>
+              <a:t>Data indicates that 55% loan purpose requests for new home purchase faced denials followed by 38% for refinancing and  7% denial rate for home improvement loans</a:t>
+            </a:r>
+          </a:p>
+          <a:p>
+            <a:endParaRPr lang="en-US" dirty="0"/>
+          </a:p>
+        </p:txBody>
+      </p:sp>
+      <p:pic>
+        <p:nvPicPr>
+          <p:cNvPr id="8" name="Picture 7">
+            <a:extLst>
+              <a:ext uri="{FF2B5EF4-FFF2-40B4-BE49-F238E27FC236}">
+                <a16:creationId xmlns:a16="http://schemas.microsoft.com/office/drawing/2014/main" id="{B25D5EF9-81B2-493A-9B0F-2EE45F812B60}"/>
+              </a:ext>
+            </a:extLst>
+          </p:cNvPr>
+          <p:cNvPicPr/>
+          <p:nvPr/>
+        </p:nvPicPr>
+        <p:blipFill>
+          <a:blip r:embed="rId2">
+            <a:extLst>
+              <a:ext uri="{28A0092B-C50C-407E-A947-70E740481C1C}">
+                <a14:useLocalDpi xmlns:a14="http://schemas.microsoft.com/office/drawing/2010/main" val="0"/>
+              </a:ext>
+            </a:extLst>
+          </a:blip>
+          <a:stretch>
+            <a:fillRect/>
+          </a:stretch>
+        </p:blipFill>
+        <p:spPr>
+          <a:xfrm>
+            <a:off x="278497" y="708905"/>
+            <a:ext cx="6254650" cy="2963987"/>
+          </a:xfrm>
+          <a:prstGeom prst="rect">
+            <a:avLst/>
+          </a:prstGeom>
+          <a:ln>
+            <a:noFill/>
+          </a:ln>
+          <a:effectLst>
+            <a:outerShdw blurRad="292100" dist="139700" dir="2700000" algn="tl" rotWithShape="0">
+              <a:srgbClr val="333333">
+                <a:alpha val="65000"/>
+              </a:srgbClr>
+            </a:outerShdw>
+          </a:effectLst>
+        </p:spPr>
+      </p:pic>
+      <p:pic>
+        <p:nvPicPr>
+          <p:cNvPr id="10" name="Picture 9">
+            <a:extLst>
+              <a:ext uri="{FF2B5EF4-FFF2-40B4-BE49-F238E27FC236}">
+                <a16:creationId xmlns:a16="http://schemas.microsoft.com/office/drawing/2014/main" id="{77A6DD42-142E-4DFB-BEAC-534DFF1821E8}"/>
+              </a:ext>
+            </a:extLst>
+          </p:cNvPr>
+          <p:cNvPicPr/>
+          <p:nvPr/>
+        </p:nvPicPr>
+        <p:blipFill>
+          <a:blip r:embed="rId3">
+            <a:extLst>
+              <a:ext uri="{28A0092B-C50C-407E-A947-70E740481C1C}">
+                <a14:useLocalDpi xmlns:a14="http://schemas.microsoft.com/office/drawing/2010/main" val="0"/>
+              </a:ext>
+            </a:extLst>
+          </a:blip>
+          <a:srcRect/>
+          <a:stretch>
+            <a:fillRect/>
+          </a:stretch>
+        </p:blipFill>
+        <p:spPr bwMode="auto">
+          <a:xfrm>
+            <a:off x="376871" y="3815029"/>
+            <a:ext cx="6156275" cy="2766245"/>
+          </a:xfrm>
+          <a:prstGeom prst="rect">
+            <a:avLst/>
+          </a:prstGeom>
+          <a:ln>
+            <a:noFill/>
+          </a:ln>
+          <a:effectLst>
+            <a:outerShdw blurRad="292100" dist="139700" dir="2700000" algn="tl" rotWithShape="0">
+              <a:srgbClr val="333333">
+                <a:alpha val="65000"/>
+              </a:srgbClr>
+            </a:outerShdw>
+          </a:effectLst>
+        </p:spPr>
+      </p:pic>
+    </p:spTree>
+    <p:extLst>
+      <p:ext uri="{BB962C8B-B14F-4D97-AF65-F5344CB8AC3E}">
+        <p14:creationId xmlns:p14="http://schemas.microsoft.com/office/powerpoint/2010/main" val="1895469604"/>
+      </p:ext>
+    </p:extLst>
+  </p:cSld>
+  <p:clrMapOvr>
+    <a:masterClrMapping/>
+  </p:clrMapOvr>
+</p:sld>
+</file>
+
+<file path=ppt/slides/slide12.xml><?xml version="1.0" encoding="utf-8"?>
+<p:sld xmlns:a="http://schemas.openxmlformats.org/drawingml/2006/main" xmlns:r="http://schemas.openxmlformats.org/officeDocument/2006/relationships" xmlns:p="http://schemas.openxmlformats.org/presentationml/2006/main">
+  <p:cSld>
+    <p:spTree>
+      <p:nvGrpSpPr>
+        <p:cNvPr id="1" name=""/>
+        <p:cNvGrpSpPr/>
+        <p:nvPr/>
+      </p:nvGrpSpPr>
+      <p:grpSpPr>
+        <a:xfrm>
+          <a:off x="0" y="0"/>
+          <a:ext cx="0" cy="0"/>
+          <a:chOff x="0" y="0"/>
+          <a:chExt cx="0" cy="0"/>
+        </a:xfrm>
+      </p:grpSpPr>
+      <p:sp>
+        <p:nvSpPr>
+          <p:cNvPr id="2" name="Title 1">
+            <a:extLst>
+              <a:ext uri="{FF2B5EF4-FFF2-40B4-BE49-F238E27FC236}">
+                <a16:creationId xmlns:a16="http://schemas.microsoft.com/office/drawing/2014/main" id="{24F864E8-9793-42FB-A671-1C9EF1B0CC72}"/>
+              </a:ext>
+            </a:extLst>
+          </p:cNvPr>
+          <p:cNvSpPr>
+            <a:spLocks noGrp="1"/>
+          </p:cNvSpPr>
+          <p:nvPr>
+            <p:ph type="title"/>
+          </p:nvPr>
+        </p:nvSpPr>
+        <p:spPr>
+          <a:xfrm>
+            <a:off x="1078831" y="2446589"/>
+            <a:ext cx="10515600" cy="1325563"/>
+          </a:xfrm>
+          <a:solidFill>
+            <a:schemeClr val="bg2">
+              <a:lumMod val="90000"/>
+            </a:schemeClr>
+          </a:solidFill>
+          <a:ln>
+            <a:solidFill>
+              <a:schemeClr val="bg2">
+                <a:lumMod val="75000"/>
+              </a:schemeClr>
+            </a:solidFill>
+          </a:ln>
+        </p:spPr>
+        <p:txBody>
+          <a:bodyPr>
+            <a:normAutofit/>
+          </a:bodyPr>
+          <a:lstStyle/>
+          <a:p>
+            <a:pPr algn="ctr"/>
+            <a:r>
+              <a:rPr lang="en-US" b="1" dirty="0"/>
+              <a:t>Machine Learning Algorithm </a:t>
+            </a:r>
+          </a:p>
+        </p:txBody>
+      </p:sp>
+    </p:spTree>
+    <p:extLst>
+      <p:ext uri="{BB962C8B-B14F-4D97-AF65-F5344CB8AC3E}">
+        <p14:creationId xmlns:p14="http://schemas.microsoft.com/office/powerpoint/2010/main" val="1216411281"/>
+      </p:ext>
+    </p:extLst>
+  </p:cSld>
+  <p:clrMapOvr>
+    <a:masterClrMapping/>
+  </p:clrMapOvr>
+</p:sld>
+</file>
+
+<file path=ppt/slides/slide13.xml><?xml version="1.0" encoding="utf-8"?>
+<p:sld xmlns:a="http://schemas.openxmlformats.org/drawingml/2006/main" xmlns:r="http://schemas.openxmlformats.org/officeDocument/2006/relationships" xmlns:p="http://schemas.openxmlformats.org/presentationml/2006/main">
+  <p:cSld>
+    <p:spTree>
+      <p:nvGrpSpPr>
+        <p:cNvPr id="1" name=""/>
+        <p:cNvGrpSpPr/>
+        <p:nvPr/>
+      </p:nvGrpSpPr>
+      <p:grpSpPr>
+        <a:xfrm>
+          <a:off x="0" y="0"/>
+          <a:ext cx="0" cy="0"/>
+          <a:chOff x="0" y="0"/>
+          <a:chExt cx="0" cy="0"/>
+        </a:xfrm>
+      </p:grpSpPr>
+      <p:sp>
+        <p:nvSpPr>
+          <p:cNvPr id="3" name="Text Placeholder 2">
+            <a:extLst>
+              <a:ext uri="{FF2B5EF4-FFF2-40B4-BE49-F238E27FC236}">
+                <a16:creationId xmlns:a16="http://schemas.microsoft.com/office/drawing/2014/main" id="{4024CCF6-C6A1-4E61-A404-9FE0F4E8F1A7}"/>
+              </a:ext>
+            </a:extLst>
+          </p:cNvPr>
+          <p:cNvSpPr>
+            <a:spLocks noGrp="1"/>
+          </p:cNvSpPr>
+          <p:nvPr>
+            <p:ph type="body" idx="1"/>
+          </p:nvPr>
+        </p:nvSpPr>
+        <p:spPr>
+          <a:xfrm>
+            <a:off x="1792705" y="5378992"/>
+            <a:ext cx="4303295" cy="1239253"/>
+          </a:xfrm>
+          <a:ln>
+            <a:solidFill>
+              <a:schemeClr val="tx1"/>
+            </a:solidFill>
+          </a:ln>
+        </p:spPr>
+        <p:txBody>
+          <a:bodyPr>
+            <a:normAutofit fontScale="25000" lnSpcReduction="20000"/>
+          </a:bodyPr>
+          <a:lstStyle/>
+          <a:p>
+            <a:endParaRPr lang="en-US" sz="2300" dirty="0"/>
+          </a:p>
+          <a:p>
+            <a:pPr marL="342900" indent="-342900">
+              <a:buFont typeface="Arial" panose="020B0604020202020204" pitchFamily="34" charset="0"/>
+              <a:buChar char="•"/>
+            </a:pPr>
+            <a:endParaRPr lang="en-US" sz="2300" dirty="0"/>
+          </a:p>
+          <a:p>
+            <a:pPr marL="342900" indent="-342900">
+              <a:buFont typeface="Arial" panose="020B0604020202020204" pitchFamily="34" charset="0"/>
+              <a:buChar char="•"/>
+            </a:pPr>
+            <a:r>
+              <a:rPr lang="en-US" sz="6400" dirty="0"/>
+              <a:t>The elbow method uses value inertia_ to determine the elbow visually. The idea is to visualize the graph for all possible value of K and observe the sudden change in the sum of the square of values</a:t>
+            </a:r>
+          </a:p>
+          <a:p>
+            <a:endParaRPr lang="en-US" dirty="0"/>
+          </a:p>
+        </p:txBody>
+      </p:sp>
+      <p:sp>
+        <p:nvSpPr>
+          <p:cNvPr id="9" name="Title 1">
+            <a:extLst>
+              <a:ext uri="{FF2B5EF4-FFF2-40B4-BE49-F238E27FC236}">
+                <a16:creationId xmlns:a16="http://schemas.microsoft.com/office/drawing/2014/main" id="{28E5DFD3-46E8-4BA3-BD87-3B8007D9BD17}"/>
+              </a:ext>
+            </a:extLst>
+          </p:cNvPr>
+          <p:cNvSpPr txBox="1">
+            <a:spLocks/>
+          </p:cNvSpPr>
+          <p:nvPr/>
+        </p:nvSpPr>
+        <p:spPr>
+          <a:xfrm>
+            <a:off x="0" y="1"/>
+            <a:ext cx="12204032" cy="505325"/>
+          </a:xfrm>
+          <a:prstGeom prst="rect">
+            <a:avLst/>
+          </a:prstGeom>
+          <a:solidFill>
+            <a:schemeClr val="accent5">
+              <a:lumMod val="60000"/>
+              <a:lumOff val="40000"/>
+            </a:schemeClr>
+          </a:solidFill>
+        </p:spPr>
+        <p:txBody>
+          <a:bodyPr vert="horz" lIns="91440" tIns="45720" rIns="91440" bIns="45720" rtlCol="0" anchor="ctr">
+            <a:noAutofit/>
+          </a:bodyPr>
+          <a:lstStyle>
+            <a:lvl1pPr algn="l" defTabSz="914400" rtl="0" eaLnBrk="1" latinLnBrk="0" hangingPunct="1">
+              <a:lnSpc>
+                <a:spcPct val="90000"/>
+              </a:lnSpc>
+              <a:spcBef>
+                <a:spcPct val="0"/>
+              </a:spcBef>
+              <a:buNone/>
+              <a:defRPr sz="4400" kern="1200">
+                <a:solidFill>
+                  <a:schemeClr val="tx1"/>
+                </a:solidFill>
+                <a:latin typeface="+mj-lt"/>
+                <a:ea typeface="+mj-ea"/>
+                <a:cs typeface="+mj-cs"/>
+              </a:defRPr>
+            </a:lvl1pPr>
+          </a:lstStyle>
+          <a:p>
+            <a:r>
+              <a:rPr lang="en-US" sz="3600" b="1" dirty="0"/>
+              <a:t>Base Analysis – K Means </a:t>
+            </a:r>
+            <a:endParaRPr lang="en-US" sz="3600" b="1" dirty="0">
+              <a:latin typeface="+mn-lt"/>
+              <a:cs typeface="Arial" panose="020B0604020202020204" pitchFamily="34" charset="0"/>
+            </a:endParaRPr>
+          </a:p>
+        </p:txBody>
+      </p:sp>
+      <p:pic>
+        <p:nvPicPr>
+          <p:cNvPr id="14" name="Content Placeholder 13">
+            <a:extLst>
+              <a:ext uri="{FF2B5EF4-FFF2-40B4-BE49-F238E27FC236}">
+                <a16:creationId xmlns:a16="http://schemas.microsoft.com/office/drawing/2014/main" id="{29EFE23D-03A9-4577-AADC-C2F6A5472C65}"/>
+              </a:ext>
+            </a:extLst>
+          </p:cNvPr>
+          <p:cNvPicPr>
+            <a:picLocks noGrp="1"/>
+          </p:cNvPicPr>
+          <p:nvPr>
+            <p:ph sz="quarter" idx="4"/>
+          </p:nvPr>
+        </p:nvPicPr>
+        <p:blipFill>
+          <a:blip r:embed="rId2">
+            <a:extLst>
+              <a:ext uri="{28A0092B-C50C-407E-A947-70E740481C1C}">
+                <a14:useLocalDpi xmlns:a14="http://schemas.microsoft.com/office/drawing/2010/main" val="0"/>
+              </a:ext>
+            </a:extLst>
+          </a:blip>
+          <a:srcRect/>
+          <a:stretch>
+            <a:fillRect/>
+          </a:stretch>
+        </p:blipFill>
+        <p:spPr bwMode="auto">
+          <a:xfrm>
+            <a:off x="6602901" y="950495"/>
+            <a:ext cx="4750899" cy="4536782"/>
+          </a:xfrm>
+          <a:prstGeom prst="rect">
+            <a:avLst/>
+          </a:prstGeom>
+          <a:ln>
+            <a:noFill/>
+          </a:ln>
+          <a:effectLst>
+            <a:outerShdw blurRad="292100" dist="139700" dir="2700000" algn="tl" rotWithShape="0">
+              <a:srgbClr val="333333">
+                <a:alpha val="65000"/>
+              </a:srgbClr>
+            </a:outerShdw>
+          </a:effectLst>
+        </p:spPr>
+      </p:pic>
+      <p:pic>
+        <p:nvPicPr>
+          <p:cNvPr id="16" name="Content Placeholder 15">
+            <a:extLst>
+              <a:ext uri="{FF2B5EF4-FFF2-40B4-BE49-F238E27FC236}">
+                <a16:creationId xmlns:a16="http://schemas.microsoft.com/office/drawing/2014/main" id="{EC2EA35B-657E-4783-AE1A-34F09CF696E6}"/>
+              </a:ext>
+            </a:extLst>
+          </p:cNvPr>
+          <p:cNvPicPr>
+            <a:picLocks noGrp="1"/>
+          </p:cNvPicPr>
+          <p:nvPr>
+            <p:ph sz="half" idx="2"/>
+          </p:nvPr>
+        </p:nvPicPr>
+        <p:blipFill>
+          <a:blip r:embed="rId3">
+            <a:extLst>
+              <a:ext uri="{28A0092B-C50C-407E-A947-70E740481C1C}">
+                <a14:useLocalDpi xmlns:a14="http://schemas.microsoft.com/office/drawing/2010/main" val="0"/>
+              </a:ext>
+            </a:extLst>
+          </a:blip>
+          <a:srcRect/>
+          <a:stretch>
+            <a:fillRect/>
+          </a:stretch>
+        </p:blipFill>
+        <p:spPr bwMode="auto">
+          <a:xfrm>
+            <a:off x="1227221" y="842210"/>
+            <a:ext cx="4957011" cy="4536782"/>
+          </a:xfrm>
+          <a:prstGeom prst="rect">
+            <a:avLst/>
+          </a:prstGeom>
+          <a:ln>
+            <a:noFill/>
+          </a:ln>
+          <a:effectLst>
+            <a:outerShdw blurRad="292100" dist="139700" dir="2700000" algn="tl" rotWithShape="0">
+              <a:srgbClr val="333333">
+                <a:alpha val="65000"/>
+              </a:srgbClr>
+            </a:outerShdw>
+          </a:effectLst>
+        </p:spPr>
+      </p:pic>
+      <p:sp>
+        <p:nvSpPr>
+          <p:cNvPr id="17" name="Text Placeholder 4">
+            <a:extLst>
+              <a:ext uri="{FF2B5EF4-FFF2-40B4-BE49-F238E27FC236}">
+                <a16:creationId xmlns:a16="http://schemas.microsoft.com/office/drawing/2014/main" id="{5C7FE23B-77E1-4B32-A698-C57B401B9CD0}"/>
+              </a:ext>
+            </a:extLst>
+          </p:cNvPr>
+          <p:cNvSpPr>
+            <a:spLocks noGrp="1"/>
+          </p:cNvSpPr>
+          <p:nvPr>
+            <p:ph type="body" sz="quarter" idx="3"/>
+          </p:nvPr>
+        </p:nvSpPr>
+        <p:spPr>
+          <a:xfrm>
+            <a:off x="7271085" y="5487277"/>
+            <a:ext cx="4082716" cy="1130968"/>
+          </a:xfrm>
+          <a:ln>
+            <a:solidFill>
+              <a:schemeClr val="tx1"/>
+            </a:solidFill>
+          </a:ln>
+        </p:spPr>
+        <p:txBody>
+          <a:bodyPr>
+            <a:normAutofit fontScale="25000" lnSpcReduction="20000"/>
+          </a:bodyPr>
+          <a:lstStyle/>
+          <a:p>
+            <a:endParaRPr lang="en-US" sz="6400" dirty="0"/>
+          </a:p>
+          <a:p>
+            <a:endParaRPr lang="en-US" sz="6400" dirty="0"/>
+          </a:p>
+          <a:p>
+            <a:endParaRPr lang="en-US" sz="6400" dirty="0"/>
+          </a:p>
+          <a:p>
+            <a:endParaRPr lang="en-US" sz="6400" dirty="0"/>
+          </a:p>
+          <a:p>
+            <a:pPr marL="342900" indent="-342900">
+              <a:buFont typeface="Arial" panose="020B0604020202020204" pitchFamily="34" charset="0"/>
+              <a:buChar char="•"/>
+            </a:pPr>
+            <a:r>
+              <a:rPr lang="en-US" sz="6400" dirty="0"/>
+              <a:t>The silhouette method is based on the silhouette score for each cluster in K mean. The strong silhouette score helps in choosing the desired cluster value</a:t>
+            </a:r>
+          </a:p>
+          <a:p>
+            <a:endParaRPr lang="en-US" dirty="0"/>
+          </a:p>
+        </p:txBody>
+      </p:sp>
+    </p:spTree>
+    <p:extLst>
+      <p:ext uri="{BB962C8B-B14F-4D97-AF65-F5344CB8AC3E}">
+        <p14:creationId xmlns:p14="http://schemas.microsoft.com/office/powerpoint/2010/main" val="4041569005"/>
+      </p:ext>
+    </p:extLst>
+  </p:cSld>
+  <p:clrMapOvr>
+    <a:masterClrMapping/>
+  </p:clrMapOvr>
+</p:sld>
+</file>
+
+<file path=ppt/slides/slide14.xml><?xml version="1.0" encoding="utf-8"?>
+<p:sld xmlns:a="http://schemas.openxmlformats.org/drawingml/2006/main" xmlns:r="http://schemas.openxmlformats.org/officeDocument/2006/relationships" xmlns:p="http://schemas.openxmlformats.org/presentationml/2006/main">
+  <p:cSld>
+    <p:spTree>
+      <p:nvGrpSpPr>
+        <p:cNvPr id="1" name=""/>
+        <p:cNvGrpSpPr/>
+        <p:nvPr/>
+      </p:nvGrpSpPr>
+      <p:grpSpPr>
+        <a:xfrm>
+          <a:off x="0" y="0"/>
+          <a:ext cx="0" cy="0"/>
+          <a:chOff x="0" y="0"/>
+          <a:chExt cx="0" cy="0"/>
+        </a:xfrm>
+      </p:grpSpPr>
       <p:sp>
         <p:nvSpPr>
           <p:cNvPr id="5" name="Slide Number Placeholder 4">
             <a:extLst>
               <a:ext uri="{FF2B5EF4-FFF2-40B4-BE49-F238E27FC236}">
-                <a16:creationId xmlns:a16="http://schemas.microsoft.com/office/drawing/2014/main" id="{01C760DD-9264-45FA-8582-46B2FF01D43D}"/>
+                <a16:creationId xmlns:a16="http://schemas.microsoft.com/office/drawing/2014/main" id="{2904F64A-0530-4CAF-A6FA-14983D45D2B9}"/>
               </a:ext>
             </a:extLst>
           </p:cNvPr>
@@ -10036,7 +11034,863 @@
           <a:p>
             <a:fld id="{16FA6B3E-46B9-EC46-AB95-0E643768DDA9}" type="slidenum">
               <a:rPr lang="en-US" smtClean="0"/>
-              <a:t>10</a:t>
+              <a:t>14</a:t>
+            </a:fld>
+            <a:endParaRPr lang="en-US"/>
+          </a:p>
+        </p:txBody>
+      </p:sp>
+      <p:sp>
+        <p:nvSpPr>
+          <p:cNvPr id="6" name="Title 1">
+            <a:extLst>
+              <a:ext uri="{FF2B5EF4-FFF2-40B4-BE49-F238E27FC236}">
+                <a16:creationId xmlns:a16="http://schemas.microsoft.com/office/drawing/2014/main" id="{EBA9C59F-213C-4BC8-92EF-22DA2838FD79}"/>
+              </a:ext>
+            </a:extLst>
+          </p:cNvPr>
+          <p:cNvSpPr txBox="1">
+            <a:spLocks/>
+          </p:cNvSpPr>
+          <p:nvPr/>
+        </p:nvSpPr>
+        <p:spPr>
+          <a:xfrm>
+            <a:off x="12032" y="1"/>
+            <a:ext cx="12192000" cy="505325"/>
+          </a:xfrm>
+          <a:prstGeom prst="rect">
+            <a:avLst/>
+          </a:prstGeom>
+          <a:solidFill>
+            <a:schemeClr val="accent5">
+              <a:lumMod val="60000"/>
+              <a:lumOff val="40000"/>
+            </a:schemeClr>
+          </a:solidFill>
+        </p:spPr>
+        <p:txBody>
+          <a:bodyPr vert="horz" lIns="91440" tIns="45720" rIns="91440" bIns="45720" rtlCol="0" anchor="ctr">
+            <a:noAutofit/>
+          </a:bodyPr>
+          <a:lstStyle>
+            <a:lvl1pPr algn="l" defTabSz="914400" rtl="0" eaLnBrk="1" latinLnBrk="0" hangingPunct="1">
+              <a:lnSpc>
+                <a:spcPct val="90000"/>
+              </a:lnSpc>
+              <a:spcBef>
+                <a:spcPct val="0"/>
+              </a:spcBef>
+              <a:buNone/>
+              <a:defRPr sz="4400" kern="1200">
+                <a:solidFill>
+                  <a:schemeClr val="tx1"/>
+                </a:solidFill>
+                <a:latin typeface="+mj-lt"/>
+                <a:ea typeface="+mj-ea"/>
+                <a:cs typeface="+mj-cs"/>
+              </a:defRPr>
+            </a:lvl1pPr>
+          </a:lstStyle>
+          <a:p>
+            <a:r>
+              <a:rPr lang="en-US" sz="3600" b="1" dirty="0"/>
+              <a:t>Base Analysis – K Means </a:t>
+            </a:r>
+            <a:endParaRPr lang="en-US" sz="3600" b="1" dirty="0">
+              <a:latin typeface="+mn-lt"/>
+              <a:cs typeface="Arial" panose="020B0604020202020204" pitchFamily="34" charset="0"/>
+            </a:endParaRPr>
+          </a:p>
+        </p:txBody>
+      </p:sp>
+      <p:pic>
+        <p:nvPicPr>
+          <p:cNvPr id="7" name="Content Placeholder 6">
+            <a:extLst>
+              <a:ext uri="{FF2B5EF4-FFF2-40B4-BE49-F238E27FC236}">
+                <a16:creationId xmlns:a16="http://schemas.microsoft.com/office/drawing/2014/main" id="{0BE7F3A3-8481-41B6-82C4-540D2F11B652}"/>
+              </a:ext>
+            </a:extLst>
+          </p:cNvPr>
+          <p:cNvPicPr>
+            <a:picLocks noGrp="1"/>
+          </p:cNvPicPr>
+          <p:nvPr>
+            <p:ph sz="half" idx="1"/>
+          </p:nvPr>
+        </p:nvPicPr>
+        <p:blipFill>
+          <a:blip r:embed="rId2">
+            <a:extLst>
+              <a:ext uri="{28A0092B-C50C-407E-A947-70E740481C1C}">
+                <a14:useLocalDpi xmlns:a14="http://schemas.microsoft.com/office/drawing/2010/main" val="0"/>
+              </a:ext>
+            </a:extLst>
+          </a:blip>
+          <a:srcRect/>
+          <a:stretch>
+            <a:fillRect/>
+          </a:stretch>
+        </p:blipFill>
+        <p:spPr bwMode="auto">
+          <a:xfrm>
+            <a:off x="721895" y="1022684"/>
+            <a:ext cx="5645427" cy="5333666"/>
+          </a:xfrm>
+          <a:prstGeom prst="rect">
+            <a:avLst/>
+          </a:prstGeom>
+          <a:ln>
+            <a:noFill/>
+          </a:ln>
+          <a:effectLst>
+            <a:outerShdw blurRad="292100" dist="139700" dir="2700000" algn="tl" rotWithShape="0">
+              <a:srgbClr val="333333">
+                <a:alpha val="65000"/>
+              </a:srgbClr>
+            </a:outerShdw>
+          </a:effectLst>
+        </p:spPr>
+      </p:pic>
+      <p:pic>
+        <p:nvPicPr>
+          <p:cNvPr id="8" name="Content Placeholder 7">
+            <a:extLst>
+              <a:ext uri="{FF2B5EF4-FFF2-40B4-BE49-F238E27FC236}">
+                <a16:creationId xmlns:a16="http://schemas.microsoft.com/office/drawing/2014/main" id="{90A324FB-31AF-4DA6-8449-9992F2E7598E}"/>
+              </a:ext>
+            </a:extLst>
+          </p:cNvPr>
+          <p:cNvPicPr>
+            <a:picLocks noGrp="1"/>
+          </p:cNvPicPr>
+          <p:nvPr>
+            <p:ph sz="half" idx="2"/>
+          </p:nvPr>
+        </p:nvPicPr>
+        <p:blipFill>
+          <a:blip r:embed="rId3">
+            <a:extLst>
+              <a:ext uri="{28A0092B-C50C-407E-A947-70E740481C1C}">
+                <a14:useLocalDpi xmlns:a14="http://schemas.microsoft.com/office/drawing/2010/main" val="0"/>
+              </a:ext>
+            </a:extLst>
+          </a:blip>
+          <a:srcRect/>
+          <a:stretch>
+            <a:fillRect/>
+          </a:stretch>
+        </p:blipFill>
+        <p:spPr bwMode="auto">
+          <a:xfrm>
+            <a:off x="6367322" y="1271586"/>
+            <a:ext cx="5348428" cy="4914902"/>
+          </a:xfrm>
+          <a:prstGeom prst="rect">
+            <a:avLst/>
+          </a:prstGeom>
+          <a:ln>
+            <a:noFill/>
+          </a:ln>
+          <a:effectLst>
+            <a:outerShdw blurRad="292100" dist="139700" dir="2700000" algn="tl" rotWithShape="0">
+              <a:srgbClr val="333333">
+                <a:alpha val="65000"/>
+              </a:srgbClr>
+            </a:outerShdw>
+          </a:effectLst>
+        </p:spPr>
+      </p:pic>
+    </p:spTree>
+    <p:extLst>
+      <p:ext uri="{BB962C8B-B14F-4D97-AF65-F5344CB8AC3E}">
+        <p14:creationId xmlns:p14="http://schemas.microsoft.com/office/powerpoint/2010/main" val="4041416025"/>
+      </p:ext>
+    </p:extLst>
+  </p:cSld>
+  <p:clrMapOvr>
+    <a:masterClrMapping/>
+  </p:clrMapOvr>
+</p:sld>
+</file>
+
+<file path=ppt/slides/slide15.xml><?xml version="1.0" encoding="utf-8"?>
+<p:sld xmlns:a="http://schemas.openxmlformats.org/drawingml/2006/main" xmlns:r="http://schemas.openxmlformats.org/officeDocument/2006/relationships" xmlns:p="http://schemas.openxmlformats.org/presentationml/2006/main">
+  <p:cSld>
+    <p:spTree>
+      <p:nvGrpSpPr>
+        <p:cNvPr id="1" name=""/>
+        <p:cNvGrpSpPr/>
+        <p:nvPr/>
+      </p:nvGrpSpPr>
+      <p:grpSpPr>
+        <a:xfrm>
+          <a:off x="0" y="0"/>
+          <a:ext cx="0" cy="0"/>
+          <a:chOff x="0" y="0"/>
+          <a:chExt cx="0" cy="0"/>
+        </a:xfrm>
+      </p:grpSpPr>
+      <p:pic>
+        <p:nvPicPr>
+          <p:cNvPr id="11" name="Content Placeholder 10">
+            <a:extLst>
+              <a:ext uri="{FF2B5EF4-FFF2-40B4-BE49-F238E27FC236}">
+                <a16:creationId xmlns:a16="http://schemas.microsoft.com/office/drawing/2014/main" id="{FB90966F-386F-41E5-93BA-382C5B6C31C9}"/>
+              </a:ext>
+            </a:extLst>
+          </p:cNvPr>
+          <p:cNvPicPr>
+            <a:picLocks noGrp="1"/>
+          </p:cNvPicPr>
+          <p:nvPr>
+            <p:ph sz="half" idx="2"/>
+          </p:nvPr>
+        </p:nvPicPr>
+        <p:blipFill>
+          <a:blip r:embed="rId2">
+            <a:extLst>
+              <a:ext uri="{28A0092B-C50C-407E-A947-70E740481C1C}">
+                <a14:useLocalDpi xmlns:a14="http://schemas.microsoft.com/office/drawing/2010/main" val="0"/>
+              </a:ext>
+            </a:extLst>
+          </a:blip>
+          <a:srcRect/>
+          <a:stretch>
+            <a:fillRect/>
+          </a:stretch>
+        </p:blipFill>
+        <p:spPr bwMode="auto">
+          <a:xfrm>
+            <a:off x="161925" y="1962677"/>
+            <a:ext cx="5816599" cy="4362449"/>
+          </a:xfrm>
+          <a:prstGeom prst="rect">
+            <a:avLst/>
+          </a:prstGeom>
+          <a:ln>
+            <a:noFill/>
+          </a:ln>
+          <a:effectLst>
+            <a:outerShdw blurRad="292100" dist="139700" dir="2700000" algn="tl" rotWithShape="0">
+              <a:srgbClr val="333333">
+                <a:alpha val="65000"/>
+              </a:srgbClr>
+            </a:outerShdw>
+          </a:effectLst>
+        </p:spPr>
+      </p:pic>
+      <p:pic>
+        <p:nvPicPr>
+          <p:cNvPr id="14" name="Content Placeholder 13">
+            <a:extLst>
+              <a:ext uri="{FF2B5EF4-FFF2-40B4-BE49-F238E27FC236}">
+                <a16:creationId xmlns:a16="http://schemas.microsoft.com/office/drawing/2014/main" id="{183C1A4F-6DE6-46A4-9006-48FD5AB79BF9}"/>
+              </a:ext>
+            </a:extLst>
+          </p:cNvPr>
+          <p:cNvPicPr>
+            <a:picLocks noGrp="1"/>
+          </p:cNvPicPr>
+          <p:nvPr>
+            <p:ph sz="quarter" idx="4"/>
+          </p:nvPr>
+        </p:nvPicPr>
+        <p:blipFill>
+          <a:blip r:embed="rId3">
+            <a:extLst>
+              <a:ext uri="{28A0092B-C50C-407E-A947-70E740481C1C}">
+                <a14:useLocalDpi xmlns:a14="http://schemas.microsoft.com/office/drawing/2010/main" val="0"/>
+              </a:ext>
+            </a:extLst>
+          </a:blip>
+          <a:srcRect/>
+          <a:stretch>
+            <a:fillRect/>
+          </a:stretch>
+        </p:blipFill>
+        <p:spPr bwMode="auto">
+          <a:xfrm>
+            <a:off x="6096000" y="1962677"/>
+            <a:ext cx="5934075" cy="4362449"/>
+          </a:xfrm>
+          <a:prstGeom prst="rect">
+            <a:avLst/>
+          </a:prstGeom>
+          <a:ln>
+            <a:noFill/>
+          </a:ln>
+          <a:effectLst>
+            <a:outerShdw blurRad="292100" dist="139700" dir="2700000" algn="tl" rotWithShape="0">
+              <a:srgbClr val="333333">
+                <a:alpha val="65000"/>
+              </a:srgbClr>
+            </a:outerShdw>
+          </a:effectLst>
+        </p:spPr>
+      </p:pic>
+      <p:sp>
+        <p:nvSpPr>
+          <p:cNvPr id="17" name="Title 1">
+            <a:extLst>
+              <a:ext uri="{FF2B5EF4-FFF2-40B4-BE49-F238E27FC236}">
+                <a16:creationId xmlns:a16="http://schemas.microsoft.com/office/drawing/2014/main" id="{5B6A3635-1FB7-4C55-AEC0-DAE79D951DF2}"/>
+              </a:ext>
+            </a:extLst>
+          </p:cNvPr>
+          <p:cNvSpPr txBox="1">
+            <a:spLocks/>
+          </p:cNvSpPr>
+          <p:nvPr/>
+        </p:nvSpPr>
+        <p:spPr>
+          <a:xfrm>
+            <a:off x="12032" y="1"/>
+            <a:ext cx="12192000" cy="505325"/>
+          </a:xfrm>
+          <a:prstGeom prst="rect">
+            <a:avLst/>
+          </a:prstGeom>
+          <a:solidFill>
+            <a:schemeClr val="accent5">
+              <a:lumMod val="60000"/>
+              <a:lumOff val="40000"/>
+            </a:schemeClr>
+          </a:solidFill>
+        </p:spPr>
+        <p:txBody>
+          <a:bodyPr vert="horz" lIns="91440" tIns="45720" rIns="91440" bIns="45720" rtlCol="0" anchor="ctr">
+            <a:noAutofit/>
+          </a:bodyPr>
+          <a:lstStyle>
+            <a:lvl1pPr algn="l" defTabSz="914400" rtl="0" eaLnBrk="1" latinLnBrk="0" hangingPunct="1">
+              <a:lnSpc>
+                <a:spcPct val="90000"/>
+              </a:lnSpc>
+              <a:spcBef>
+                <a:spcPct val="0"/>
+              </a:spcBef>
+              <a:buNone/>
+              <a:defRPr sz="4400" kern="1200">
+                <a:solidFill>
+                  <a:schemeClr val="tx1"/>
+                </a:solidFill>
+                <a:latin typeface="+mj-lt"/>
+                <a:ea typeface="+mj-ea"/>
+                <a:cs typeface="+mj-cs"/>
+              </a:defRPr>
+            </a:lvl1pPr>
+          </a:lstStyle>
+          <a:p>
+            <a:r>
+              <a:rPr lang="en-US" sz="3600" dirty="0">
+                <a:latin typeface="+mn-lt"/>
+                <a:cs typeface="Arial" panose="020B0604020202020204" pitchFamily="34" charset="0"/>
+              </a:rPr>
+              <a:t>Clustering - Applicants Ethnicity </a:t>
+            </a:r>
+          </a:p>
+        </p:txBody>
+      </p:sp>
+      <p:sp>
+        <p:nvSpPr>
+          <p:cNvPr id="19" name="Text Placeholder 18">
+            <a:extLst>
+              <a:ext uri="{FF2B5EF4-FFF2-40B4-BE49-F238E27FC236}">
+                <a16:creationId xmlns:a16="http://schemas.microsoft.com/office/drawing/2014/main" id="{E5F9CCD3-AE23-4D0D-BFCF-EF13901B5848}"/>
+              </a:ext>
+            </a:extLst>
+          </p:cNvPr>
+          <p:cNvSpPr>
+            <a:spLocks noGrp="1"/>
+          </p:cNvSpPr>
+          <p:nvPr>
+            <p:ph type="body" sz="quarter" idx="3"/>
+          </p:nvPr>
+        </p:nvSpPr>
+        <p:spPr>
+          <a:xfrm>
+            <a:off x="6213480" y="1167816"/>
+            <a:ext cx="5441152" cy="505325"/>
+          </a:xfrm>
+          <a:ln>
+            <a:solidFill>
+              <a:schemeClr val="tx1"/>
+            </a:solidFill>
+          </a:ln>
+        </p:spPr>
+        <p:txBody>
+          <a:bodyPr>
+            <a:normAutofit/>
+          </a:bodyPr>
+          <a:lstStyle/>
+          <a:p>
+            <a:r>
+              <a:rPr lang="en-US" sz="2000" dirty="0"/>
+              <a:t>CA 3 Clusters by Applicant Ethnicity </a:t>
+            </a:r>
+          </a:p>
+        </p:txBody>
+      </p:sp>
+      <p:sp>
+        <p:nvSpPr>
+          <p:cNvPr id="21" name="Text Placeholder 18">
+            <a:extLst>
+              <a:ext uri="{FF2B5EF4-FFF2-40B4-BE49-F238E27FC236}">
+                <a16:creationId xmlns:a16="http://schemas.microsoft.com/office/drawing/2014/main" id="{04AA3947-EBF4-4F80-970F-2D14F1425F3F}"/>
+              </a:ext>
+            </a:extLst>
+          </p:cNvPr>
+          <p:cNvSpPr txBox="1">
+            <a:spLocks/>
+          </p:cNvSpPr>
+          <p:nvPr/>
+        </p:nvSpPr>
+        <p:spPr>
+          <a:xfrm>
+            <a:off x="320275" y="1167816"/>
+            <a:ext cx="5658247" cy="505325"/>
+          </a:xfrm>
+          <a:prstGeom prst="rect">
+            <a:avLst/>
+          </a:prstGeom>
+          <a:ln>
+            <a:solidFill>
+              <a:schemeClr val="tx1"/>
+            </a:solidFill>
+          </a:ln>
+        </p:spPr>
+        <p:txBody>
+          <a:bodyPr vert="horz" lIns="91440" tIns="45720" rIns="91440" bIns="45720" rtlCol="0" anchor="b">
+            <a:normAutofit fontScale="85000" lnSpcReduction="10000"/>
+          </a:bodyPr>
+          <a:lstStyle>
+            <a:lvl1pPr marL="0" indent="0" algn="l" defTabSz="914400" rtl="0" eaLnBrk="1" latinLnBrk="0" hangingPunct="1">
+              <a:lnSpc>
+                <a:spcPct val="90000"/>
+              </a:lnSpc>
+              <a:spcBef>
+                <a:spcPts val="1000"/>
+              </a:spcBef>
+              <a:buFont typeface="Arial" panose="020B0604020202020204" pitchFamily="34" charset="0"/>
+              <a:buNone/>
+              <a:defRPr sz="2400" b="1" kern="1200">
+                <a:solidFill>
+                  <a:schemeClr val="tx1"/>
+                </a:solidFill>
+                <a:latin typeface="+mn-lt"/>
+                <a:ea typeface="+mn-ea"/>
+                <a:cs typeface="+mn-cs"/>
+              </a:defRPr>
+            </a:lvl1pPr>
+            <a:lvl2pPr marL="457200" indent="0" algn="l" defTabSz="914400" rtl="0" eaLnBrk="1" latinLnBrk="0" hangingPunct="1">
+              <a:lnSpc>
+                <a:spcPct val="90000"/>
+              </a:lnSpc>
+              <a:spcBef>
+                <a:spcPts val="500"/>
+              </a:spcBef>
+              <a:buFont typeface="Arial" panose="020B0604020202020204" pitchFamily="34" charset="0"/>
+              <a:buNone/>
+              <a:defRPr sz="2000" b="1" kern="1200">
+                <a:solidFill>
+                  <a:schemeClr val="tx1"/>
+                </a:solidFill>
+                <a:latin typeface="+mn-lt"/>
+                <a:ea typeface="+mn-ea"/>
+                <a:cs typeface="+mn-cs"/>
+              </a:defRPr>
+            </a:lvl2pPr>
+            <a:lvl3pPr marL="914400" indent="0" algn="l" defTabSz="914400" rtl="0" eaLnBrk="1" latinLnBrk="0" hangingPunct="1">
+              <a:lnSpc>
+                <a:spcPct val="90000"/>
+              </a:lnSpc>
+              <a:spcBef>
+                <a:spcPts val="500"/>
+              </a:spcBef>
+              <a:buFont typeface="Arial" panose="020B0604020202020204" pitchFamily="34" charset="0"/>
+              <a:buNone/>
+              <a:defRPr sz="1800" b="1" kern="1200">
+                <a:solidFill>
+                  <a:schemeClr val="tx1"/>
+                </a:solidFill>
+                <a:latin typeface="+mn-lt"/>
+                <a:ea typeface="+mn-ea"/>
+                <a:cs typeface="+mn-cs"/>
+              </a:defRPr>
+            </a:lvl3pPr>
+            <a:lvl4pPr marL="1371600" indent="0" algn="l" defTabSz="914400" rtl="0" eaLnBrk="1" latinLnBrk="0" hangingPunct="1">
+              <a:lnSpc>
+                <a:spcPct val="90000"/>
+              </a:lnSpc>
+              <a:spcBef>
+                <a:spcPts val="500"/>
+              </a:spcBef>
+              <a:buFont typeface="Arial" panose="020B0604020202020204" pitchFamily="34" charset="0"/>
+              <a:buNone/>
+              <a:defRPr sz="1600" b="1" kern="1200">
+                <a:solidFill>
+                  <a:schemeClr val="tx1"/>
+                </a:solidFill>
+                <a:latin typeface="+mn-lt"/>
+                <a:ea typeface="+mn-ea"/>
+                <a:cs typeface="+mn-cs"/>
+              </a:defRPr>
+            </a:lvl4pPr>
+            <a:lvl5pPr marL="1828800" indent="0" algn="l" defTabSz="914400" rtl="0" eaLnBrk="1" latinLnBrk="0" hangingPunct="1">
+              <a:lnSpc>
+                <a:spcPct val="90000"/>
+              </a:lnSpc>
+              <a:spcBef>
+                <a:spcPts val="500"/>
+              </a:spcBef>
+              <a:buFont typeface="Arial" panose="020B0604020202020204" pitchFamily="34" charset="0"/>
+              <a:buNone/>
+              <a:defRPr sz="1600" b="1" kern="1200">
+                <a:solidFill>
+                  <a:schemeClr val="tx1"/>
+                </a:solidFill>
+                <a:latin typeface="+mn-lt"/>
+                <a:ea typeface="+mn-ea"/>
+                <a:cs typeface="+mn-cs"/>
+              </a:defRPr>
+            </a:lvl5pPr>
+            <a:lvl6pPr marL="2286000" indent="0" algn="l" defTabSz="914400" rtl="0" eaLnBrk="1" latinLnBrk="0" hangingPunct="1">
+              <a:lnSpc>
+                <a:spcPct val="90000"/>
+              </a:lnSpc>
+              <a:spcBef>
+                <a:spcPts val="500"/>
+              </a:spcBef>
+              <a:buFont typeface="Arial" panose="020B0604020202020204" pitchFamily="34" charset="0"/>
+              <a:buNone/>
+              <a:defRPr sz="1600" b="1" kern="1200">
+                <a:solidFill>
+                  <a:schemeClr val="tx1"/>
+                </a:solidFill>
+                <a:latin typeface="+mn-lt"/>
+                <a:ea typeface="+mn-ea"/>
+                <a:cs typeface="+mn-cs"/>
+              </a:defRPr>
+            </a:lvl6pPr>
+            <a:lvl7pPr marL="2743200" indent="0" algn="l" defTabSz="914400" rtl="0" eaLnBrk="1" latinLnBrk="0" hangingPunct="1">
+              <a:lnSpc>
+                <a:spcPct val="90000"/>
+              </a:lnSpc>
+              <a:spcBef>
+                <a:spcPts val="500"/>
+              </a:spcBef>
+              <a:buFont typeface="Arial" panose="020B0604020202020204" pitchFamily="34" charset="0"/>
+              <a:buNone/>
+              <a:defRPr sz="1600" b="1" kern="1200">
+                <a:solidFill>
+                  <a:schemeClr val="tx1"/>
+                </a:solidFill>
+                <a:latin typeface="+mn-lt"/>
+                <a:ea typeface="+mn-ea"/>
+                <a:cs typeface="+mn-cs"/>
+              </a:defRPr>
+            </a:lvl7pPr>
+            <a:lvl8pPr marL="3200400" indent="0" algn="l" defTabSz="914400" rtl="0" eaLnBrk="1" latinLnBrk="0" hangingPunct="1">
+              <a:lnSpc>
+                <a:spcPct val="90000"/>
+              </a:lnSpc>
+              <a:spcBef>
+                <a:spcPts val="500"/>
+              </a:spcBef>
+              <a:buFont typeface="Arial" panose="020B0604020202020204" pitchFamily="34" charset="0"/>
+              <a:buNone/>
+              <a:defRPr sz="1600" b="1" kern="1200">
+                <a:solidFill>
+                  <a:schemeClr val="tx1"/>
+                </a:solidFill>
+                <a:latin typeface="+mn-lt"/>
+                <a:ea typeface="+mn-ea"/>
+                <a:cs typeface="+mn-cs"/>
+              </a:defRPr>
+            </a:lvl8pPr>
+            <a:lvl9pPr marL="3657600" indent="0" algn="l" defTabSz="914400" rtl="0" eaLnBrk="1" latinLnBrk="0" hangingPunct="1">
+              <a:lnSpc>
+                <a:spcPct val="90000"/>
+              </a:lnSpc>
+              <a:spcBef>
+                <a:spcPts val="500"/>
+              </a:spcBef>
+              <a:buFont typeface="Arial" panose="020B0604020202020204" pitchFamily="34" charset="0"/>
+              <a:buNone/>
+              <a:defRPr sz="1600" b="1" kern="1200">
+                <a:solidFill>
+                  <a:schemeClr val="tx1"/>
+                </a:solidFill>
+                <a:latin typeface="+mn-lt"/>
+                <a:ea typeface="+mn-ea"/>
+                <a:cs typeface="+mn-cs"/>
+              </a:defRPr>
+            </a:lvl9pPr>
+          </a:lstStyle>
+          <a:p>
+            <a:r>
+              <a:rPr lang="en-US" dirty="0"/>
+              <a:t>Loan Counts for Ethnicity for three K Mean Cluster </a:t>
+            </a:r>
+          </a:p>
+        </p:txBody>
+      </p:sp>
+    </p:spTree>
+    <p:extLst>
+      <p:ext uri="{BB962C8B-B14F-4D97-AF65-F5344CB8AC3E}">
+        <p14:creationId xmlns:p14="http://schemas.microsoft.com/office/powerpoint/2010/main" val="3437173371"/>
+      </p:ext>
+    </p:extLst>
+  </p:cSld>
+  <p:clrMapOvr>
+    <a:masterClrMapping/>
+  </p:clrMapOvr>
+</p:sld>
+</file>
+
+<file path=ppt/slides/slide16.xml><?xml version="1.0" encoding="utf-8"?>
+<p:sld xmlns:a="http://schemas.openxmlformats.org/drawingml/2006/main" xmlns:r="http://schemas.openxmlformats.org/officeDocument/2006/relationships" xmlns:p="http://schemas.openxmlformats.org/presentationml/2006/main">
+  <p:cSld>
+    <p:spTree>
+      <p:nvGrpSpPr>
+        <p:cNvPr id="1" name=""/>
+        <p:cNvGrpSpPr/>
+        <p:nvPr/>
+      </p:nvGrpSpPr>
+      <p:grpSpPr>
+        <a:xfrm>
+          <a:off x="0" y="0"/>
+          <a:ext cx="0" cy="0"/>
+          <a:chOff x="0" y="0"/>
+          <a:chExt cx="0" cy="0"/>
+        </a:xfrm>
+      </p:grpSpPr>
+      <p:sp>
+        <p:nvSpPr>
+          <p:cNvPr id="5" name="Title 1">
+            <a:extLst>
+              <a:ext uri="{FF2B5EF4-FFF2-40B4-BE49-F238E27FC236}">
+                <a16:creationId xmlns:a16="http://schemas.microsoft.com/office/drawing/2014/main" id="{EFDE8E5C-F3F8-4047-937E-A5C983CF1F6B}"/>
+              </a:ext>
+            </a:extLst>
+          </p:cNvPr>
+          <p:cNvSpPr txBox="1">
+            <a:spLocks/>
+          </p:cNvSpPr>
+          <p:nvPr/>
+        </p:nvSpPr>
+        <p:spPr>
+          <a:xfrm>
+            <a:off x="12032" y="1"/>
+            <a:ext cx="12192000" cy="505325"/>
+          </a:xfrm>
+          <a:prstGeom prst="rect">
+            <a:avLst/>
+          </a:prstGeom>
+          <a:solidFill>
+            <a:schemeClr val="accent5">
+              <a:lumMod val="60000"/>
+              <a:lumOff val="40000"/>
+            </a:schemeClr>
+          </a:solidFill>
+        </p:spPr>
+        <p:txBody>
+          <a:bodyPr vert="horz" lIns="91440" tIns="45720" rIns="91440" bIns="45720" rtlCol="0" anchor="ctr">
+            <a:noAutofit/>
+          </a:bodyPr>
+          <a:lstStyle>
+            <a:lvl1pPr algn="l" defTabSz="914400" rtl="0" eaLnBrk="1" latinLnBrk="0" hangingPunct="1">
+              <a:lnSpc>
+                <a:spcPct val="90000"/>
+              </a:lnSpc>
+              <a:spcBef>
+                <a:spcPct val="0"/>
+              </a:spcBef>
+              <a:buNone/>
+              <a:defRPr sz="4400" kern="1200">
+                <a:solidFill>
+                  <a:schemeClr val="tx1"/>
+                </a:solidFill>
+                <a:latin typeface="+mj-lt"/>
+                <a:ea typeface="+mj-ea"/>
+                <a:cs typeface="+mj-cs"/>
+              </a:defRPr>
+            </a:lvl1pPr>
+          </a:lstStyle>
+          <a:p>
+            <a:r>
+              <a:rPr lang="en-US" sz="3600">
+                <a:latin typeface="+mn-lt"/>
+                <a:cs typeface="Arial" panose="020B0604020202020204" pitchFamily="34" charset="0"/>
+              </a:rPr>
+              <a:t>Applicants Race</a:t>
+            </a:r>
+            <a:endParaRPr lang="en-US" sz="3600" dirty="0">
+              <a:latin typeface="+mn-lt"/>
+              <a:cs typeface="Arial" panose="020B0604020202020204" pitchFamily="34" charset="0"/>
+            </a:endParaRPr>
+          </a:p>
+        </p:txBody>
+      </p:sp>
+      <p:pic>
+        <p:nvPicPr>
+          <p:cNvPr id="6" name="Content Placeholder 5">
+            <a:extLst>
+              <a:ext uri="{FF2B5EF4-FFF2-40B4-BE49-F238E27FC236}">
+                <a16:creationId xmlns:a16="http://schemas.microsoft.com/office/drawing/2014/main" id="{B130010A-4E6A-4F9C-A9CE-2F74E3E8B8AF}"/>
+              </a:ext>
+            </a:extLst>
+          </p:cNvPr>
+          <p:cNvPicPr>
+            <a:picLocks noGrp="1"/>
+          </p:cNvPicPr>
+          <p:nvPr>
+            <p:ph sz="half" idx="1"/>
+          </p:nvPr>
+        </p:nvPicPr>
+        <p:blipFill>
+          <a:blip r:embed="rId2">
+            <a:extLst>
+              <a:ext uri="{28A0092B-C50C-407E-A947-70E740481C1C}">
+                <a14:useLocalDpi xmlns:a14="http://schemas.microsoft.com/office/drawing/2010/main" val="0"/>
+              </a:ext>
+            </a:extLst>
+          </a:blip>
+          <a:srcRect/>
+          <a:stretch>
+            <a:fillRect/>
+          </a:stretch>
+        </p:blipFill>
+        <p:spPr bwMode="auto">
+          <a:xfrm>
+            <a:off x="57145" y="665162"/>
+            <a:ext cx="6038855" cy="4214813"/>
+          </a:xfrm>
+          <a:prstGeom prst="rect">
+            <a:avLst/>
+          </a:prstGeom>
+          <a:ln>
+            <a:noFill/>
+          </a:ln>
+          <a:effectLst>
+            <a:outerShdw blurRad="292100" dist="139700" dir="2700000" algn="tl" rotWithShape="0">
+              <a:srgbClr val="333333">
+                <a:alpha val="65000"/>
+              </a:srgbClr>
+            </a:outerShdw>
+          </a:effectLst>
+        </p:spPr>
+      </p:pic>
+      <p:pic>
+        <p:nvPicPr>
+          <p:cNvPr id="10" name="Content Placeholder 9">
+            <a:extLst>
+              <a:ext uri="{FF2B5EF4-FFF2-40B4-BE49-F238E27FC236}">
+                <a16:creationId xmlns:a16="http://schemas.microsoft.com/office/drawing/2014/main" id="{EBD6974A-292C-4862-9C30-F7442B772B69}"/>
+              </a:ext>
+            </a:extLst>
+          </p:cNvPr>
+          <p:cNvPicPr>
+            <a:picLocks noGrp="1"/>
+          </p:cNvPicPr>
+          <p:nvPr>
+            <p:ph sz="half" idx="2"/>
+          </p:nvPr>
+        </p:nvPicPr>
+        <p:blipFill>
+          <a:blip r:embed="rId3">
+            <a:extLst>
+              <a:ext uri="{28A0092B-C50C-407E-A947-70E740481C1C}">
+                <a14:useLocalDpi xmlns:a14="http://schemas.microsoft.com/office/drawing/2010/main" val="0"/>
+              </a:ext>
+            </a:extLst>
+          </a:blip>
+          <a:srcRect/>
+          <a:stretch>
+            <a:fillRect/>
+          </a:stretch>
+        </p:blipFill>
+        <p:spPr bwMode="auto">
+          <a:xfrm>
+            <a:off x="6272215" y="2772569"/>
+            <a:ext cx="5862640" cy="4006628"/>
+          </a:xfrm>
+          <a:prstGeom prst="rect">
+            <a:avLst/>
+          </a:prstGeom>
+          <a:ln>
+            <a:noFill/>
+          </a:ln>
+          <a:effectLst>
+            <a:outerShdw blurRad="292100" dist="139700" dir="2700000" algn="tl" rotWithShape="0">
+              <a:srgbClr val="333333">
+                <a:alpha val="65000"/>
+              </a:srgbClr>
+            </a:outerShdw>
+          </a:effectLst>
+        </p:spPr>
+      </p:pic>
+    </p:spTree>
+    <p:extLst>
+      <p:ext uri="{BB962C8B-B14F-4D97-AF65-F5344CB8AC3E}">
+        <p14:creationId xmlns:p14="http://schemas.microsoft.com/office/powerpoint/2010/main" val="4056615568"/>
+      </p:ext>
+    </p:extLst>
+  </p:cSld>
+  <p:clrMapOvr>
+    <a:masterClrMapping/>
+  </p:clrMapOvr>
+</p:sld>
+</file>
+
+<file path=ppt/slides/slide17.xml><?xml version="1.0" encoding="utf-8"?>
+<p:sld xmlns:a="http://schemas.openxmlformats.org/drawingml/2006/main" xmlns:r="http://schemas.openxmlformats.org/officeDocument/2006/relationships" xmlns:p="http://schemas.openxmlformats.org/presentationml/2006/main">
+  <p:cSld>
+    <p:spTree>
+      <p:nvGrpSpPr>
+        <p:cNvPr id="1" name=""/>
+        <p:cNvGrpSpPr/>
+        <p:nvPr/>
+      </p:nvGrpSpPr>
+      <p:grpSpPr>
+        <a:xfrm>
+          <a:off x="0" y="0"/>
+          <a:ext cx="0" cy="0"/>
+          <a:chOff x="0" y="0"/>
+          <a:chExt cx="0" cy="0"/>
+        </a:xfrm>
+      </p:grpSpPr>
+      <p:sp>
+        <p:nvSpPr>
+          <p:cNvPr id="5" name="Slide Number Placeholder 4">
+            <a:extLst>
+              <a:ext uri="{FF2B5EF4-FFF2-40B4-BE49-F238E27FC236}">
+                <a16:creationId xmlns:a16="http://schemas.microsoft.com/office/drawing/2014/main" id="{01C760DD-9264-45FA-8582-46B2FF01D43D}"/>
+              </a:ext>
+            </a:extLst>
+          </p:cNvPr>
+          <p:cNvSpPr>
+            <a:spLocks noGrp="1"/>
+          </p:cNvSpPr>
+          <p:nvPr>
+            <p:ph type="sldNum" sz="quarter" idx="12"/>
+          </p:nvPr>
+        </p:nvSpPr>
+        <p:spPr>
+          <a:xfrm>
+            <a:off x="8610600" y="6356350"/>
+            <a:ext cx="2743200" cy="365125"/>
+          </a:xfrm>
+        </p:spPr>
+        <p:txBody>
+          <a:bodyPr/>
+          <a:lstStyle/>
+          <a:p>
+            <a:fld id="{16FA6B3E-46B9-EC46-AB95-0E643768DDA9}" type="slidenum">
+              <a:rPr lang="en-US" smtClean="0"/>
+              <a:t>17</a:t>
             </a:fld>
             <a:endParaRPr lang="en-US"/>
           </a:p>
@@ -10655,7 +12509,7 @@
 </p:sld>
 </file>
 
-<file path=ppt/slides/slide11.xml><?xml version="1.0" encoding="utf-8"?>
+<file path=ppt/slides/slide18.xml><?xml version="1.0" encoding="utf-8"?>
 <p:sld xmlns:a="http://schemas.openxmlformats.org/drawingml/2006/main" xmlns:r="http://schemas.openxmlformats.org/officeDocument/2006/relationships" xmlns:p="http://schemas.openxmlformats.org/presentationml/2006/main">
   <p:cSld>
     <p:spTree>
@@ -10757,7 +12611,7 @@
                 <a:ea typeface="+mj-ea"/>
                 <a:cs typeface="Arial" panose="020B0604020202020204" pitchFamily="34" charset="0"/>
               </a:rPr>
-              <a:t>Property Type </a:t>
+              <a:t>Clustering - Property Type </a:t>
             </a:r>
           </a:p>
         </p:txBody>
@@ -10865,7 +12719,7 @@
 </p:sld>
 </file>
 
-<file path=ppt/slides/slide12.xml><?xml version="1.0" encoding="utf-8"?>
+<file path=ppt/slides/slide19.xml><?xml version="1.0" encoding="utf-8"?>
 <p:sld xmlns:a="http://schemas.openxmlformats.org/drawingml/2006/main" xmlns:r="http://schemas.openxmlformats.org/officeDocument/2006/relationships" xmlns:p="http://schemas.openxmlformats.org/presentationml/2006/main">
   <p:cSld>
     <p:spTree>
@@ -11097,7 +12951,7 @@
 </p:sld>
 </file>
 
-<file path=ppt/slides/slide13.xml><?xml version="1.0" encoding="utf-8"?>
+<file path=ppt/slides/slide2.xml><?xml version="1.0" encoding="utf-8"?>
 <p:sld xmlns:a="http://schemas.openxmlformats.org/drawingml/2006/main" xmlns:r="http://schemas.openxmlformats.org/officeDocument/2006/relationships" xmlns:p="http://schemas.openxmlformats.org/presentationml/2006/main">
   <p:cSld>
     <p:spTree>
@@ -11116,6 +12970,287 @@
       </p:grpSpPr>
       <p:sp>
         <p:nvSpPr>
+          <p:cNvPr id="3" name="Content Placeholder 2">
+            <a:extLst>
+              <a:ext uri="{FF2B5EF4-FFF2-40B4-BE49-F238E27FC236}">
+                <a16:creationId xmlns:a16="http://schemas.microsoft.com/office/drawing/2014/main" id="{09808688-2513-4F30-A1E8-9AD437D3CC03}"/>
+              </a:ext>
+            </a:extLst>
+          </p:cNvPr>
+          <p:cNvSpPr>
+            <a:spLocks noGrp="1"/>
+          </p:cNvSpPr>
+          <p:nvPr>
+            <p:ph sz="half" idx="1"/>
+          </p:nvPr>
+        </p:nvSpPr>
+        <p:spPr>
+          <a:xfrm>
+            <a:off x="214312" y="657224"/>
+            <a:ext cx="6143625" cy="5686425"/>
+          </a:xfrm>
+        </p:spPr>
+        <p:txBody>
+          <a:bodyPr>
+            <a:normAutofit fontScale="62500" lnSpcReduction="20000"/>
+          </a:bodyPr>
+          <a:lstStyle/>
+          <a:p>
+            <a:endParaRPr lang="en-US" sz="3200" dirty="0">
+              <a:latin typeface="Arial" panose="020B0604020202020204" pitchFamily="34" charset="0"/>
+              <a:cs typeface="Arial" panose="020B0604020202020204" pitchFamily="34" charset="0"/>
+            </a:endParaRPr>
+          </a:p>
+          <a:p>
+            <a:pPr algn="just"/>
+            <a:r>
+              <a:rPr lang="en-US" sz="3200" dirty="0">
+                <a:cs typeface="Arial" panose="020B0604020202020204" pitchFamily="34" charset="0"/>
+              </a:rPr>
+              <a:t>The overall mortgage market is huge, with </a:t>
+            </a:r>
+            <a:r>
+              <a:rPr lang="en-US" sz="3200" b="1" dirty="0">
+                <a:cs typeface="Arial" panose="020B0604020202020204" pitchFamily="34" charset="0"/>
+              </a:rPr>
+              <a:t>$ 10 trillion-plus</a:t>
+            </a:r>
+            <a:r>
+              <a:rPr lang="en-US" sz="3200" dirty="0">
+                <a:cs typeface="Arial" panose="020B0604020202020204" pitchFamily="34" charset="0"/>
+              </a:rPr>
+              <a:t> in outstanding mortgages and projections of $2 trillion for this year </a:t>
+            </a:r>
+          </a:p>
+          <a:p>
+            <a:pPr algn="just"/>
+            <a:endParaRPr lang="en-US" sz="3200" dirty="0">
+              <a:cs typeface="Arial" panose="020B0604020202020204" pitchFamily="34" charset="0"/>
+            </a:endParaRPr>
+          </a:p>
+          <a:p>
+            <a:pPr algn="just"/>
+            <a:r>
+              <a:rPr lang="en-US" sz="3200" dirty="0">
+                <a:cs typeface="Arial" panose="020B0604020202020204" pitchFamily="34" charset="0"/>
+              </a:rPr>
+              <a:t>In 2011, 50 percent of all new mortgage money was loaned by the three biggest banks in the United States: </a:t>
+            </a:r>
+            <a:r>
+              <a:rPr lang="en-US" sz="3200" b="1" dirty="0">
+                <a:cs typeface="Arial" panose="020B0604020202020204" pitchFamily="34" charset="0"/>
+              </a:rPr>
+              <a:t>JPMorgan Chase, Bank of America and Wells Fargo</a:t>
+            </a:r>
+          </a:p>
+          <a:p>
+            <a:pPr algn="just"/>
+            <a:endParaRPr lang="en-US" sz="3200" b="1" dirty="0">
+              <a:cs typeface="Arial" panose="020B0604020202020204" pitchFamily="34" charset="0"/>
+            </a:endParaRPr>
+          </a:p>
+          <a:p>
+            <a:pPr algn="just"/>
+            <a:r>
+              <a:rPr lang="en-US" sz="3200" dirty="0">
+                <a:cs typeface="Arial" panose="020B0604020202020204" pitchFamily="34" charset="0"/>
+              </a:rPr>
+              <a:t>By</a:t>
+            </a:r>
+            <a:r>
+              <a:rPr lang="en-US" sz="3200" b="1" dirty="0">
+                <a:cs typeface="Arial" panose="020B0604020202020204" pitchFamily="34" charset="0"/>
+              </a:rPr>
+              <a:t> September 2016</a:t>
+            </a:r>
+            <a:r>
+              <a:rPr lang="en-US" sz="3200" dirty="0">
+                <a:cs typeface="Arial" panose="020B0604020202020204" pitchFamily="34" charset="0"/>
+              </a:rPr>
+              <a:t>, the share of loans by these three big banks dropped to </a:t>
+            </a:r>
+            <a:r>
+              <a:rPr lang="en-US" sz="3200" b="1" dirty="0">
+                <a:cs typeface="Arial" panose="020B0604020202020204" pitchFamily="34" charset="0"/>
+              </a:rPr>
+              <a:t>21 percent</a:t>
+            </a:r>
+          </a:p>
+          <a:p>
+            <a:pPr algn="just"/>
+            <a:r>
+              <a:rPr lang="en-US" sz="3200" dirty="0">
+                <a:cs typeface="Arial" panose="020B0604020202020204" pitchFamily="34" charset="0"/>
+              </a:rPr>
+              <a:t> </a:t>
+            </a:r>
+          </a:p>
+          <a:p>
+            <a:pPr algn="just"/>
+            <a:r>
+              <a:rPr lang="en-US" sz="3200" dirty="0">
+                <a:cs typeface="Arial" panose="020B0604020202020204" pitchFamily="34" charset="0"/>
+              </a:rPr>
+              <a:t>Six of the top 10 largest lenders by volume were non-banks, such as </a:t>
+            </a:r>
+            <a:r>
+              <a:rPr lang="en-US" sz="3200" b="1" dirty="0">
+                <a:cs typeface="Arial" panose="020B0604020202020204" pitchFamily="34" charset="0"/>
+              </a:rPr>
+              <a:t>Quicken Loans,</a:t>
+            </a:r>
+            <a:r>
+              <a:rPr lang="en-US" sz="3200" dirty="0">
+                <a:cs typeface="Arial" panose="020B0604020202020204" pitchFamily="34" charset="0"/>
+              </a:rPr>
+              <a:t> Loan Depot, and PHH Mortgage, compared with just two of the top 10 in 2011</a:t>
+            </a:r>
+          </a:p>
+          <a:p>
+            <a:pPr algn="just"/>
+            <a:endParaRPr lang="en-US" sz="3200" dirty="0">
+              <a:cs typeface="Arial" panose="020B0604020202020204" pitchFamily="34" charset="0"/>
+            </a:endParaRPr>
+          </a:p>
+          <a:p>
+            <a:pPr algn="just"/>
+            <a:r>
+              <a:rPr lang="en-US" sz="3200" dirty="0">
+                <a:cs typeface="Arial" panose="020B0604020202020204" pitchFamily="34" charset="0"/>
+              </a:rPr>
+              <a:t>In such a competitive and dynamic market its critical to obtain a deep understanding of consumer needs and behaviors to quickly find and close high-quality loans</a:t>
+            </a:r>
+          </a:p>
+          <a:p>
+            <a:pPr algn="just"/>
+            <a:endParaRPr lang="en-US" sz="3200" dirty="0">
+              <a:cs typeface="Arial" panose="020B0604020202020204" pitchFamily="34" charset="0"/>
+            </a:endParaRPr>
+          </a:p>
+          <a:p>
+            <a:endParaRPr lang="en-US" dirty="0"/>
+          </a:p>
+        </p:txBody>
+      </p:sp>
+      <p:sp>
+        <p:nvSpPr>
+          <p:cNvPr id="5" name="Title 1">
+            <a:extLst>
+              <a:ext uri="{FF2B5EF4-FFF2-40B4-BE49-F238E27FC236}">
+                <a16:creationId xmlns:a16="http://schemas.microsoft.com/office/drawing/2014/main" id="{A016E898-05E0-46AA-BC81-84EC2C83D442}"/>
+              </a:ext>
+            </a:extLst>
+          </p:cNvPr>
+          <p:cNvSpPr>
+            <a:spLocks noGrp="1"/>
+          </p:cNvSpPr>
+          <p:nvPr>
+            <p:ph type="title"/>
+          </p:nvPr>
+        </p:nvSpPr>
+        <p:spPr>
+          <a:xfrm>
+            <a:off x="0" y="1"/>
+            <a:ext cx="12192000" cy="505325"/>
+          </a:xfrm>
+          <a:solidFill>
+            <a:schemeClr val="accent5">
+              <a:lumMod val="60000"/>
+              <a:lumOff val="40000"/>
+            </a:schemeClr>
+          </a:solidFill>
+        </p:spPr>
+        <p:txBody>
+          <a:bodyPr>
+            <a:noAutofit/>
+          </a:bodyPr>
+          <a:lstStyle/>
+          <a:p>
+            <a:r>
+              <a:rPr lang="en-US" sz="3600" dirty="0">
+                <a:latin typeface="+mn-lt"/>
+                <a:cs typeface="Arial" panose="020B0604020202020204" pitchFamily="34" charset="0"/>
+              </a:rPr>
+              <a:t>Introduction</a:t>
+            </a:r>
+          </a:p>
+        </p:txBody>
+      </p:sp>
+      <p:pic>
+        <p:nvPicPr>
+          <p:cNvPr id="6" name="Content Placeholder 5" descr="https://img.washingtonpost.com/rf/image_1024w/2010-2019/WashingtonPost/2017/02/22/RealEstate/Images/mortgagechart2.jpg?uuid=aLtKiPlZEeaYRVdsaQgVGA">
+            <a:extLst>
+              <a:ext uri="{FF2B5EF4-FFF2-40B4-BE49-F238E27FC236}">
+                <a16:creationId xmlns:a16="http://schemas.microsoft.com/office/drawing/2014/main" id="{6DEEF6CB-650F-4C52-A8DE-06E2C2BAE304}"/>
+              </a:ext>
+            </a:extLst>
+          </p:cNvPr>
+          <p:cNvPicPr>
+            <a:picLocks noGrp="1"/>
+          </p:cNvPicPr>
+          <p:nvPr>
+            <p:ph sz="half" idx="2"/>
+          </p:nvPr>
+        </p:nvPicPr>
+        <p:blipFill>
+          <a:blip r:embed="rId2" cstate="print">
+            <a:extLst>
+              <a:ext uri="{28A0092B-C50C-407E-A947-70E740481C1C}">
+                <a14:useLocalDpi xmlns:a14="http://schemas.microsoft.com/office/drawing/2010/main" val="0"/>
+              </a:ext>
+            </a:extLst>
+          </a:blip>
+          <a:srcRect/>
+          <a:stretch>
+            <a:fillRect/>
+          </a:stretch>
+        </p:blipFill>
+        <p:spPr bwMode="auto">
+          <a:xfrm>
+            <a:off x="6640852" y="956509"/>
+            <a:ext cx="5336836" cy="5358564"/>
+          </a:xfrm>
+          <a:prstGeom prst="rect">
+            <a:avLst/>
+          </a:prstGeom>
+          <a:noFill/>
+          <a:ln>
+            <a:noFill/>
+          </a:ln>
+        </p:spPr>
+      </p:pic>
+    </p:spTree>
+    <p:extLst>
+      <p:ext uri="{BB962C8B-B14F-4D97-AF65-F5344CB8AC3E}">
+        <p14:creationId xmlns:p14="http://schemas.microsoft.com/office/powerpoint/2010/main" val="3347674060"/>
+      </p:ext>
+    </p:extLst>
+  </p:cSld>
+  <p:clrMapOvr>
+    <a:masterClrMapping/>
+  </p:clrMapOvr>
+</p:sld>
+</file>
+
+<file path=ppt/slides/slide20.xml><?xml version="1.0" encoding="utf-8"?>
+<p:sld xmlns:a="http://schemas.openxmlformats.org/drawingml/2006/main" xmlns:r="http://schemas.openxmlformats.org/officeDocument/2006/relationships" xmlns:p="http://schemas.openxmlformats.org/presentationml/2006/main">
+  <p:cSld>
+    <p:spTree>
+      <p:nvGrpSpPr>
+        <p:cNvPr id="1" name=""/>
+        <p:cNvGrpSpPr/>
+        <p:nvPr/>
+      </p:nvGrpSpPr>
+      <p:grpSpPr>
+        <a:xfrm>
+          <a:off x="0" y="0"/>
+          <a:ext cx="0" cy="0"/>
+          <a:chOff x="0" y="0"/>
+          <a:chExt cx="0" cy="0"/>
+        </a:xfrm>
+      </p:grpSpPr>
+      <p:sp>
+        <p:nvSpPr>
           <p:cNvPr id="3" name="Title 1">
             <a:extLst>
               <a:ext uri="{FF2B5EF4-FFF2-40B4-BE49-F238E27FC236}">
@@ -11199,7 +13334,7 @@
                 <a:ea typeface="+mj-ea"/>
                 <a:cs typeface="Arial" panose="020B0604020202020204" pitchFamily="34" charset="0"/>
               </a:rPr>
-              <a:t>Owner Occupancy</a:t>
+              <a:t>Clustering - Owner Occupancy</a:t>
             </a:r>
           </a:p>
         </p:txBody>
@@ -11262,7 +13397,7 @@
 </p:sld>
 </file>
 
-<file path=ppt/slides/slide14.xml><?xml version="1.0" encoding="utf-8"?>
+<file path=ppt/slides/slide21.xml><?xml version="1.0" encoding="utf-8"?>
 <p:sld xmlns:a="http://schemas.openxmlformats.org/drawingml/2006/main" xmlns:r="http://schemas.openxmlformats.org/officeDocument/2006/relationships" xmlns:p="http://schemas.openxmlformats.org/presentationml/2006/main">
   <p:cSld>
     <p:spTree>
@@ -11307,7 +13442,7 @@
           <a:p>
             <a:fld id="{16FA6B3E-46B9-EC46-AB95-0E643768DDA9}" type="slidenum">
               <a:rPr lang="en-US" smtClean="0"/>
-              <a:t>14</a:t>
+              <a:t>21</a:t>
             </a:fld>
             <a:endParaRPr lang="en-US"/>
           </a:p>
@@ -11370,22 +13505,15 @@
               <a:defRPr/>
             </a:pPr>
             <a:r>
-              <a:rPr lang="en-US" sz="3600">
+              <a:rPr lang="en-US" sz="3600" dirty="0">
                 <a:solidFill>
                   <a:prstClr val="black"/>
                 </a:solidFill>
                 <a:latin typeface="Calibri"/>
                 <a:cs typeface="Arial" panose="020B0604020202020204" pitchFamily="34" charset="0"/>
               </a:rPr>
-              <a:t>Loan Amount</a:t>
-            </a:r>
-            <a:endParaRPr lang="en-US" sz="3600" dirty="0">
-              <a:solidFill>
-                <a:prstClr val="black"/>
-              </a:solidFill>
-              <a:latin typeface="Calibri"/>
-              <a:cs typeface="Arial" panose="020B0604020202020204" pitchFamily="34" charset="0"/>
-            </a:endParaRPr>
+              <a:t>Clustering - Loan Amount</a:t>
+            </a:r>
           </a:p>
         </p:txBody>
       </p:sp>
@@ -11500,7 +13628,7 @@
 </p:sld>
 </file>
 
-<file path=ppt/slides/slide15.xml><?xml version="1.0" encoding="utf-8"?>
+<file path=ppt/slides/slide22.xml><?xml version="1.0" encoding="utf-8"?>
 <p:sld xmlns:a="http://schemas.openxmlformats.org/drawingml/2006/main" xmlns:r="http://schemas.openxmlformats.org/officeDocument/2006/relationships" xmlns:p="http://schemas.openxmlformats.org/presentationml/2006/main">
   <p:cSld>
     <p:spTree>
@@ -11581,7 +13709,7 @@
                 <a:latin typeface="Calibri"/>
                 <a:cs typeface="Arial" panose="020B0604020202020204" pitchFamily="34" charset="0"/>
               </a:rPr>
-              <a:t>Applicant Income</a:t>
+              <a:t>Clustering - Applicant Income</a:t>
             </a:r>
           </a:p>
         </p:txBody>
@@ -11697,7 +13825,7 @@
 </p:sld>
 </file>
 
-<file path=ppt/slides/slide16.xml><?xml version="1.0" encoding="utf-8"?>
+<file path=ppt/slides/slide23.xml><?xml version="1.0" encoding="utf-8"?>
 <p:sld xmlns:a="http://schemas.openxmlformats.org/drawingml/2006/main" xmlns:r="http://schemas.openxmlformats.org/officeDocument/2006/relationships" xmlns:p="http://schemas.openxmlformats.org/presentationml/2006/main">
   <p:cSld>
     <p:spTree>
@@ -11919,7 +14047,7 @@
 </p:sld>
 </file>
 
-<file path=ppt/slides/slide17.xml><?xml version="1.0" encoding="utf-8"?>
+<file path=ppt/slides/slide24.xml><?xml version="1.0" encoding="utf-8"?>
 <p:sld xmlns:a="http://schemas.openxmlformats.org/drawingml/2006/main" xmlns:r="http://schemas.openxmlformats.org/officeDocument/2006/relationships" xmlns:p="http://schemas.openxmlformats.org/presentationml/2006/main">
   <p:cSld>
     <p:spTree>
@@ -12136,7 +14264,7 @@
 </p:sld>
 </file>
 
-<file path=ppt/slides/slide18.xml><?xml version="1.0" encoding="utf-8"?>
+<file path=ppt/slides/slide25.xml><?xml version="1.0" encoding="utf-8"?>
 <p:sld xmlns:a="http://schemas.openxmlformats.org/drawingml/2006/main" xmlns:r="http://schemas.openxmlformats.org/officeDocument/2006/relationships" xmlns:p="http://schemas.openxmlformats.org/presentationml/2006/main">
   <p:cSld>
     <p:spTree>
@@ -12395,7 +14523,7 @@
         </p:nvSpPr>
         <p:spPr>
           <a:xfrm>
-            <a:off x="1385889" y="773675"/>
+            <a:off x="1551426" y="2130270"/>
             <a:ext cx="9802374" cy="814493"/>
           </a:xfrm>
         </p:spPr>
@@ -12417,287 +14545,6 @@
     <p:extLst>
       <p:ext uri="{BB962C8B-B14F-4D97-AF65-F5344CB8AC3E}">
         <p14:creationId xmlns:p14="http://schemas.microsoft.com/office/powerpoint/2010/main" val="1322559641"/>
-      </p:ext>
-    </p:extLst>
-  </p:cSld>
-  <p:clrMapOvr>
-    <a:masterClrMapping/>
-  </p:clrMapOvr>
-</p:sld>
-</file>
-
-<file path=ppt/slides/slide2.xml><?xml version="1.0" encoding="utf-8"?>
-<p:sld xmlns:a="http://schemas.openxmlformats.org/drawingml/2006/main" xmlns:r="http://schemas.openxmlformats.org/officeDocument/2006/relationships" xmlns:p="http://schemas.openxmlformats.org/presentationml/2006/main">
-  <p:cSld>
-    <p:spTree>
-      <p:nvGrpSpPr>
-        <p:cNvPr id="1" name=""/>
-        <p:cNvGrpSpPr/>
-        <p:nvPr/>
-      </p:nvGrpSpPr>
-      <p:grpSpPr>
-        <a:xfrm>
-          <a:off x="0" y="0"/>
-          <a:ext cx="0" cy="0"/>
-          <a:chOff x="0" y="0"/>
-          <a:chExt cx="0" cy="0"/>
-        </a:xfrm>
-      </p:grpSpPr>
-      <p:sp>
-        <p:nvSpPr>
-          <p:cNvPr id="3" name="Content Placeholder 2">
-            <a:extLst>
-              <a:ext uri="{FF2B5EF4-FFF2-40B4-BE49-F238E27FC236}">
-                <a16:creationId xmlns:a16="http://schemas.microsoft.com/office/drawing/2014/main" id="{09808688-2513-4F30-A1E8-9AD437D3CC03}"/>
-              </a:ext>
-            </a:extLst>
-          </p:cNvPr>
-          <p:cNvSpPr>
-            <a:spLocks noGrp="1"/>
-          </p:cNvSpPr>
-          <p:nvPr>
-            <p:ph sz="half" idx="1"/>
-          </p:nvPr>
-        </p:nvSpPr>
-        <p:spPr>
-          <a:xfrm>
-            <a:off x="214312" y="657224"/>
-            <a:ext cx="6143625" cy="5686425"/>
-          </a:xfrm>
-        </p:spPr>
-        <p:txBody>
-          <a:bodyPr>
-            <a:normAutofit fontScale="62500" lnSpcReduction="20000"/>
-          </a:bodyPr>
-          <a:lstStyle/>
-          <a:p>
-            <a:endParaRPr lang="en-US" sz="3200" dirty="0">
-              <a:latin typeface="Arial" panose="020B0604020202020204" pitchFamily="34" charset="0"/>
-              <a:cs typeface="Arial" panose="020B0604020202020204" pitchFamily="34" charset="0"/>
-            </a:endParaRPr>
-          </a:p>
-          <a:p>
-            <a:pPr algn="just"/>
-            <a:r>
-              <a:rPr lang="en-US" sz="3200" dirty="0">
-                <a:cs typeface="Arial" panose="020B0604020202020204" pitchFamily="34" charset="0"/>
-              </a:rPr>
-              <a:t>The overall mortgage market is huge, with </a:t>
-            </a:r>
-            <a:r>
-              <a:rPr lang="en-US" sz="3200" b="1" dirty="0">
-                <a:cs typeface="Arial" panose="020B0604020202020204" pitchFamily="34" charset="0"/>
-              </a:rPr>
-              <a:t>$ 10 trillion-plus</a:t>
-            </a:r>
-            <a:r>
-              <a:rPr lang="en-US" sz="3200" dirty="0">
-                <a:cs typeface="Arial" panose="020B0604020202020204" pitchFamily="34" charset="0"/>
-              </a:rPr>
-              <a:t> in outstanding mortgages and projections of $2 trillion for this year </a:t>
-            </a:r>
-          </a:p>
-          <a:p>
-            <a:pPr algn="just"/>
-            <a:endParaRPr lang="en-US" sz="3200" dirty="0">
-              <a:cs typeface="Arial" panose="020B0604020202020204" pitchFamily="34" charset="0"/>
-            </a:endParaRPr>
-          </a:p>
-          <a:p>
-            <a:pPr algn="just"/>
-            <a:r>
-              <a:rPr lang="en-US" sz="3200" dirty="0">
-                <a:cs typeface="Arial" panose="020B0604020202020204" pitchFamily="34" charset="0"/>
-              </a:rPr>
-              <a:t>In 2011, 50 percent of all new mortgage money was loaned by the three biggest banks in the United States: </a:t>
-            </a:r>
-            <a:r>
-              <a:rPr lang="en-US" sz="3200" b="1" dirty="0">
-                <a:cs typeface="Arial" panose="020B0604020202020204" pitchFamily="34" charset="0"/>
-              </a:rPr>
-              <a:t>JPMorgan Chase, Bank of America and Wells Fargo</a:t>
-            </a:r>
-          </a:p>
-          <a:p>
-            <a:pPr algn="just"/>
-            <a:endParaRPr lang="en-US" sz="3200" b="1" dirty="0">
-              <a:cs typeface="Arial" panose="020B0604020202020204" pitchFamily="34" charset="0"/>
-            </a:endParaRPr>
-          </a:p>
-          <a:p>
-            <a:pPr algn="just"/>
-            <a:r>
-              <a:rPr lang="en-US" sz="3200" dirty="0">
-                <a:cs typeface="Arial" panose="020B0604020202020204" pitchFamily="34" charset="0"/>
-              </a:rPr>
-              <a:t>By</a:t>
-            </a:r>
-            <a:r>
-              <a:rPr lang="en-US" sz="3200" b="1" dirty="0">
-                <a:cs typeface="Arial" panose="020B0604020202020204" pitchFamily="34" charset="0"/>
-              </a:rPr>
-              <a:t> September 2016</a:t>
-            </a:r>
-            <a:r>
-              <a:rPr lang="en-US" sz="3200" dirty="0">
-                <a:cs typeface="Arial" panose="020B0604020202020204" pitchFamily="34" charset="0"/>
-              </a:rPr>
-              <a:t>, the share of loans by these three big banks dropped to </a:t>
-            </a:r>
-            <a:r>
-              <a:rPr lang="en-US" sz="3200" b="1" dirty="0">
-                <a:cs typeface="Arial" panose="020B0604020202020204" pitchFamily="34" charset="0"/>
-              </a:rPr>
-              <a:t>21 percent</a:t>
-            </a:r>
-          </a:p>
-          <a:p>
-            <a:pPr algn="just"/>
-            <a:r>
-              <a:rPr lang="en-US" sz="3200" dirty="0">
-                <a:cs typeface="Arial" panose="020B0604020202020204" pitchFamily="34" charset="0"/>
-              </a:rPr>
-              <a:t> </a:t>
-            </a:r>
-          </a:p>
-          <a:p>
-            <a:pPr algn="just"/>
-            <a:r>
-              <a:rPr lang="en-US" sz="3200" dirty="0">
-                <a:cs typeface="Arial" panose="020B0604020202020204" pitchFamily="34" charset="0"/>
-              </a:rPr>
-              <a:t>Six of the top 10 largest lenders by volume were non-banks, such as </a:t>
-            </a:r>
-            <a:r>
-              <a:rPr lang="en-US" sz="3200" b="1" dirty="0">
-                <a:cs typeface="Arial" panose="020B0604020202020204" pitchFamily="34" charset="0"/>
-              </a:rPr>
-              <a:t>Quicken Loans,</a:t>
-            </a:r>
-            <a:r>
-              <a:rPr lang="en-US" sz="3200" dirty="0">
-                <a:cs typeface="Arial" panose="020B0604020202020204" pitchFamily="34" charset="0"/>
-              </a:rPr>
-              <a:t> Loan Depot, and PHH Mortgage, compared with just two of the top 10 in 2011</a:t>
-            </a:r>
-          </a:p>
-          <a:p>
-            <a:pPr algn="just"/>
-            <a:endParaRPr lang="en-US" sz="3200" dirty="0">
-              <a:cs typeface="Arial" panose="020B0604020202020204" pitchFamily="34" charset="0"/>
-            </a:endParaRPr>
-          </a:p>
-          <a:p>
-            <a:pPr algn="just"/>
-            <a:r>
-              <a:rPr lang="en-US" sz="3200" dirty="0">
-                <a:cs typeface="Arial" panose="020B0604020202020204" pitchFamily="34" charset="0"/>
-              </a:rPr>
-              <a:t>In such a competitive and dynamic market its critical to obtain a deep understanding of consumer needs and behaviors to quickly find and close high-quality loans</a:t>
-            </a:r>
-          </a:p>
-          <a:p>
-            <a:pPr algn="just"/>
-            <a:endParaRPr lang="en-US" sz="3200" dirty="0">
-              <a:cs typeface="Arial" panose="020B0604020202020204" pitchFamily="34" charset="0"/>
-            </a:endParaRPr>
-          </a:p>
-          <a:p>
-            <a:endParaRPr lang="en-US" dirty="0"/>
-          </a:p>
-        </p:txBody>
-      </p:sp>
-      <p:sp>
-        <p:nvSpPr>
-          <p:cNvPr id="5" name="Title 1">
-            <a:extLst>
-              <a:ext uri="{FF2B5EF4-FFF2-40B4-BE49-F238E27FC236}">
-                <a16:creationId xmlns:a16="http://schemas.microsoft.com/office/drawing/2014/main" id="{A016E898-05E0-46AA-BC81-84EC2C83D442}"/>
-              </a:ext>
-            </a:extLst>
-          </p:cNvPr>
-          <p:cNvSpPr>
-            <a:spLocks noGrp="1"/>
-          </p:cNvSpPr>
-          <p:nvPr>
-            <p:ph type="title"/>
-          </p:nvPr>
-        </p:nvSpPr>
-        <p:spPr>
-          <a:xfrm>
-            <a:off x="0" y="1"/>
-            <a:ext cx="12192000" cy="505325"/>
-          </a:xfrm>
-          <a:solidFill>
-            <a:schemeClr val="accent5">
-              <a:lumMod val="60000"/>
-              <a:lumOff val="40000"/>
-            </a:schemeClr>
-          </a:solidFill>
-        </p:spPr>
-        <p:txBody>
-          <a:bodyPr>
-            <a:noAutofit/>
-          </a:bodyPr>
-          <a:lstStyle/>
-          <a:p>
-            <a:r>
-              <a:rPr lang="en-US" sz="3600" dirty="0">
-                <a:latin typeface="+mn-lt"/>
-                <a:cs typeface="Arial" panose="020B0604020202020204" pitchFamily="34" charset="0"/>
-              </a:rPr>
-              <a:t>Introduction</a:t>
-            </a:r>
-          </a:p>
-        </p:txBody>
-      </p:sp>
-      <p:pic>
-        <p:nvPicPr>
-          <p:cNvPr id="6" name="Content Placeholder 5" descr="https://img.washingtonpost.com/rf/image_1024w/2010-2019/WashingtonPost/2017/02/22/RealEstate/Images/mortgagechart2.jpg?uuid=aLtKiPlZEeaYRVdsaQgVGA">
-            <a:extLst>
-              <a:ext uri="{FF2B5EF4-FFF2-40B4-BE49-F238E27FC236}">
-                <a16:creationId xmlns:a16="http://schemas.microsoft.com/office/drawing/2014/main" id="{6DEEF6CB-650F-4C52-A8DE-06E2C2BAE304}"/>
-              </a:ext>
-            </a:extLst>
-          </p:cNvPr>
-          <p:cNvPicPr>
-            <a:picLocks noGrp="1"/>
-          </p:cNvPicPr>
-          <p:nvPr>
-            <p:ph sz="half" idx="2"/>
-          </p:nvPr>
-        </p:nvPicPr>
-        <p:blipFill>
-          <a:blip r:embed="rId2" cstate="print">
-            <a:extLst>
-              <a:ext uri="{28A0092B-C50C-407E-A947-70E740481C1C}">
-                <a14:useLocalDpi xmlns:a14="http://schemas.microsoft.com/office/drawing/2010/main" val="0"/>
-              </a:ext>
-            </a:extLst>
-          </a:blip>
-          <a:srcRect/>
-          <a:stretch>
-            <a:fillRect/>
-          </a:stretch>
-        </p:blipFill>
-        <p:spPr bwMode="auto">
-          <a:xfrm>
-            <a:off x="6640852" y="956509"/>
-            <a:ext cx="5336836" cy="5358564"/>
-          </a:xfrm>
-          <a:prstGeom prst="rect">
-            <a:avLst/>
-          </a:prstGeom>
-          <a:noFill/>
-          <a:ln>
-            <a:noFill/>
-          </a:ln>
-        </p:spPr>
-      </p:pic>
-    </p:spTree>
-    <p:extLst>
-      <p:ext uri="{BB962C8B-B14F-4D97-AF65-F5344CB8AC3E}">
-        <p14:creationId xmlns:p14="http://schemas.microsoft.com/office/powerpoint/2010/main" val="3347674060"/>
       </p:ext>
     </p:extLst>
   </p:cSld>
@@ -12994,8 +14841,8 @@
         </p:nvSpPr>
         <p:spPr>
           <a:xfrm>
-            <a:off x="190081" y="686165"/>
-            <a:ext cx="4153317" cy="529388"/>
+            <a:off x="108284" y="666170"/>
+            <a:ext cx="2913439" cy="529388"/>
           </a:xfrm>
         </p:spPr>
         <p:txBody>
@@ -13028,8 +14875,8 @@
         </p:nvSpPr>
         <p:spPr>
           <a:xfrm>
-            <a:off x="7848603" y="704030"/>
-            <a:ext cx="4058359" cy="574955"/>
+            <a:off x="7862845" y="693857"/>
+            <a:ext cx="3644566" cy="574955"/>
           </a:xfrm>
         </p:spPr>
         <p:txBody>
@@ -13063,7 +14910,7 @@
         <p:spPr>
           <a:xfrm>
             <a:off x="0" y="1"/>
-            <a:ext cx="12192000" cy="529388"/>
+            <a:ext cx="12192000" cy="407839"/>
           </a:xfrm>
           <a:prstGeom prst="rect">
             <a:avLst/>
@@ -13118,38 +14965,6 @@
       </p:sp>
       <p:pic>
         <p:nvPicPr>
-          <p:cNvPr id="9" name="Content Placeholder 8">
-            <a:extLst>
-              <a:ext uri="{FF2B5EF4-FFF2-40B4-BE49-F238E27FC236}">
-                <a16:creationId xmlns:a16="http://schemas.microsoft.com/office/drawing/2014/main" id="{B962D054-5BC4-42FE-98D0-36963569B0B6}"/>
-              </a:ext>
-            </a:extLst>
-          </p:cNvPr>
-          <p:cNvPicPr>
-            <a:picLocks noGrp="1" noChangeAspect="1"/>
-          </p:cNvPicPr>
-          <p:nvPr>
-            <p:ph sz="half" idx="2"/>
-          </p:nvPr>
-        </p:nvPicPr>
-        <p:blipFill>
-          <a:blip r:embed="rId2"/>
-          <a:stretch>
-            <a:fillRect/>
-          </a:stretch>
-        </p:blipFill>
-        <p:spPr>
-          <a:xfrm>
-            <a:off x="364456" y="1372329"/>
-            <a:ext cx="3380874" cy="643688"/>
-          </a:xfrm>
-          <a:prstGeom prst="rect">
-            <a:avLst/>
-          </a:prstGeom>
-        </p:spPr>
-      </p:pic>
-      <p:pic>
-        <p:nvPicPr>
           <p:cNvPr id="1028" name="Picture 4" descr="Wells Fargo Home Page">
             <a:extLst>
               <a:ext uri="{FF2B5EF4-FFF2-40B4-BE49-F238E27FC236}">
@@ -13163,7 +14978,7 @@
           <p:nvPr/>
         </p:nvPicPr>
         <p:blipFill>
-          <a:blip r:embed="rId3">
+          <a:blip r:embed="rId2">
             <a:extLst>
               <a:ext uri="{28A0092B-C50C-407E-A947-70E740481C1C}">
                 <a14:useLocalDpi xmlns:a14="http://schemas.microsoft.com/office/drawing/2010/main" val="0"/>
@@ -13177,7 +14992,7 @@
         </p:blipFill>
         <p:spPr bwMode="auto">
           <a:xfrm>
-            <a:off x="545351" y="2377244"/>
+            <a:off x="4145485" y="2556852"/>
             <a:ext cx="1011154" cy="1011154"/>
           </a:xfrm>
           <a:prstGeom prst="rect">
@@ -13210,7 +15025,7 @@
           <p:nvPr/>
         </p:nvPicPr>
         <p:blipFill>
-          <a:blip r:embed="rId4">
+          <a:blip r:embed="rId3">
             <a:extLst>
               <a:ext uri="{28A0092B-C50C-407E-A947-70E740481C1C}">
                 <a14:useLocalDpi xmlns:a14="http://schemas.microsoft.com/office/drawing/2010/main" val="0"/>
@@ -13224,7 +15039,7 @@
         </p:blipFill>
         <p:spPr bwMode="auto">
           <a:xfrm>
-            <a:off x="4343398" y="6143548"/>
+            <a:off x="419550" y="1575880"/>
             <a:ext cx="2762250" cy="676275"/>
           </a:xfrm>
           <a:prstGeom prst="rect">
@@ -13257,7 +15072,7 @@
           <p:nvPr/>
         </p:nvPicPr>
         <p:blipFill>
-          <a:blip r:embed="rId5">
+          <a:blip r:embed="rId4">
             <a:extLst>
               <a:ext uri="{28A0092B-C50C-407E-A947-70E740481C1C}">
                 <a14:useLocalDpi xmlns:a14="http://schemas.microsoft.com/office/drawing/2010/main" val="0"/>
@@ -13271,7 +15086,7 @@
         </p:blipFill>
         <p:spPr bwMode="auto">
           <a:xfrm>
-            <a:off x="4343398" y="5197769"/>
+            <a:off x="281437" y="2815591"/>
             <a:ext cx="3038475" cy="704850"/>
           </a:xfrm>
           <a:prstGeom prst="rect">
@@ -13289,51 +15104,6 @@
           </a:extLst>
         </p:spPr>
       </p:pic>
-      <p:sp>
-        <p:nvSpPr>
-          <p:cNvPr id="10" name="AutoShape 10" descr="Bank of America Logo">
-            <a:extLst>
-              <a:ext uri="{FF2B5EF4-FFF2-40B4-BE49-F238E27FC236}">
-                <a16:creationId xmlns:a16="http://schemas.microsoft.com/office/drawing/2014/main" id="{4BA97658-4F9B-49B7-9337-0372F5D8A6DA}"/>
-              </a:ext>
-            </a:extLst>
-          </p:cNvPr>
-          <p:cNvSpPr>
-            <a:spLocks noChangeAspect="1" noChangeArrowheads="1"/>
-          </p:cNvSpPr>
-          <p:nvPr/>
-        </p:nvSpPr>
-        <p:spPr bwMode="auto">
-          <a:xfrm>
-            <a:off x="5943600" y="3276600"/>
-            <a:ext cx="304800" cy="304800"/>
-          </a:xfrm>
-          <a:prstGeom prst="rect">
-            <a:avLst/>
-          </a:prstGeom>
-          <a:noFill/>
-          <a:extLst>
-            <a:ext uri="{909E8E84-426E-40DD-AFC4-6F175D3DCCD1}">
-              <a14:hiddenFill xmlns:a14="http://schemas.microsoft.com/office/drawing/2010/main">
-                <a:solidFill>
-                  <a:srgbClr val="FFFFFF"/>
-                </a:solidFill>
-              </a14:hiddenFill>
-            </a:ext>
-          </a:extLst>
-        </p:spPr>
-        <p:txBody>
-          <a:bodyPr vert="horz" wrap="square" lIns="91440" tIns="45720" rIns="91440" bIns="45720" numCol="1" anchor="t" anchorCtr="0" compatLnSpc="1">
-            <a:prstTxWarp prst="textNoShape">
-              <a:avLst/>
-            </a:prstTxWarp>
-          </a:bodyPr>
-          <a:lstStyle/>
-          <a:p>
-            <a:endParaRPr lang="en-US"/>
-          </a:p>
-        </p:txBody>
-      </p:sp>
       <p:sp>
         <p:nvSpPr>
           <p:cNvPr id="11" name="AutoShape 12" descr="Bank of America Logo">
@@ -13424,55 +15194,6 @@
           </a:p>
         </p:txBody>
       </p:sp>
-      <p:pic>
-        <p:nvPicPr>
-          <p:cNvPr id="1026" name="Picture 2" descr="U.S. Bank">
-            <a:extLst>
-              <a:ext uri="{FF2B5EF4-FFF2-40B4-BE49-F238E27FC236}">
-                <a16:creationId xmlns:a16="http://schemas.microsoft.com/office/drawing/2014/main" id="{28A31615-8EEF-475D-831E-858A2B12029F}"/>
-              </a:ext>
-            </a:extLst>
-          </p:cNvPr>
-          <p:cNvPicPr>
-            <a:picLocks noGrp="1" noChangeAspect="1" noChangeArrowheads="1"/>
-          </p:cNvPicPr>
-          <p:nvPr>
-            <p:ph sz="quarter" idx="4"/>
-          </p:nvPr>
-        </p:nvPicPr>
-        <p:blipFill>
-          <a:blip r:embed="rId6">
-            <a:extLst>
-              <a:ext uri="{28A0092B-C50C-407E-A947-70E740481C1C}">
-                <a14:useLocalDpi xmlns:a14="http://schemas.microsoft.com/office/drawing/2010/main" val="0"/>
-              </a:ext>
-            </a:extLst>
-          </a:blip>
-          <a:srcRect/>
-          <a:stretch>
-            <a:fillRect/>
-          </a:stretch>
-        </p:blipFill>
-        <p:spPr bwMode="auto">
-          <a:xfrm>
-            <a:off x="4343398" y="1488415"/>
-            <a:ext cx="1524132" cy="411516"/>
-          </a:xfrm>
-          <a:prstGeom prst="rect">
-            <a:avLst/>
-          </a:prstGeom>
-          <a:noFill/>
-          <a:extLst>
-            <a:ext uri="{909E8E84-426E-40DD-AFC4-6F175D3DCCD1}">
-              <a14:hiddenFill xmlns:a14="http://schemas.microsoft.com/office/drawing/2010/main">
-                <a:solidFill>
-                  <a:srgbClr val="FFFFFF"/>
-                </a:solidFill>
-              </a14:hiddenFill>
-            </a:ext>
-          </a:extLst>
-        </p:spPr>
-      </p:pic>
       <p:sp>
         <p:nvSpPr>
           <p:cNvPr id="2" name="AutoShape 4" descr="PennyMac Loan Services">
@@ -13578,6 +15299,373 @@
           <p:nvPr/>
         </p:nvPicPr>
         <p:blipFill>
+          <a:blip r:embed="rId5"/>
+          <a:stretch>
+            <a:fillRect/>
+          </a:stretch>
+        </p:blipFill>
+        <p:spPr>
+          <a:xfrm>
+            <a:off x="405487" y="5506209"/>
+            <a:ext cx="2762251" cy="1134464"/>
+          </a:xfrm>
+          <a:prstGeom prst="rect">
+            <a:avLst/>
+          </a:prstGeom>
+        </p:spPr>
+      </p:pic>
+      <p:sp>
+        <p:nvSpPr>
+          <p:cNvPr id="20" name="Text Placeholder 2">
+            <a:extLst>
+              <a:ext uri="{FF2B5EF4-FFF2-40B4-BE49-F238E27FC236}">
+                <a16:creationId xmlns:a16="http://schemas.microsoft.com/office/drawing/2014/main" id="{A7AFE1CF-7D32-4866-A51E-C3534C163C95}"/>
+              </a:ext>
+            </a:extLst>
+          </p:cNvPr>
+          <p:cNvSpPr txBox="1">
+            <a:spLocks/>
+          </p:cNvSpPr>
+          <p:nvPr/>
+        </p:nvSpPr>
+        <p:spPr>
+          <a:xfrm>
+            <a:off x="3874168" y="682465"/>
+            <a:ext cx="3136232" cy="529388"/>
+          </a:xfrm>
+          <a:prstGeom prst="rect">
+            <a:avLst/>
+          </a:prstGeom>
+        </p:spPr>
+        <p:txBody>
+          <a:bodyPr vert="horz" lIns="91440" tIns="45720" rIns="91440" bIns="45720" rtlCol="0" anchor="b">
+            <a:normAutofit/>
+          </a:bodyPr>
+          <a:lstStyle>
+            <a:lvl1pPr marL="0" indent="0" algn="l" defTabSz="914400" rtl="0" eaLnBrk="1" latinLnBrk="0" hangingPunct="1">
+              <a:lnSpc>
+                <a:spcPct val="90000"/>
+              </a:lnSpc>
+              <a:spcBef>
+                <a:spcPts val="1000"/>
+              </a:spcBef>
+              <a:buFont typeface="Arial" panose="020B0604020202020204" pitchFamily="34" charset="0"/>
+              <a:buNone/>
+              <a:defRPr sz="2400" b="1" kern="1200">
+                <a:solidFill>
+                  <a:schemeClr val="tx1"/>
+                </a:solidFill>
+                <a:latin typeface="+mn-lt"/>
+                <a:ea typeface="+mn-ea"/>
+                <a:cs typeface="+mn-cs"/>
+              </a:defRPr>
+            </a:lvl1pPr>
+            <a:lvl2pPr marL="457200" indent="0" algn="l" defTabSz="914400" rtl="0" eaLnBrk="1" latinLnBrk="0" hangingPunct="1">
+              <a:lnSpc>
+                <a:spcPct val="90000"/>
+              </a:lnSpc>
+              <a:spcBef>
+                <a:spcPts val="500"/>
+              </a:spcBef>
+              <a:buFont typeface="Arial" panose="020B0604020202020204" pitchFamily="34" charset="0"/>
+              <a:buNone/>
+              <a:defRPr sz="2000" b="1" kern="1200">
+                <a:solidFill>
+                  <a:schemeClr val="tx1"/>
+                </a:solidFill>
+                <a:latin typeface="+mn-lt"/>
+                <a:ea typeface="+mn-ea"/>
+                <a:cs typeface="+mn-cs"/>
+              </a:defRPr>
+            </a:lvl2pPr>
+            <a:lvl3pPr marL="914400" indent="0" algn="l" defTabSz="914400" rtl="0" eaLnBrk="1" latinLnBrk="0" hangingPunct="1">
+              <a:lnSpc>
+                <a:spcPct val="90000"/>
+              </a:lnSpc>
+              <a:spcBef>
+                <a:spcPts val="500"/>
+              </a:spcBef>
+              <a:buFont typeface="Arial" panose="020B0604020202020204" pitchFamily="34" charset="0"/>
+              <a:buNone/>
+              <a:defRPr sz="1800" b="1" kern="1200">
+                <a:solidFill>
+                  <a:schemeClr val="tx1"/>
+                </a:solidFill>
+                <a:latin typeface="+mn-lt"/>
+                <a:ea typeface="+mn-ea"/>
+                <a:cs typeface="+mn-cs"/>
+              </a:defRPr>
+            </a:lvl3pPr>
+            <a:lvl4pPr marL="1371600" indent="0" algn="l" defTabSz="914400" rtl="0" eaLnBrk="1" latinLnBrk="0" hangingPunct="1">
+              <a:lnSpc>
+                <a:spcPct val="90000"/>
+              </a:lnSpc>
+              <a:spcBef>
+                <a:spcPts val="500"/>
+              </a:spcBef>
+              <a:buFont typeface="Arial" panose="020B0604020202020204" pitchFamily="34" charset="0"/>
+              <a:buNone/>
+              <a:defRPr sz="1600" b="1" kern="1200">
+                <a:solidFill>
+                  <a:schemeClr val="tx1"/>
+                </a:solidFill>
+                <a:latin typeface="+mn-lt"/>
+                <a:ea typeface="+mn-ea"/>
+                <a:cs typeface="+mn-cs"/>
+              </a:defRPr>
+            </a:lvl4pPr>
+            <a:lvl5pPr marL="1828800" indent="0" algn="l" defTabSz="914400" rtl="0" eaLnBrk="1" latinLnBrk="0" hangingPunct="1">
+              <a:lnSpc>
+                <a:spcPct val="90000"/>
+              </a:lnSpc>
+              <a:spcBef>
+                <a:spcPts val="500"/>
+              </a:spcBef>
+              <a:buFont typeface="Arial" panose="020B0604020202020204" pitchFamily="34" charset="0"/>
+              <a:buNone/>
+              <a:defRPr sz="1600" b="1" kern="1200">
+                <a:solidFill>
+                  <a:schemeClr val="tx1"/>
+                </a:solidFill>
+                <a:latin typeface="+mn-lt"/>
+                <a:ea typeface="+mn-ea"/>
+                <a:cs typeface="+mn-cs"/>
+              </a:defRPr>
+            </a:lvl5pPr>
+            <a:lvl6pPr marL="2286000" indent="0" algn="l" defTabSz="914400" rtl="0" eaLnBrk="1" latinLnBrk="0" hangingPunct="1">
+              <a:lnSpc>
+                <a:spcPct val="90000"/>
+              </a:lnSpc>
+              <a:spcBef>
+                <a:spcPts val="500"/>
+              </a:spcBef>
+              <a:buFont typeface="Arial" panose="020B0604020202020204" pitchFamily="34" charset="0"/>
+              <a:buNone/>
+              <a:defRPr sz="1600" b="1" kern="1200">
+                <a:solidFill>
+                  <a:schemeClr val="tx1"/>
+                </a:solidFill>
+                <a:latin typeface="+mn-lt"/>
+                <a:ea typeface="+mn-ea"/>
+                <a:cs typeface="+mn-cs"/>
+              </a:defRPr>
+            </a:lvl6pPr>
+            <a:lvl7pPr marL="2743200" indent="0" algn="l" defTabSz="914400" rtl="0" eaLnBrk="1" latinLnBrk="0" hangingPunct="1">
+              <a:lnSpc>
+                <a:spcPct val="90000"/>
+              </a:lnSpc>
+              <a:spcBef>
+                <a:spcPts val="500"/>
+              </a:spcBef>
+              <a:buFont typeface="Arial" panose="020B0604020202020204" pitchFamily="34" charset="0"/>
+              <a:buNone/>
+              <a:defRPr sz="1600" b="1" kern="1200">
+                <a:solidFill>
+                  <a:schemeClr val="tx1"/>
+                </a:solidFill>
+                <a:latin typeface="+mn-lt"/>
+                <a:ea typeface="+mn-ea"/>
+                <a:cs typeface="+mn-cs"/>
+              </a:defRPr>
+            </a:lvl7pPr>
+            <a:lvl8pPr marL="3200400" indent="0" algn="l" defTabSz="914400" rtl="0" eaLnBrk="1" latinLnBrk="0" hangingPunct="1">
+              <a:lnSpc>
+                <a:spcPct val="90000"/>
+              </a:lnSpc>
+              <a:spcBef>
+                <a:spcPts val="500"/>
+              </a:spcBef>
+              <a:buFont typeface="Arial" panose="020B0604020202020204" pitchFamily="34" charset="0"/>
+              <a:buNone/>
+              <a:defRPr sz="1600" b="1" kern="1200">
+                <a:solidFill>
+                  <a:schemeClr val="tx1"/>
+                </a:solidFill>
+                <a:latin typeface="+mn-lt"/>
+                <a:ea typeface="+mn-ea"/>
+                <a:cs typeface="+mn-cs"/>
+              </a:defRPr>
+            </a:lvl8pPr>
+            <a:lvl9pPr marL="3657600" indent="0" algn="l" defTabSz="914400" rtl="0" eaLnBrk="1" latinLnBrk="0" hangingPunct="1">
+              <a:lnSpc>
+                <a:spcPct val="90000"/>
+              </a:lnSpc>
+              <a:spcBef>
+                <a:spcPts val="500"/>
+              </a:spcBef>
+              <a:buFont typeface="Arial" panose="020B0604020202020204" pitchFamily="34" charset="0"/>
+              <a:buNone/>
+              <a:defRPr sz="1600" b="1" kern="1200">
+                <a:solidFill>
+                  <a:schemeClr val="tx1"/>
+                </a:solidFill>
+                <a:latin typeface="+mn-lt"/>
+                <a:ea typeface="+mn-ea"/>
+                <a:cs typeface="+mn-cs"/>
+              </a:defRPr>
+            </a:lvl9pPr>
+          </a:lstStyle>
+          <a:p>
+            <a:pPr algn="ctr"/>
+            <a:r>
+              <a:rPr lang="en-US" b="0" dirty="0"/>
+              <a:t>Banks</a:t>
+            </a:r>
+          </a:p>
+        </p:txBody>
+      </p:sp>
+      <p:pic>
+        <p:nvPicPr>
+          <p:cNvPr id="18" name="Picture 2" descr="JPMorgan Chase and Co. Logo">
+            <a:extLst>
+              <a:ext uri="{FF2B5EF4-FFF2-40B4-BE49-F238E27FC236}">
+                <a16:creationId xmlns:a16="http://schemas.microsoft.com/office/drawing/2014/main" id="{55C53B2C-4708-483F-9F13-7AB82EED15AE}"/>
+              </a:ext>
+            </a:extLst>
+          </p:cNvPr>
+          <p:cNvPicPr>
+            <a:picLocks noChangeAspect="1" noChangeArrowheads="1"/>
+          </p:cNvPicPr>
+          <p:nvPr/>
+        </p:nvPicPr>
+        <p:blipFill>
+          <a:blip r:embed="rId6">
+            <a:extLst>
+              <a:ext uri="{28A0092B-C50C-407E-A947-70E740481C1C}">
+                <a14:useLocalDpi xmlns:a14="http://schemas.microsoft.com/office/drawing/2010/main" val="0"/>
+              </a:ext>
+            </a:extLst>
+          </a:blip>
+          <a:srcRect/>
+          <a:stretch>
+            <a:fillRect/>
+          </a:stretch>
+        </p:blipFill>
+        <p:spPr bwMode="auto">
+          <a:xfrm>
+            <a:off x="4095432" y="1707012"/>
+            <a:ext cx="3333750" cy="228600"/>
+          </a:xfrm>
+          <a:prstGeom prst="rect">
+            <a:avLst/>
+          </a:prstGeom>
+          <a:noFill/>
+          <a:extLst>
+            <a:ext uri="{909E8E84-426E-40DD-AFC4-6F175D3DCCD1}">
+              <a14:hiddenFill xmlns:a14="http://schemas.microsoft.com/office/drawing/2010/main">
+                <a:solidFill>
+                  <a:srgbClr val="FFFFFF"/>
+                </a:solidFill>
+              </a14:hiddenFill>
+            </a:ext>
+          </a:extLst>
+        </p:spPr>
+      </p:pic>
+      <p:sp>
+        <p:nvSpPr>
+          <p:cNvPr id="23" name="AutoShape 6" descr="Image result for bank of america logo">
+            <a:extLst>
+              <a:ext uri="{FF2B5EF4-FFF2-40B4-BE49-F238E27FC236}">
+                <a16:creationId xmlns:a16="http://schemas.microsoft.com/office/drawing/2014/main" id="{F252F8A1-DCFF-4F43-ABBC-0DBC11AC1377}"/>
+              </a:ext>
+            </a:extLst>
+          </p:cNvPr>
+          <p:cNvSpPr>
+            <a:spLocks noChangeAspect="1" noChangeArrowheads="1"/>
+          </p:cNvSpPr>
+          <p:nvPr/>
+        </p:nvSpPr>
+        <p:spPr bwMode="auto">
+          <a:xfrm>
+            <a:off x="6705600" y="4038600"/>
+            <a:ext cx="304800" cy="304800"/>
+          </a:xfrm>
+          <a:prstGeom prst="rect">
+            <a:avLst/>
+          </a:prstGeom>
+          <a:noFill/>
+          <a:extLst>
+            <a:ext uri="{909E8E84-426E-40DD-AFC4-6F175D3DCCD1}">
+              <a14:hiddenFill xmlns:a14="http://schemas.microsoft.com/office/drawing/2010/main">
+                <a:solidFill>
+                  <a:srgbClr val="FFFFFF"/>
+                </a:solidFill>
+              </a14:hiddenFill>
+            </a:ext>
+          </a:extLst>
+        </p:spPr>
+        <p:txBody>
+          <a:bodyPr vert="horz" wrap="square" lIns="91440" tIns="45720" rIns="91440" bIns="45720" numCol="1" anchor="t" anchorCtr="0" compatLnSpc="1">
+            <a:prstTxWarp prst="textNoShape">
+              <a:avLst/>
+            </a:prstTxWarp>
+          </a:bodyPr>
+          <a:lstStyle/>
+          <a:p>
+            <a:endParaRPr lang="en-US"/>
+          </a:p>
+        </p:txBody>
+      </p:sp>
+      <p:sp>
+        <p:nvSpPr>
+          <p:cNvPr id="24" name="AutoShape 8" descr="Image result for bank of america logo">
+            <a:extLst>
+              <a:ext uri="{FF2B5EF4-FFF2-40B4-BE49-F238E27FC236}">
+                <a16:creationId xmlns:a16="http://schemas.microsoft.com/office/drawing/2014/main" id="{6F1DEF23-243F-4C75-92FA-D4BD1096463A}"/>
+              </a:ext>
+            </a:extLst>
+          </p:cNvPr>
+          <p:cNvSpPr>
+            <a:spLocks noChangeAspect="1" noChangeArrowheads="1"/>
+          </p:cNvSpPr>
+          <p:nvPr/>
+        </p:nvSpPr>
+        <p:spPr bwMode="auto">
+          <a:xfrm>
+            <a:off x="6858000" y="4191000"/>
+            <a:ext cx="304800" cy="304800"/>
+          </a:xfrm>
+          <a:prstGeom prst="rect">
+            <a:avLst/>
+          </a:prstGeom>
+          <a:noFill/>
+          <a:extLst>
+            <a:ext uri="{909E8E84-426E-40DD-AFC4-6F175D3DCCD1}">
+              <a14:hiddenFill xmlns:a14="http://schemas.microsoft.com/office/drawing/2010/main">
+                <a:solidFill>
+                  <a:srgbClr val="FFFFFF"/>
+                </a:solidFill>
+              </a14:hiddenFill>
+            </a:ext>
+          </a:extLst>
+        </p:spPr>
+        <p:txBody>
+          <a:bodyPr vert="horz" wrap="square" lIns="91440" tIns="45720" rIns="91440" bIns="45720" numCol="1" anchor="t" anchorCtr="0" compatLnSpc="1">
+            <a:prstTxWarp prst="textNoShape">
+              <a:avLst/>
+            </a:prstTxWarp>
+          </a:bodyPr>
+          <a:lstStyle/>
+          <a:p>
+            <a:endParaRPr lang="en-US"/>
+          </a:p>
+        </p:txBody>
+      </p:sp>
+      <p:pic>
+        <p:nvPicPr>
+          <p:cNvPr id="26" name="Picture 25">
+            <a:extLst>
+              <a:ext uri="{FF2B5EF4-FFF2-40B4-BE49-F238E27FC236}">
+                <a16:creationId xmlns:a16="http://schemas.microsoft.com/office/drawing/2014/main" id="{3440A826-C0AF-4718-B991-461EAEBA69BC}"/>
+              </a:ext>
+            </a:extLst>
+          </p:cNvPr>
+          <p:cNvPicPr>
+            <a:picLocks noChangeAspect="1"/>
+          </p:cNvPicPr>
+          <p:nvPr/>
+        </p:nvPicPr>
+        <p:blipFill>
           <a:blip r:embed="rId7"/>
           <a:stretch>
             <a:fillRect/>
@@ -13585,8 +15673,8 @@
         </p:blipFill>
         <p:spPr>
           <a:xfrm>
-            <a:off x="4095749" y="2296347"/>
-            <a:ext cx="2762251" cy="1134464"/>
+            <a:off x="4217278" y="3595688"/>
+            <a:ext cx="1905000" cy="1905000"/>
           </a:xfrm>
           <a:prstGeom prst="rect">
             <a:avLst/>
@@ -13595,10 +15683,243 @@
       </p:pic>
       <p:pic>
         <p:nvPicPr>
-          <p:cNvPr id="13" name="Picture 12">
+          <p:cNvPr id="1034" name="Picture 10" descr="U.S. Bank">
             <a:extLst>
               <a:ext uri="{FF2B5EF4-FFF2-40B4-BE49-F238E27FC236}">
-                <a16:creationId xmlns:a16="http://schemas.microsoft.com/office/drawing/2014/main" id="{57D8A90C-4103-4137-8576-134B9334F523}"/>
+                <a16:creationId xmlns:a16="http://schemas.microsoft.com/office/drawing/2014/main" id="{1CD0671C-9006-4FAF-A40D-383EDF17BC1B}"/>
+              </a:ext>
+            </a:extLst>
+          </p:cNvPr>
+          <p:cNvPicPr>
+            <a:picLocks noChangeAspect="1" noChangeArrowheads="1"/>
+          </p:cNvPicPr>
+          <p:nvPr/>
+        </p:nvPicPr>
+        <p:blipFill>
+          <a:blip r:embed="rId8">
+            <a:extLst>
+              <a:ext uri="{28A0092B-C50C-407E-A947-70E740481C1C}">
+                <a14:useLocalDpi xmlns:a14="http://schemas.microsoft.com/office/drawing/2010/main" val="0"/>
+              </a:ext>
+            </a:extLst>
+          </a:blip>
+          <a:srcRect/>
+          <a:stretch>
+            <a:fillRect/>
+          </a:stretch>
+        </p:blipFill>
+        <p:spPr bwMode="auto">
+          <a:xfrm>
+            <a:off x="4196184" y="5816266"/>
+            <a:ext cx="1905000" cy="514350"/>
+          </a:xfrm>
+          <a:prstGeom prst="rect">
+            <a:avLst/>
+          </a:prstGeom>
+          <a:noFill/>
+          <a:extLst>
+            <a:ext uri="{909E8E84-426E-40DD-AFC4-6F175D3DCCD1}">
+              <a14:hiddenFill xmlns:a14="http://schemas.microsoft.com/office/drawing/2010/main">
+                <a:solidFill>
+                  <a:srgbClr val="FFFFFF"/>
+                </a:solidFill>
+              </a14:hiddenFill>
+            </a:ext>
+          </a:extLst>
+        </p:spPr>
+      </p:pic>
+      <p:pic>
+        <p:nvPicPr>
+          <p:cNvPr id="1036" name="Picture 12" descr="View all Kolter Homes Communities">
+            <a:extLst>
+              <a:ext uri="{FF2B5EF4-FFF2-40B4-BE49-F238E27FC236}">
+                <a16:creationId xmlns:a16="http://schemas.microsoft.com/office/drawing/2014/main" id="{4FB0DB9C-AAA6-40ED-B8E9-BAEFE73BCF3F}"/>
+              </a:ext>
+            </a:extLst>
+          </p:cNvPr>
+          <p:cNvPicPr>
+            <a:picLocks noChangeAspect="1" noChangeArrowheads="1"/>
+          </p:cNvPicPr>
+          <p:nvPr/>
+        </p:nvPicPr>
+        <p:blipFill>
+          <a:blip r:embed="rId9">
+            <a:extLst>
+              <a:ext uri="{28A0092B-C50C-407E-A947-70E740481C1C}">
+                <a14:useLocalDpi xmlns:a14="http://schemas.microsoft.com/office/drawing/2010/main" val="0"/>
+              </a:ext>
+            </a:extLst>
+          </a:blip>
+          <a:srcRect/>
+          <a:stretch>
+            <a:fillRect/>
+          </a:stretch>
+        </p:blipFill>
+        <p:spPr bwMode="auto">
+          <a:xfrm>
+            <a:off x="8463130" y="1575880"/>
+            <a:ext cx="1905000" cy="428625"/>
+          </a:xfrm>
+          <a:prstGeom prst="rect">
+            <a:avLst/>
+          </a:prstGeom>
+          <a:noFill/>
+          <a:extLst>
+            <a:ext uri="{909E8E84-426E-40DD-AFC4-6F175D3DCCD1}">
+              <a14:hiddenFill xmlns:a14="http://schemas.microsoft.com/office/drawing/2010/main">
+                <a:solidFill>
+                  <a:srgbClr val="FFFFFF"/>
+                </a:solidFill>
+              </a14:hiddenFill>
+            </a:ext>
+          </a:extLst>
+        </p:spPr>
+      </p:pic>
+      <p:pic>
+        <p:nvPicPr>
+          <p:cNvPr id="1038" name="Picture 14" descr="View all PulteGroup Communities">
+            <a:extLst>
+              <a:ext uri="{FF2B5EF4-FFF2-40B4-BE49-F238E27FC236}">
+                <a16:creationId xmlns:a16="http://schemas.microsoft.com/office/drawing/2014/main" id="{042EC654-224D-4991-A3AA-D4C9FAAB5C80}"/>
+              </a:ext>
+            </a:extLst>
+          </p:cNvPr>
+          <p:cNvPicPr>
+            <a:picLocks noChangeAspect="1" noChangeArrowheads="1"/>
+          </p:cNvPicPr>
+          <p:nvPr/>
+        </p:nvPicPr>
+        <p:blipFill>
+          <a:blip r:embed="rId10">
+            <a:extLst>
+              <a:ext uri="{28A0092B-C50C-407E-A947-70E740481C1C}">
+                <a14:useLocalDpi xmlns:a14="http://schemas.microsoft.com/office/drawing/2010/main" val="0"/>
+              </a:ext>
+            </a:extLst>
+          </a:blip>
+          <a:srcRect/>
+          <a:stretch>
+            <a:fillRect/>
+          </a:stretch>
+        </p:blipFill>
+        <p:spPr bwMode="auto">
+          <a:xfrm>
+            <a:off x="8510755" y="5762893"/>
+            <a:ext cx="1809750" cy="581025"/>
+          </a:xfrm>
+          <a:prstGeom prst="rect">
+            <a:avLst/>
+          </a:prstGeom>
+          <a:noFill/>
+          <a:extLst>
+            <a:ext uri="{909E8E84-426E-40DD-AFC4-6F175D3DCCD1}">
+              <a14:hiddenFill xmlns:a14="http://schemas.microsoft.com/office/drawing/2010/main">
+                <a:solidFill>
+                  <a:srgbClr val="FFFFFF"/>
+                </a:solidFill>
+              </a14:hiddenFill>
+            </a:ext>
+          </a:extLst>
+        </p:spPr>
+      </p:pic>
+      <p:pic>
+        <p:nvPicPr>
+          <p:cNvPr id="1040" name="Picture 16" descr="View all Taylor Morrison Communities">
+            <a:extLst>
+              <a:ext uri="{FF2B5EF4-FFF2-40B4-BE49-F238E27FC236}">
+                <a16:creationId xmlns:a16="http://schemas.microsoft.com/office/drawing/2014/main" id="{19801B14-15CD-4722-964B-B4C79A06CFCB}"/>
+              </a:ext>
+            </a:extLst>
+          </p:cNvPr>
+          <p:cNvPicPr>
+            <a:picLocks noChangeAspect="1" noChangeArrowheads="1"/>
+          </p:cNvPicPr>
+          <p:nvPr/>
+        </p:nvPicPr>
+        <p:blipFill>
+          <a:blip r:embed="rId11">
+            <a:extLst>
+              <a:ext uri="{28A0092B-C50C-407E-A947-70E740481C1C}">
+                <a14:useLocalDpi xmlns:a14="http://schemas.microsoft.com/office/drawing/2010/main" val="0"/>
+              </a:ext>
+            </a:extLst>
+          </a:blip>
+          <a:srcRect/>
+          <a:stretch>
+            <a:fillRect/>
+          </a:stretch>
+        </p:blipFill>
+        <p:spPr bwMode="auto">
+          <a:xfrm>
+            <a:off x="8510755" y="2618640"/>
+            <a:ext cx="1905000" cy="628650"/>
+          </a:xfrm>
+          <a:prstGeom prst="rect">
+            <a:avLst/>
+          </a:prstGeom>
+          <a:noFill/>
+          <a:extLst>
+            <a:ext uri="{909E8E84-426E-40DD-AFC4-6F175D3DCCD1}">
+              <a14:hiddenFill xmlns:a14="http://schemas.microsoft.com/office/drawing/2010/main">
+                <a:solidFill>
+                  <a:srgbClr val="FFFFFF"/>
+                </a:solidFill>
+              </a14:hiddenFill>
+            </a:ext>
+          </a:extLst>
+        </p:spPr>
+      </p:pic>
+      <p:sp>
+        <p:nvSpPr>
+          <p:cNvPr id="28" name="AutoShape 18" descr="https://images.static-ziprealty.com/z/20180724012052/images/platform/cb/mobile/logo-header.svg">
+            <a:extLst>
+              <a:ext uri="{FF2B5EF4-FFF2-40B4-BE49-F238E27FC236}">
+                <a16:creationId xmlns:a16="http://schemas.microsoft.com/office/drawing/2014/main" id="{14C32AD5-2EBC-494E-BB30-028004C3222A}"/>
+              </a:ext>
+            </a:extLst>
+          </p:cNvPr>
+          <p:cNvSpPr>
+            <a:spLocks noChangeAspect="1" noChangeArrowheads="1"/>
+          </p:cNvSpPr>
+          <p:nvPr/>
+        </p:nvSpPr>
+        <p:spPr bwMode="auto">
+          <a:xfrm>
+            <a:off x="7010400" y="4343400"/>
+            <a:ext cx="304800" cy="304800"/>
+          </a:xfrm>
+          <a:prstGeom prst="rect">
+            <a:avLst/>
+          </a:prstGeom>
+          <a:noFill/>
+          <a:extLst>
+            <a:ext uri="{909E8E84-426E-40DD-AFC4-6F175D3DCCD1}">
+              <a14:hiddenFill xmlns:a14="http://schemas.microsoft.com/office/drawing/2010/main">
+                <a:solidFill>
+                  <a:srgbClr val="FFFFFF"/>
+                </a:solidFill>
+              </a14:hiddenFill>
+            </a:ext>
+          </a:extLst>
+        </p:spPr>
+        <p:txBody>
+          <a:bodyPr vert="horz" wrap="square" lIns="91440" tIns="45720" rIns="91440" bIns="45720" numCol="1" anchor="t" anchorCtr="0" compatLnSpc="1">
+            <a:prstTxWarp prst="textNoShape">
+              <a:avLst/>
+            </a:prstTxWarp>
+          </a:bodyPr>
+          <a:lstStyle/>
+          <a:p>
+            <a:endParaRPr lang="en-US"/>
+          </a:p>
+        </p:txBody>
+      </p:sp>
+      <p:pic>
+        <p:nvPicPr>
+          <p:cNvPr id="30" name="Picture 29">
+            <a:extLst>
+              <a:ext uri="{FF2B5EF4-FFF2-40B4-BE49-F238E27FC236}">
+                <a16:creationId xmlns:a16="http://schemas.microsoft.com/office/drawing/2014/main" id="{5BDB07F0-28BD-48EA-9616-1FA2B5461893}"/>
               </a:ext>
             </a:extLst>
           </p:cNvPr>
@@ -13608,15 +15929,15 @@
           <p:nvPr/>
         </p:nvPicPr>
         <p:blipFill>
-          <a:blip r:embed="rId8"/>
+          <a:blip r:embed="rId12"/>
           <a:stretch>
             <a:fillRect/>
           </a:stretch>
         </p:blipFill>
         <p:spPr>
           <a:xfrm>
-            <a:off x="4343398" y="3565595"/>
-            <a:ext cx="1604522" cy="1604522"/>
+            <a:off x="8510755" y="3619501"/>
+            <a:ext cx="1857375" cy="1857375"/>
           </a:xfrm>
           <a:prstGeom prst="rect">
             <a:avLst/>
@@ -13625,10 +15946,10 @@
       </p:pic>
       <p:pic>
         <p:nvPicPr>
-          <p:cNvPr id="15" name="Picture 14">
+          <p:cNvPr id="31" name="Picture 30">
             <a:extLst>
               <a:ext uri="{FF2B5EF4-FFF2-40B4-BE49-F238E27FC236}">
-                <a16:creationId xmlns:a16="http://schemas.microsoft.com/office/drawing/2014/main" id="{26CF5757-6500-4CB3-AA5C-57E29B464421}"/>
+                <a16:creationId xmlns:a16="http://schemas.microsoft.com/office/drawing/2014/main" id="{1D11B980-988D-4F06-B622-E7B69ABCC227}"/>
               </a:ext>
             </a:extLst>
           </p:cNvPr>
@@ -13638,45 +15959,15 @@
           <p:nvPr/>
         </p:nvPicPr>
         <p:blipFill>
-          <a:blip r:embed="rId9"/>
+          <a:blip r:embed="rId13"/>
           <a:stretch>
             <a:fillRect/>
           </a:stretch>
         </p:blipFill>
         <p:spPr>
           <a:xfrm>
-            <a:off x="673768" y="4795864"/>
-            <a:ext cx="2003143" cy="1146580"/>
-          </a:xfrm>
-          <a:prstGeom prst="rect">
-            <a:avLst/>
-          </a:prstGeom>
-        </p:spPr>
-      </p:pic>
-      <p:pic>
-        <p:nvPicPr>
-          <p:cNvPr id="16" name="Picture 15">
-            <a:extLst>
-              <a:ext uri="{FF2B5EF4-FFF2-40B4-BE49-F238E27FC236}">
-                <a16:creationId xmlns:a16="http://schemas.microsoft.com/office/drawing/2014/main" id="{6CFACE66-2CE7-471B-AEDC-61A4209ABCCD}"/>
-              </a:ext>
-            </a:extLst>
-          </p:cNvPr>
-          <p:cNvPicPr>
-            <a:picLocks noChangeAspect="1"/>
-          </p:cNvPicPr>
-          <p:nvPr/>
-        </p:nvPicPr>
-        <p:blipFill>
-          <a:blip r:embed="rId10"/>
-          <a:stretch>
-            <a:fillRect/>
-          </a:stretch>
-        </p:blipFill>
-        <p:spPr>
-          <a:xfrm>
-            <a:off x="545351" y="3500149"/>
-            <a:ext cx="1632215" cy="1505240"/>
+            <a:off x="817647" y="3520441"/>
+            <a:ext cx="2133600" cy="2133600"/>
           </a:xfrm>
           <a:prstGeom prst="rect">
             <a:avLst/>
@@ -14134,7 +16425,10 @@
             <a:avLst/>
           </a:prstGeom>
           <a:solidFill>
-            <a:srgbClr val="00B0F0"/>
+            <a:schemeClr val="accent5">
+              <a:lumMod val="60000"/>
+              <a:lumOff val="40000"/>
+            </a:schemeClr>
           </a:solidFill>
         </p:spPr>
         <p:txBody>
@@ -14142,7 +16436,7 @@
             <a:noAutofit/>
           </a:bodyPr>
           <a:lstStyle>
-            <a:lvl1pPr algn="l" defTabSz="914400" rtl="0" eaLnBrk="1" latinLnBrk="0" hangingPunct="1">
+            <a:lvl1pPr>
               <a:lnSpc>
                 <a:spcPct val="90000"/>
               </a:lnSpc>
@@ -14150,22 +16444,15 @@
                 <a:spcPct val="0"/>
               </a:spcBef>
               <a:buNone/>
-              <a:defRPr sz="4400" kern="1200">
-                <a:solidFill>
-                  <a:schemeClr val="tx1"/>
-                </a:solidFill>
-                <a:latin typeface="+mj-lt"/>
+              <a:defRPr sz="3600">
                 <a:ea typeface="+mj-ea"/>
-                <a:cs typeface="+mj-cs"/>
+                <a:cs typeface="Arial" panose="020B0604020202020204" pitchFamily="34" charset="0"/>
               </a:defRPr>
             </a:lvl1pPr>
           </a:lstStyle>
           <a:p>
             <a:r>
-              <a:rPr lang="en-US" sz="3600" dirty="0">
-                <a:latin typeface="+mn-lt"/>
-                <a:cs typeface="Arial" panose="020B0604020202020204" pitchFamily="34" charset="0"/>
-              </a:rPr>
+              <a:rPr lang="en-US" dirty="0"/>
               <a:t>Data Summary</a:t>
             </a:r>
           </a:p>
@@ -14184,14 +16471,14 @@
           <p:nvPr>
             <p:extLst>
               <p:ext uri="{D42A27DB-BD31-4B8C-83A1-F6EECF244321}">
-                <p14:modId xmlns:p14="http://schemas.microsoft.com/office/powerpoint/2010/main" val="2459763478"/>
+                <p14:modId xmlns:p14="http://schemas.microsoft.com/office/powerpoint/2010/main" val="955307384"/>
               </p:ext>
             </p:extLst>
           </p:nvPr>
         </p:nvGraphicFramePr>
         <p:xfrm>
           <a:off x="2983832" y="1607511"/>
-          <a:ext cx="8261202" cy="5275822"/>
+          <a:ext cx="8261202" cy="5142205"/>
         </p:xfrm>
         <a:graphic>
           <a:graphicData uri="http://schemas.openxmlformats.org/drawingml/2006/diagram">
@@ -14307,133 +16594,12 @@
           <a:chExt cx="0" cy="0"/>
         </a:xfrm>
       </p:grpSpPr>
-      <p:sp>
-        <p:nvSpPr>
-          <p:cNvPr id="3" name="Text Placeholder 2">
-            <a:extLst>
-              <a:ext uri="{FF2B5EF4-FFF2-40B4-BE49-F238E27FC236}">
-                <a16:creationId xmlns:a16="http://schemas.microsoft.com/office/drawing/2014/main" id="{4024CCF6-C6A1-4E61-A404-9FE0F4E8F1A7}"/>
-              </a:ext>
-            </a:extLst>
-          </p:cNvPr>
-          <p:cNvSpPr>
-            <a:spLocks noGrp="1"/>
-          </p:cNvSpPr>
-          <p:nvPr>
-            <p:ph type="body" idx="1"/>
-          </p:nvPr>
-        </p:nvSpPr>
-        <p:spPr>
-          <a:xfrm>
-            <a:off x="1792705" y="5378992"/>
-            <a:ext cx="4303295" cy="1239253"/>
-          </a:xfrm>
-          <a:ln>
-            <a:solidFill>
-              <a:schemeClr val="tx1"/>
-            </a:solidFill>
-          </a:ln>
-        </p:spPr>
-        <p:txBody>
-          <a:bodyPr>
-            <a:normAutofit fontScale="25000" lnSpcReduction="20000"/>
-          </a:bodyPr>
-          <a:lstStyle/>
-          <a:p>
-            <a:endParaRPr lang="en-US" sz="2300" dirty="0"/>
-          </a:p>
-          <a:p>
-            <a:pPr marL="342900" indent="-342900">
-              <a:buFont typeface="Arial" panose="020B0604020202020204" pitchFamily="34" charset="0"/>
-              <a:buChar char="•"/>
-            </a:pPr>
-            <a:endParaRPr lang="en-US" sz="2300" dirty="0"/>
-          </a:p>
-          <a:p>
-            <a:pPr marL="342900" indent="-342900">
-              <a:buFont typeface="Arial" panose="020B0604020202020204" pitchFamily="34" charset="0"/>
-              <a:buChar char="•"/>
-            </a:pPr>
-            <a:r>
-              <a:rPr lang="en-US" sz="6400" dirty="0"/>
-              <a:t>The elbow method uses value inertia_ to determine the elbow visually. The idea is to visualize the graph for all possible value of K and observe the sudden change in the sum of the square of values</a:t>
-            </a:r>
-          </a:p>
-          <a:p>
-            <a:endParaRPr lang="en-US" dirty="0"/>
-          </a:p>
-        </p:txBody>
-      </p:sp>
-      <p:sp>
-        <p:nvSpPr>
-          <p:cNvPr id="9" name="Title 1">
-            <a:extLst>
-              <a:ext uri="{FF2B5EF4-FFF2-40B4-BE49-F238E27FC236}">
-                <a16:creationId xmlns:a16="http://schemas.microsoft.com/office/drawing/2014/main" id="{28E5DFD3-46E8-4BA3-BD87-3B8007D9BD17}"/>
-              </a:ext>
-            </a:extLst>
-          </p:cNvPr>
-          <p:cNvSpPr txBox="1">
-            <a:spLocks/>
-          </p:cNvSpPr>
-          <p:nvPr/>
-        </p:nvSpPr>
-        <p:spPr>
-          <a:xfrm>
-            <a:off x="0" y="1"/>
-            <a:ext cx="12204032" cy="505325"/>
-          </a:xfrm>
-          <a:prstGeom prst="rect">
-            <a:avLst/>
-          </a:prstGeom>
-          <a:solidFill>
-            <a:schemeClr val="accent5">
-              <a:lumMod val="60000"/>
-              <a:lumOff val="40000"/>
-            </a:schemeClr>
-          </a:solidFill>
-        </p:spPr>
-        <p:txBody>
-          <a:bodyPr vert="horz" lIns="91440" tIns="45720" rIns="91440" bIns="45720" rtlCol="0" anchor="ctr">
-            <a:noAutofit/>
-          </a:bodyPr>
-          <a:lstStyle>
-            <a:lvl1pPr algn="l" defTabSz="914400" rtl="0" eaLnBrk="1" latinLnBrk="0" hangingPunct="1">
-              <a:lnSpc>
-                <a:spcPct val="90000"/>
-              </a:lnSpc>
-              <a:spcBef>
-                <a:spcPct val="0"/>
-              </a:spcBef>
-              <a:buNone/>
-              <a:defRPr sz="4400" kern="1200">
-                <a:solidFill>
-                  <a:schemeClr val="tx1"/>
-                </a:solidFill>
-                <a:latin typeface="+mj-lt"/>
-                <a:ea typeface="+mj-ea"/>
-                <a:cs typeface="+mj-cs"/>
-              </a:defRPr>
-            </a:lvl1pPr>
-          </a:lstStyle>
-          <a:p>
-            <a:r>
-              <a:rPr lang="en-US" sz="3600" b="1" dirty="0"/>
-              <a:t>Base Analysis – K Means </a:t>
-            </a:r>
-            <a:endParaRPr lang="en-US" sz="3600" b="1" dirty="0">
-              <a:latin typeface="+mn-lt"/>
-              <a:cs typeface="Arial" panose="020B0604020202020204" pitchFamily="34" charset="0"/>
-            </a:endParaRPr>
-          </a:p>
-        </p:txBody>
-      </p:sp>
       <p:pic>
         <p:nvPicPr>
-          <p:cNvPr id="14" name="Content Placeholder 13">
+          <p:cNvPr id="4" name="Content Placeholder 3">
             <a:extLst>
               <a:ext uri="{FF2B5EF4-FFF2-40B4-BE49-F238E27FC236}">
-                <a16:creationId xmlns:a16="http://schemas.microsoft.com/office/drawing/2014/main" id="{29EFE23D-03A9-4577-AADC-C2F6A5472C65}"/>
+                <a16:creationId xmlns:a16="http://schemas.microsoft.com/office/drawing/2014/main" id="{7AF57FC2-5243-4F10-8285-CB973CF947DE}"/>
               </a:ext>
             </a:extLst>
           </p:cNvPr>
@@ -14441,7 +16607,7 @@
             <a:picLocks noGrp="1"/>
           </p:cNvPicPr>
           <p:nvPr>
-            <p:ph sz="quarter" idx="4"/>
+            <p:ph idx="1"/>
           </p:nvPr>
         </p:nvPicPr>
         <p:blipFill>
@@ -14452,15 +16618,14 @@
               </a:ext>
             </a:extLst>
           </a:blip>
-          <a:srcRect/>
           <a:stretch>
             <a:fillRect/>
           </a:stretch>
         </p:blipFill>
-        <p:spPr bwMode="auto">
+        <p:spPr>
           <a:xfrm>
-            <a:off x="6602901" y="950495"/>
-            <a:ext cx="4750899" cy="4536782"/>
+            <a:off x="1696453" y="613610"/>
+            <a:ext cx="9156031" cy="6112042"/>
           </a:xfrm>
           <a:prstGeom prst="rect">
             <a:avLst/>
@@ -14477,118 +16642,66 @@
           </a:effectLst>
         </p:spPr>
       </p:pic>
-      <p:pic>
-        <p:nvPicPr>
-          <p:cNvPr id="16" name="Content Placeholder 15">
+      <p:sp>
+        <p:nvSpPr>
+          <p:cNvPr id="5" name="Title 1">
             <a:extLst>
               <a:ext uri="{FF2B5EF4-FFF2-40B4-BE49-F238E27FC236}">
-                <a16:creationId xmlns:a16="http://schemas.microsoft.com/office/drawing/2014/main" id="{EC2EA35B-657E-4783-AE1A-34F09CF696E6}"/>
+                <a16:creationId xmlns:a16="http://schemas.microsoft.com/office/drawing/2014/main" id="{1F1DD917-C95C-4992-9549-3C60A9E87951}"/>
               </a:ext>
             </a:extLst>
           </p:cNvPr>
-          <p:cNvPicPr>
-            <a:picLocks noGrp="1"/>
-          </p:cNvPicPr>
-          <p:nvPr>
-            <p:ph sz="half" idx="2"/>
-          </p:nvPr>
-        </p:nvPicPr>
-        <p:blipFill>
-          <a:blip r:embed="rId3">
-            <a:extLst>
-              <a:ext uri="{28A0092B-C50C-407E-A947-70E740481C1C}">
-                <a14:useLocalDpi xmlns:a14="http://schemas.microsoft.com/office/drawing/2010/main" val="0"/>
-              </a:ext>
-            </a:extLst>
-          </a:blip>
-          <a:srcRect/>
-          <a:stretch>
-            <a:fillRect/>
-          </a:stretch>
-        </p:blipFill>
-        <p:spPr bwMode="auto">
+          <p:cNvSpPr txBox="1">
+            <a:spLocks/>
+          </p:cNvSpPr>
+          <p:nvPr/>
+        </p:nvSpPr>
+        <p:spPr>
           <a:xfrm>
-            <a:off x="1227221" y="842210"/>
-            <a:ext cx="4957011" cy="4536782"/>
+            <a:off x="-11289" y="0"/>
+            <a:ext cx="12192000" cy="447674"/>
           </a:xfrm>
           <a:prstGeom prst="rect">
             <a:avLst/>
           </a:prstGeom>
-          <a:ln>
-            <a:noFill/>
-          </a:ln>
-          <a:effectLst>
-            <a:outerShdw blurRad="292100" dist="139700" dir="2700000" algn="tl" rotWithShape="0">
-              <a:srgbClr val="333333">
-                <a:alpha val="65000"/>
-              </a:srgbClr>
-            </a:outerShdw>
-          </a:effectLst>
+          <a:solidFill>
+            <a:schemeClr val="accent5">
+              <a:lumMod val="60000"/>
+              <a:lumOff val="40000"/>
+            </a:schemeClr>
+          </a:solidFill>
         </p:spPr>
-      </p:pic>
-      <p:sp>
-        <p:nvSpPr>
-          <p:cNvPr id="17" name="Text Placeholder 4">
-            <a:extLst>
-              <a:ext uri="{FF2B5EF4-FFF2-40B4-BE49-F238E27FC236}">
-                <a16:creationId xmlns:a16="http://schemas.microsoft.com/office/drawing/2014/main" id="{5C7FE23B-77E1-4B32-A698-C57B401B9CD0}"/>
-              </a:ext>
-            </a:extLst>
-          </p:cNvPr>
-          <p:cNvSpPr>
-            <a:spLocks noGrp="1"/>
-          </p:cNvSpPr>
-          <p:nvPr>
-            <p:ph type="body" sz="quarter" idx="3"/>
-          </p:nvPr>
-        </p:nvSpPr>
-        <p:spPr>
-          <a:xfrm>
-            <a:off x="7271085" y="5487277"/>
-            <a:ext cx="4082716" cy="1130968"/>
-          </a:xfrm>
-          <a:ln>
-            <a:solidFill>
-              <a:schemeClr val="tx1"/>
-            </a:solidFill>
-          </a:ln>
-        </p:spPr>
-        <p:txBody>
-          <a:bodyPr>
-            <a:normAutofit fontScale="25000" lnSpcReduction="20000"/>
+        <p:txBody>
+          <a:bodyPr vert="horz" lIns="91440" tIns="45720" rIns="91440" bIns="45720" rtlCol="0" anchor="ctr">
+            <a:noAutofit/>
           </a:bodyPr>
-          <a:lstStyle/>
-          <a:p>
-            <a:endParaRPr lang="en-US" sz="6400" dirty="0"/>
-          </a:p>
-          <a:p>
-            <a:endParaRPr lang="en-US" sz="6400" dirty="0"/>
-          </a:p>
-          <a:p>
-            <a:endParaRPr lang="en-US" sz="6400" dirty="0"/>
-          </a:p>
-          <a:p>
-            <a:endParaRPr lang="en-US" sz="6400" dirty="0"/>
-          </a:p>
-          <a:p>
-            <a:pPr marL="342900" indent="-342900">
-              <a:buFont typeface="Arial" panose="020B0604020202020204" pitchFamily="34" charset="0"/>
-              <a:buChar char="•"/>
-            </a:pPr>
-            <a:r>
-              <a:rPr lang="en-US" sz="6400" dirty="0"/>
-              <a:t>The silhouette method is based on the silhouette score for each cluster in K mean. The strong silhouette score helps in choosing the desired cluster value</a:t>
-            </a:r>
-          </a:p>
-          <a:p>
-            <a:endParaRPr lang="en-US" dirty="0"/>
+          <a:lstStyle>
+            <a:lvl1pPr>
+              <a:lnSpc>
+                <a:spcPct val="90000"/>
+              </a:lnSpc>
+              <a:spcBef>
+                <a:spcPct val="0"/>
+              </a:spcBef>
+              <a:buNone/>
+              <a:defRPr sz="3600">
+                <a:ea typeface="+mj-ea"/>
+                <a:cs typeface="Arial" panose="020B0604020202020204" pitchFamily="34" charset="0"/>
+              </a:defRPr>
+            </a:lvl1pPr>
+          </a:lstStyle>
+          <a:p>
+            <a:r>
+              <a:rPr lang="en-US" dirty="0"/>
+              <a:t>Loan Distribution in USA by State</a:t>
+            </a:r>
           </a:p>
         </p:txBody>
       </p:sp>
     </p:spTree>
     <p:extLst>
       <p:ext uri="{BB962C8B-B14F-4D97-AF65-F5344CB8AC3E}">
-        <p14:creationId xmlns:p14="http://schemas.microsoft.com/office/powerpoint/2010/main" val="4041569005"/>
+        <p14:creationId xmlns:p14="http://schemas.microsoft.com/office/powerpoint/2010/main" val="1542913750"/>
       </p:ext>
     </p:extLst>
   </p:cSld>
@@ -14615,46 +16728,44 @@
           <a:chExt cx="0" cy="0"/>
         </a:xfrm>
       </p:grpSpPr>
-      <p:sp>
-        <p:nvSpPr>
-          <p:cNvPr id="5" name="Slide Number Placeholder 4">
+      <p:pic>
+        <p:nvPicPr>
+          <p:cNvPr id="5" name="Content Placeholder 4">
             <a:extLst>
               <a:ext uri="{FF2B5EF4-FFF2-40B4-BE49-F238E27FC236}">
-                <a16:creationId xmlns:a16="http://schemas.microsoft.com/office/drawing/2014/main" id="{2904F64A-0530-4CAF-A6FA-14983D45D2B9}"/>
+                <a16:creationId xmlns:a16="http://schemas.microsoft.com/office/drawing/2014/main" id="{3D39D09F-D0FB-45A3-9206-A09585C89E84}"/>
               </a:ext>
             </a:extLst>
           </p:cNvPr>
-          <p:cNvSpPr>
-            <a:spLocks noGrp="1"/>
-          </p:cNvSpPr>
+          <p:cNvPicPr>
+            <a:picLocks noGrp="1" noChangeAspect="1"/>
+          </p:cNvPicPr>
           <p:nvPr>
-            <p:ph type="sldNum" sz="quarter" idx="12"/>
+            <p:ph idx="1"/>
           </p:nvPr>
-        </p:nvSpPr>
+        </p:nvPicPr>
+        <p:blipFill>
+          <a:blip r:embed="rId2"/>
+          <a:stretch>
+            <a:fillRect/>
+          </a:stretch>
+        </p:blipFill>
         <p:spPr>
           <a:xfrm>
-            <a:off x="8610600" y="6356350"/>
-            <a:ext cx="2743200" cy="365125"/>
+            <a:off x="130413" y="447674"/>
+            <a:ext cx="6825202" cy="3528282"/>
           </a:xfrm>
+          <a:prstGeom prst="rect">
+            <a:avLst/>
+          </a:prstGeom>
         </p:spPr>
-        <p:txBody>
-          <a:bodyPr/>
-          <a:lstStyle/>
-          <a:p>
-            <a:fld id="{16FA6B3E-46B9-EC46-AB95-0E643768DDA9}" type="slidenum">
-              <a:rPr lang="en-US" smtClean="0"/>
-              <a:t>7</a:t>
-            </a:fld>
-            <a:endParaRPr lang="en-US"/>
-          </a:p>
-        </p:txBody>
-      </p:sp>
+      </p:pic>
       <p:sp>
         <p:nvSpPr>
           <p:cNvPr id="6" name="Title 1">
             <a:extLst>
               <a:ext uri="{FF2B5EF4-FFF2-40B4-BE49-F238E27FC236}">
-                <a16:creationId xmlns:a16="http://schemas.microsoft.com/office/drawing/2014/main" id="{EBA9C59F-213C-4BC8-92EF-22DA2838FD79}"/>
+                <a16:creationId xmlns:a16="http://schemas.microsoft.com/office/drawing/2014/main" id="{91B5ECF8-A7E2-40E1-A001-3F47F361D7FE}"/>
               </a:ext>
             </a:extLst>
           </p:cNvPr>
@@ -14665,8 +16776,8 @@
         </p:nvSpPr>
         <p:spPr>
           <a:xfrm>
-            <a:off x="12032" y="1"/>
-            <a:ext cx="12192000" cy="505325"/>
+            <a:off x="-11289" y="0"/>
+            <a:ext cx="12192000" cy="447674"/>
           </a:xfrm>
           <a:prstGeom prst="rect">
             <a:avLst/>
@@ -14683,7 +16794,7 @@
             <a:noAutofit/>
           </a:bodyPr>
           <a:lstStyle>
-            <a:lvl1pPr algn="l" defTabSz="914400" rtl="0" eaLnBrk="1" latinLnBrk="0" hangingPunct="1">
+            <a:lvl1pPr>
               <a:lnSpc>
                 <a:spcPct val="90000"/>
               </a:lnSpc>
@@ -14691,61 +16802,48 @@
                 <a:spcPct val="0"/>
               </a:spcBef>
               <a:buNone/>
-              <a:defRPr sz="4400" kern="1200">
-                <a:solidFill>
-                  <a:schemeClr val="tx1"/>
-                </a:solidFill>
-                <a:latin typeface="+mj-lt"/>
+              <a:defRPr sz="3600">
                 <a:ea typeface="+mj-ea"/>
-                <a:cs typeface="+mj-cs"/>
+                <a:cs typeface="Arial" panose="020B0604020202020204" pitchFamily="34" charset="0"/>
               </a:defRPr>
             </a:lvl1pPr>
           </a:lstStyle>
           <a:p>
             <a:r>
-              <a:rPr lang="en-US" sz="3600" b="1" dirty="0"/>
-              <a:t>Base Analysis – K Means </a:t>
-            </a:r>
-            <a:endParaRPr lang="en-US" sz="3600" b="1" dirty="0">
-              <a:latin typeface="+mn-lt"/>
-              <a:cs typeface="Arial" panose="020B0604020202020204" pitchFamily="34" charset="0"/>
-            </a:endParaRPr>
+              <a:rPr lang="en-US" dirty="0"/>
+              <a:t>Loan Count – Applicant Ethnicity </a:t>
+            </a:r>
           </a:p>
         </p:txBody>
       </p:sp>
       <p:pic>
         <p:nvPicPr>
-          <p:cNvPr id="7" name="Content Placeholder 6">
+          <p:cNvPr id="7" name="Picture 6">
             <a:extLst>
               <a:ext uri="{FF2B5EF4-FFF2-40B4-BE49-F238E27FC236}">
-                <a16:creationId xmlns:a16="http://schemas.microsoft.com/office/drawing/2014/main" id="{0BE7F3A3-8481-41B6-82C4-540D2F11B652}"/>
+                <a16:creationId xmlns:a16="http://schemas.microsoft.com/office/drawing/2014/main" id="{3E873B00-EA7E-4206-B2D7-3914E51D6DD4}"/>
               </a:ext>
             </a:extLst>
           </p:cNvPr>
-          <p:cNvPicPr>
-            <a:picLocks noGrp="1"/>
-          </p:cNvPicPr>
-          <p:nvPr>
-            <p:ph sz="half" idx="1"/>
-          </p:nvPr>
+          <p:cNvPicPr/>
+          <p:nvPr/>
         </p:nvPicPr>
         <p:blipFill>
-          <a:blip r:embed="rId2">
+          <a:blip r:embed="rId3">
             <a:extLst>
               <a:ext uri="{28A0092B-C50C-407E-A947-70E740481C1C}">
                 <a14:useLocalDpi xmlns:a14="http://schemas.microsoft.com/office/drawing/2010/main" val="0"/>
               </a:ext>
             </a:extLst>
           </a:blip>
-          <a:srcRect/>
           <a:stretch>
             <a:fillRect/>
           </a:stretch>
         </p:blipFill>
-        <p:spPr bwMode="auto">
+        <p:spPr>
           <a:xfrm>
-            <a:off x="721895" y="1022684"/>
-            <a:ext cx="5645427" cy="5333666"/>
+            <a:off x="278498" y="3785729"/>
+            <a:ext cx="6350901" cy="2963987"/>
           </a:xfrm>
           <a:prstGeom prst="rect">
             <a:avLst/>
@@ -14762,59 +16860,159 @@
           </a:effectLst>
         </p:spPr>
       </p:pic>
-      <p:pic>
-        <p:nvPicPr>
-          <p:cNvPr id="8" name="Content Placeholder 7">
+      <p:sp>
+        <p:nvSpPr>
+          <p:cNvPr id="9" name="Text Placeholder 3">
             <a:extLst>
               <a:ext uri="{FF2B5EF4-FFF2-40B4-BE49-F238E27FC236}">
-                <a16:creationId xmlns:a16="http://schemas.microsoft.com/office/drawing/2014/main" id="{90A324FB-31AF-4DA6-8449-9992F2E7598E}"/>
+                <a16:creationId xmlns:a16="http://schemas.microsoft.com/office/drawing/2014/main" id="{7F70EC9A-FE20-44EE-A76E-CFD0AD04BB76}"/>
               </a:ext>
             </a:extLst>
           </p:cNvPr>
-          <p:cNvPicPr>
-            <a:picLocks noGrp="1"/>
-          </p:cNvPicPr>
+          <p:cNvSpPr>
+            <a:spLocks noGrp="1"/>
+          </p:cNvSpPr>
           <p:nvPr>
-            <p:ph sz="half" idx="2"/>
+            <p:ph type="body" sz="half" idx="2"/>
           </p:nvPr>
-        </p:nvPicPr>
-        <p:blipFill>
-          <a:blip r:embed="rId3">
-            <a:extLst>
-              <a:ext uri="{28A0092B-C50C-407E-A947-70E740481C1C}">
-                <a14:useLocalDpi xmlns:a14="http://schemas.microsoft.com/office/drawing/2010/main" val="0"/>
-              </a:ext>
-            </a:extLst>
-          </a:blip>
-          <a:srcRect/>
-          <a:stretch>
-            <a:fillRect/>
-          </a:stretch>
-        </p:blipFill>
-        <p:spPr bwMode="auto">
+        </p:nvSpPr>
+        <p:spPr>
           <a:xfrm>
-            <a:off x="6367322" y="1271586"/>
-            <a:ext cx="5348428" cy="4914902"/>
+            <a:off x="6777485" y="637674"/>
+            <a:ext cx="5025494" cy="6112042"/>
           </a:xfrm>
-          <a:prstGeom prst="rect">
-            <a:avLst/>
-          </a:prstGeom>
+          <a:solidFill>
+            <a:schemeClr val="bg2"/>
+          </a:solidFill>
           <a:ln>
-            <a:noFill/>
+            <a:solidFill>
+              <a:schemeClr val="bg2">
+                <a:lumMod val="75000"/>
+              </a:schemeClr>
+            </a:solidFill>
           </a:ln>
-          <a:effectLst>
-            <a:outerShdw blurRad="292100" dist="139700" dir="2700000" algn="tl" rotWithShape="0">
-              <a:srgbClr val="333333">
-                <a:alpha val="65000"/>
-              </a:srgbClr>
-            </a:outerShdw>
-          </a:effectLst>
         </p:spPr>
-      </p:pic>
+        <p:txBody>
+          <a:bodyPr>
+            <a:normAutofit lnSpcReduction="10000"/>
+          </a:bodyPr>
+          <a:lstStyle/>
+          <a:p>
+            <a:pPr marL="342900" marR="0" lvl="0" indent="-342900" algn="just">
+              <a:lnSpc>
+                <a:spcPct val="107000"/>
+              </a:lnSpc>
+              <a:spcBef>
+                <a:spcPts val="0"/>
+              </a:spcBef>
+              <a:spcAft>
+                <a:spcPts val="0"/>
+              </a:spcAft>
+              <a:buFont typeface="Arial" panose="020B0604020202020204" pitchFamily="34" charset="0"/>
+              <a:buChar char="•"/>
+            </a:pPr>
+            <a:r>
+              <a:rPr lang="en-US" sz="2400" dirty="0">
+                <a:latin typeface="Calibri" panose="020F0502020204030204" pitchFamily="34" charset="0"/>
+                <a:ea typeface="Calibri" panose="020F0502020204030204" pitchFamily="34" charset="0"/>
+                <a:cs typeface="Times New Roman" panose="02020603050405020304" pitchFamily="18" charset="0"/>
+              </a:rPr>
+              <a:t>Most states show non-Hispanic applicant more than Hispanic, but this can be due to fact that non-Hispanic covers a lot of other ethnicities</a:t>
+            </a:r>
+          </a:p>
+          <a:p>
+            <a:pPr marL="342900" marR="0" lvl="0" indent="-342900" algn="just">
+              <a:lnSpc>
+                <a:spcPct val="107000"/>
+              </a:lnSpc>
+              <a:spcBef>
+                <a:spcPts val="0"/>
+              </a:spcBef>
+              <a:spcAft>
+                <a:spcPts val="0"/>
+              </a:spcAft>
+              <a:buFont typeface="Arial" panose="020B0604020202020204" pitchFamily="34" charset="0"/>
+              <a:buChar char="•"/>
+            </a:pPr>
+            <a:endParaRPr lang="en-US" sz="2400" dirty="0">
+              <a:latin typeface="Calibri" panose="020F0502020204030204" pitchFamily="34" charset="0"/>
+              <a:ea typeface="Calibri" panose="020F0502020204030204" pitchFamily="34" charset="0"/>
+              <a:cs typeface="Times New Roman" panose="02020603050405020304" pitchFamily="18" charset="0"/>
+            </a:endParaRPr>
+          </a:p>
+          <a:p>
+            <a:pPr marL="342900" marR="0" lvl="0" indent="-342900" algn="just">
+              <a:lnSpc>
+                <a:spcPct val="107000"/>
+              </a:lnSpc>
+              <a:spcBef>
+                <a:spcPts val="0"/>
+              </a:spcBef>
+              <a:spcAft>
+                <a:spcPts val="0"/>
+              </a:spcAft>
+              <a:buFont typeface="Arial" panose="020B0604020202020204" pitchFamily="34" charset="0"/>
+              <a:buChar char="•"/>
+            </a:pPr>
+            <a:r>
+              <a:rPr lang="en-US" sz="2400" dirty="0">
+                <a:latin typeface="Calibri" panose="020F0502020204030204" pitchFamily="34" charset="0"/>
+                <a:ea typeface="Calibri" panose="020F0502020204030204" pitchFamily="34" charset="0"/>
+                <a:cs typeface="Times New Roman" panose="02020603050405020304" pitchFamily="18" charset="0"/>
+              </a:rPr>
+              <a:t>The 3 % of the application without ethnicity get rejected. But the application without ethnicity do not have a significant effect on approval</a:t>
+            </a:r>
+          </a:p>
+          <a:p>
+            <a:pPr marR="0" lvl="0" algn="just">
+              <a:lnSpc>
+                <a:spcPct val="107000"/>
+              </a:lnSpc>
+              <a:spcBef>
+                <a:spcPts val="0"/>
+              </a:spcBef>
+              <a:spcAft>
+                <a:spcPts val="0"/>
+              </a:spcAft>
+            </a:pPr>
+            <a:endParaRPr lang="en-US" sz="2400" dirty="0">
+              <a:latin typeface="Calibri" panose="020F0502020204030204" pitchFamily="34" charset="0"/>
+              <a:ea typeface="Calibri" panose="020F0502020204030204" pitchFamily="34" charset="0"/>
+              <a:cs typeface="Times New Roman" panose="02020603050405020304" pitchFamily="18" charset="0"/>
+            </a:endParaRPr>
+          </a:p>
+          <a:p>
+            <a:pPr marL="342900" marR="0" lvl="0" indent="-342900" algn="just">
+              <a:lnSpc>
+                <a:spcPct val="107000"/>
+              </a:lnSpc>
+              <a:spcBef>
+                <a:spcPts val="0"/>
+              </a:spcBef>
+              <a:spcAft>
+                <a:spcPts val="800"/>
+              </a:spcAft>
+              <a:buFont typeface="Arial" panose="020B0604020202020204" pitchFamily="34" charset="0"/>
+              <a:buChar char="•"/>
+            </a:pPr>
+            <a:r>
+              <a:rPr lang="en-US" sz="2400" dirty="0">
+                <a:latin typeface="Calibri" panose="020F0502020204030204" pitchFamily="34" charset="0"/>
+                <a:ea typeface="Calibri" panose="020F0502020204030204" pitchFamily="34" charset="0"/>
+                <a:cs typeface="Times New Roman" panose="02020603050405020304" pitchFamily="18" charset="0"/>
+              </a:rPr>
+              <a:t> The ratio of approval for Hispanic applicants is 7% less than non-Hispanic. The ratio of approval for Hispanic and not providing information is almost similar.</a:t>
+            </a:r>
+          </a:p>
+          <a:p>
+            <a:endParaRPr lang="en-US" dirty="0"/>
+          </a:p>
+        </p:txBody>
+      </p:sp>
     </p:spTree>
     <p:extLst>
       <p:ext uri="{BB962C8B-B14F-4D97-AF65-F5344CB8AC3E}">
-        <p14:creationId xmlns:p14="http://schemas.microsoft.com/office/powerpoint/2010/main" val="4041416025"/>
+        <p14:creationId xmlns:p14="http://schemas.microsoft.com/office/powerpoint/2010/main" val="364912343"/>
       </p:ext>
     </p:extLst>
   </p:cSld>
@@ -14843,10 +17041,42 @@
       </p:grpSpPr>
       <p:pic>
         <p:nvPicPr>
-          <p:cNvPr id="11" name="Content Placeholder 10">
+          <p:cNvPr id="5" name="Content Placeholder 4">
             <a:extLst>
               <a:ext uri="{FF2B5EF4-FFF2-40B4-BE49-F238E27FC236}">
-                <a16:creationId xmlns:a16="http://schemas.microsoft.com/office/drawing/2014/main" id="{FB90966F-386F-41E5-93BA-382C5B6C31C9}"/>
+                <a16:creationId xmlns:a16="http://schemas.microsoft.com/office/drawing/2014/main" id="{22641DEE-90F7-4B96-9464-E701AA6A3FD4}"/>
+              </a:ext>
+            </a:extLst>
+          </p:cNvPr>
+          <p:cNvPicPr>
+            <a:picLocks noGrp="1" noChangeAspect="1"/>
+          </p:cNvPicPr>
+          <p:nvPr>
+            <p:ph sz="half" idx="1"/>
+          </p:nvPr>
+        </p:nvPicPr>
+        <p:blipFill>
+          <a:blip r:embed="rId2"/>
+          <a:stretch>
+            <a:fillRect/>
+          </a:stretch>
+        </p:blipFill>
+        <p:spPr>
+          <a:xfrm>
+            <a:off x="-11289" y="812799"/>
+            <a:ext cx="5566160" cy="5649238"/>
+          </a:xfrm>
+          <a:prstGeom prst="rect">
+            <a:avLst/>
+          </a:prstGeom>
+        </p:spPr>
+      </p:pic>
+      <p:pic>
+        <p:nvPicPr>
+          <p:cNvPr id="6" name="Content Placeholder 5">
+            <a:extLst>
+              <a:ext uri="{FF2B5EF4-FFF2-40B4-BE49-F238E27FC236}">
+                <a16:creationId xmlns:a16="http://schemas.microsoft.com/office/drawing/2014/main" id="{80B7B876-C1C3-42BA-8C68-F22B071AE2CF}"/>
               </a:ext>
             </a:extLst>
           </p:cNvPr>
@@ -14858,22 +17088,21 @@
           </p:nvPr>
         </p:nvPicPr>
         <p:blipFill>
-          <a:blip r:embed="rId2">
+          <a:blip r:embed="rId3">
             <a:extLst>
               <a:ext uri="{28A0092B-C50C-407E-A947-70E740481C1C}">
                 <a14:useLocalDpi xmlns:a14="http://schemas.microsoft.com/office/drawing/2010/main" val="0"/>
               </a:ext>
             </a:extLst>
           </a:blip>
-          <a:srcRect/>
           <a:stretch>
             <a:fillRect/>
           </a:stretch>
         </p:blipFill>
-        <p:spPr bwMode="auto">
+        <p:spPr>
           <a:xfrm>
-            <a:off x="161925" y="1962677"/>
-            <a:ext cx="5816599" cy="4362449"/>
+            <a:off x="5450305" y="974558"/>
+            <a:ext cx="6448928" cy="3113009"/>
           </a:xfrm>
           <a:prstGeom prst="rect">
             <a:avLst/>
@@ -14890,61 +17119,12 @@
           </a:effectLst>
         </p:spPr>
       </p:pic>
-      <p:pic>
-        <p:nvPicPr>
-          <p:cNvPr id="14" name="Content Placeholder 13">
+      <p:sp>
+        <p:nvSpPr>
+          <p:cNvPr id="9" name="Title 1">
             <a:extLst>
               <a:ext uri="{FF2B5EF4-FFF2-40B4-BE49-F238E27FC236}">
-                <a16:creationId xmlns:a16="http://schemas.microsoft.com/office/drawing/2014/main" id="{183C1A4F-6DE6-46A4-9006-48FD5AB79BF9}"/>
-              </a:ext>
-            </a:extLst>
-          </p:cNvPr>
-          <p:cNvPicPr>
-            <a:picLocks noGrp="1"/>
-          </p:cNvPicPr>
-          <p:nvPr>
-            <p:ph sz="quarter" idx="4"/>
-          </p:nvPr>
-        </p:nvPicPr>
-        <p:blipFill>
-          <a:blip r:embed="rId3">
-            <a:extLst>
-              <a:ext uri="{28A0092B-C50C-407E-A947-70E740481C1C}">
-                <a14:useLocalDpi xmlns:a14="http://schemas.microsoft.com/office/drawing/2010/main" val="0"/>
-              </a:ext>
-            </a:extLst>
-          </a:blip>
-          <a:srcRect/>
-          <a:stretch>
-            <a:fillRect/>
-          </a:stretch>
-        </p:blipFill>
-        <p:spPr bwMode="auto">
-          <a:xfrm>
-            <a:off x="6096000" y="1962677"/>
-            <a:ext cx="5934075" cy="4362449"/>
-          </a:xfrm>
-          <a:prstGeom prst="rect">
-            <a:avLst/>
-          </a:prstGeom>
-          <a:ln>
-            <a:noFill/>
-          </a:ln>
-          <a:effectLst>
-            <a:outerShdw blurRad="292100" dist="139700" dir="2700000" algn="tl" rotWithShape="0">
-              <a:srgbClr val="333333">
-                <a:alpha val="65000"/>
-              </a:srgbClr>
-            </a:outerShdw>
-          </a:effectLst>
-        </p:spPr>
-      </p:pic>
-      <p:sp>
-        <p:nvSpPr>
-          <p:cNvPr id="17" name="Title 1">
-            <a:extLst>
-              <a:ext uri="{FF2B5EF4-FFF2-40B4-BE49-F238E27FC236}">
-                <a16:creationId xmlns:a16="http://schemas.microsoft.com/office/drawing/2014/main" id="{5B6A3635-1FB7-4C55-AEC0-DAE79D951DF2}"/>
+                <a16:creationId xmlns:a16="http://schemas.microsoft.com/office/drawing/2014/main" id="{7AB5CBBD-EF17-4432-9ED7-38C6B7EBC020}"/>
               </a:ext>
             </a:extLst>
           </p:cNvPr>
@@ -14955,8 +17135,8 @@
         </p:nvSpPr>
         <p:spPr>
           <a:xfrm>
-            <a:off x="12032" y="1"/>
-            <a:ext cx="12192000" cy="505325"/>
+            <a:off x="-11289" y="0"/>
+            <a:ext cx="12192000" cy="447674"/>
           </a:xfrm>
           <a:prstGeom prst="rect">
             <a:avLst/>
@@ -14973,7 +17153,7 @@
             <a:noAutofit/>
           </a:bodyPr>
           <a:lstStyle>
-            <a:lvl1pPr algn="l" defTabSz="914400" rtl="0" eaLnBrk="1" latinLnBrk="0" hangingPunct="1">
+            <a:lvl1pPr>
               <a:lnSpc>
                 <a:spcPct val="90000"/>
               </a:lnSpc>
@@ -14981,73 +17161,26 @@
                 <a:spcPct val="0"/>
               </a:spcBef>
               <a:buNone/>
-              <a:defRPr sz="4400" kern="1200">
-                <a:solidFill>
-                  <a:schemeClr val="tx1"/>
-                </a:solidFill>
-                <a:latin typeface="+mj-lt"/>
+              <a:defRPr sz="3600">
                 <a:ea typeface="+mj-ea"/>
-                <a:cs typeface="+mj-cs"/>
+                <a:cs typeface="Arial" panose="020B0604020202020204" pitchFamily="34" charset="0"/>
               </a:defRPr>
             </a:lvl1pPr>
           </a:lstStyle>
           <a:p>
             <a:r>
-              <a:rPr lang="en-US" sz="3600" dirty="0">
-                <a:latin typeface="+mn-lt"/>
-                <a:cs typeface="Arial" panose="020B0604020202020204" pitchFamily="34" charset="0"/>
-              </a:rPr>
-              <a:t>Applicants Ethnicity </a:t>
-            </a:r>
-          </a:p>
-        </p:txBody>
-      </p:sp>
-      <p:sp>
-        <p:nvSpPr>
-          <p:cNvPr id="19" name="Text Placeholder 18">
+              <a:rPr lang="en-US" dirty="0"/>
+              <a:t>Loan Status – Applicant Race</a:t>
+            </a:r>
+          </a:p>
+        </p:txBody>
+      </p:sp>
+      <p:sp>
+        <p:nvSpPr>
+          <p:cNvPr id="12" name="Text Placeholder 3">
             <a:extLst>
               <a:ext uri="{FF2B5EF4-FFF2-40B4-BE49-F238E27FC236}">
-                <a16:creationId xmlns:a16="http://schemas.microsoft.com/office/drawing/2014/main" id="{E5F9CCD3-AE23-4D0D-BFCF-EF13901B5848}"/>
-              </a:ext>
-            </a:extLst>
-          </p:cNvPr>
-          <p:cNvSpPr>
-            <a:spLocks noGrp="1"/>
-          </p:cNvSpPr>
-          <p:nvPr>
-            <p:ph type="body" sz="quarter" idx="3"/>
-          </p:nvPr>
-        </p:nvSpPr>
-        <p:spPr>
-          <a:xfrm>
-            <a:off x="6213480" y="1167816"/>
-            <a:ext cx="5441152" cy="505325"/>
-          </a:xfrm>
-          <a:ln>
-            <a:solidFill>
-              <a:schemeClr val="tx1"/>
-            </a:solidFill>
-          </a:ln>
-        </p:spPr>
-        <p:txBody>
-          <a:bodyPr>
-            <a:normAutofit/>
-          </a:bodyPr>
-          <a:lstStyle/>
-          <a:p>
-            <a:r>
-              <a:rPr lang="en-US" sz="2000" dirty="0"/>
-              <a:t>CA 3 Clusters by Applicant Ethnicity </a:t>
-            </a:r>
-          </a:p>
-        </p:txBody>
-      </p:sp>
-      <p:sp>
-        <p:nvSpPr>
-          <p:cNvPr id="21" name="Text Placeholder 18">
-            <a:extLst>
-              <a:ext uri="{FF2B5EF4-FFF2-40B4-BE49-F238E27FC236}">
-                <a16:creationId xmlns:a16="http://schemas.microsoft.com/office/drawing/2014/main" id="{04AA3947-EBF4-4F80-970F-2D14F1425F3F}"/>
+                <a16:creationId xmlns:a16="http://schemas.microsoft.com/office/drawing/2014/main" id="{77A1F073-1C0E-42CB-B58E-2CE9679FF73C}"/>
               </a:ext>
             </a:extLst>
           </p:cNvPr>
@@ -15058,24 +17191,29 @@
         </p:nvSpPr>
         <p:spPr>
           <a:xfrm>
-            <a:off x="320275" y="1167816"/>
-            <a:ext cx="5658247" cy="505325"/>
+            <a:off x="5450306" y="4377404"/>
+            <a:ext cx="6448928" cy="1794796"/>
           </a:xfrm>
           <a:prstGeom prst="rect">
             <a:avLst/>
           </a:prstGeom>
+          <a:solidFill>
+            <a:schemeClr val="bg2"/>
+          </a:solidFill>
           <a:ln>
             <a:solidFill>
-              <a:schemeClr val="tx1"/>
+              <a:schemeClr val="bg2">
+                <a:lumMod val="75000"/>
+              </a:schemeClr>
             </a:solidFill>
           </a:ln>
         </p:spPr>
         <p:txBody>
-          <a:bodyPr vert="horz" lIns="91440" tIns="45720" rIns="91440" bIns="45720" rtlCol="0" anchor="b">
-            <a:normAutofit fontScale="85000" lnSpcReduction="10000"/>
+          <a:bodyPr vert="horz" lIns="91440" tIns="45720" rIns="91440" bIns="45720" rtlCol="0">
+            <a:normAutofit fontScale="25000" lnSpcReduction="20000"/>
           </a:bodyPr>
           <a:lstStyle>
-            <a:lvl1pPr marL="0" indent="0" algn="l" defTabSz="914400" rtl="0" eaLnBrk="1" latinLnBrk="0" hangingPunct="1">
+            <a:lvl1pPr marL="228600" indent="-228600" algn="l" defTabSz="914400" rtl="0" eaLnBrk="1" latinLnBrk="0" hangingPunct="1">
               <a:lnSpc>
                 <a:spcPct val="90000"/>
               </a:lnSpc>
@@ -15083,8 +17221,8 @@
                 <a:spcPts val="1000"/>
               </a:spcBef>
               <a:buFont typeface="Arial" panose="020B0604020202020204" pitchFamily="34" charset="0"/>
-              <a:buNone/>
-              <a:defRPr sz="2400" b="1" kern="1200">
+              <a:buChar char="•"/>
+              <a:defRPr sz="2800" kern="1200">
                 <a:solidFill>
                   <a:schemeClr val="tx1"/>
                 </a:solidFill>
@@ -15093,7 +17231,7 @@
                 <a:cs typeface="+mn-cs"/>
               </a:defRPr>
             </a:lvl1pPr>
-            <a:lvl2pPr marL="457200" indent="0" algn="l" defTabSz="914400" rtl="0" eaLnBrk="1" latinLnBrk="0" hangingPunct="1">
+            <a:lvl2pPr marL="685800" indent="-228600" algn="l" defTabSz="914400" rtl="0" eaLnBrk="1" latinLnBrk="0" hangingPunct="1">
               <a:lnSpc>
                 <a:spcPct val="90000"/>
               </a:lnSpc>
@@ -15101,8 +17239,8 @@
                 <a:spcPts val="500"/>
               </a:spcBef>
               <a:buFont typeface="Arial" panose="020B0604020202020204" pitchFamily="34" charset="0"/>
-              <a:buNone/>
-              <a:defRPr sz="2000" b="1" kern="1200">
+              <a:buChar char="•"/>
+              <a:defRPr sz="2400" kern="1200">
                 <a:solidFill>
                   <a:schemeClr val="tx1"/>
                 </a:solidFill>
@@ -15111,7 +17249,7 @@
                 <a:cs typeface="+mn-cs"/>
               </a:defRPr>
             </a:lvl2pPr>
-            <a:lvl3pPr marL="914400" indent="0" algn="l" defTabSz="914400" rtl="0" eaLnBrk="1" latinLnBrk="0" hangingPunct="1">
+            <a:lvl3pPr marL="1143000" indent="-228600" algn="l" defTabSz="914400" rtl="0" eaLnBrk="1" latinLnBrk="0" hangingPunct="1">
               <a:lnSpc>
                 <a:spcPct val="90000"/>
               </a:lnSpc>
@@ -15119,8 +17257,8 @@
                 <a:spcPts val="500"/>
               </a:spcBef>
               <a:buFont typeface="Arial" panose="020B0604020202020204" pitchFamily="34" charset="0"/>
-              <a:buNone/>
-              <a:defRPr sz="1800" b="1" kern="1200">
+              <a:buChar char="•"/>
+              <a:defRPr sz="2000" kern="1200">
                 <a:solidFill>
                   <a:schemeClr val="tx1"/>
                 </a:solidFill>
@@ -15129,7 +17267,7 @@
                 <a:cs typeface="+mn-cs"/>
               </a:defRPr>
             </a:lvl3pPr>
-            <a:lvl4pPr marL="1371600" indent="0" algn="l" defTabSz="914400" rtl="0" eaLnBrk="1" latinLnBrk="0" hangingPunct="1">
+            <a:lvl4pPr marL="1600200" indent="-228600" algn="l" defTabSz="914400" rtl="0" eaLnBrk="1" latinLnBrk="0" hangingPunct="1">
               <a:lnSpc>
                 <a:spcPct val="90000"/>
               </a:lnSpc>
@@ -15137,8 +17275,8 @@
                 <a:spcPts val="500"/>
               </a:spcBef>
               <a:buFont typeface="Arial" panose="020B0604020202020204" pitchFamily="34" charset="0"/>
-              <a:buNone/>
-              <a:defRPr sz="1600" b="1" kern="1200">
+              <a:buChar char="•"/>
+              <a:defRPr sz="1800" kern="1200">
                 <a:solidFill>
                   <a:schemeClr val="tx1"/>
                 </a:solidFill>
@@ -15147,7 +17285,7 @@
                 <a:cs typeface="+mn-cs"/>
               </a:defRPr>
             </a:lvl4pPr>
-            <a:lvl5pPr marL="1828800" indent="0" algn="l" defTabSz="914400" rtl="0" eaLnBrk="1" latinLnBrk="0" hangingPunct="1">
+            <a:lvl5pPr marL="2057400" indent="-228600" algn="l" defTabSz="914400" rtl="0" eaLnBrk="1" latinLnBrk="0" hangingPunct="1">
               <a:lnSpc>
                 <a:spcPct val="90000"/>
               </a:lnSpc>
@@ -15155,8 +17293,8 @@
                 <a:spcPts val="500"/>
               </a:spcBef>
               <a:buFont typeface="Arial" panose="020B0604020202020204" pitchFamily="34" charset="0"/>
-              <a:buNone/>
-              <a:defRPr sz="1600" b="1" kern="1200">
+              <a:buChar char="•"/>
+              <a:defRPr sz="1800" kern="1200">
                 <a:solidFill>
                   <a:schemeClr val="tx1"/>
                 </a:solidFill>
@@ -15165,7 +17303,7 @@
                 <a:cs typeface="+mn-cs"/>
               </a:defRPr>
             </a:lvl5pPr>
-            <a:lvl6pPr marL="2286000" indent="0" algn="l" defTabSz="914400" rtl="0" eaLnBrk="1" latinLnBrk="0" hangingPunct="1">
+            <a:lvl6pPr marL="2514600" indent="-228600" algn="l" defTabSz="914400" rtl="0" eaLnBrk="1" latinLnBrk="0" hangingPunct="1">
               <a:lnSpc>
                 <a:spcPct val="90000"/>
               </a:lnSpc>
@@ -15173,8 +17311,8 @@
                 <a:spcPts val="500"/>
               </a:spcBef>
               <a:buFont typeface="Arial" panose="020B0604020202020204" pitchFamily="34" charset="0"/>
-              <a:buNone/>
-              <a:defRPr sz="1600" b="1" kern="1200">
+              <a:buChar char="•"/>
+              <a:defRPr sz="1800" kern="1200">
                 <a:solidFill>
                   <a:schemeClr val="tx1"/>
                 </a:solidFill>
@@ -15183,7 +17321,7 @@
                 <a:cs typeface="+mn-cs"/>
               </a:defRPr>
             </a:lvl6pPr>
-            <a:lvl7pPr marL="2743200" indent="0" algn="l" defTabSz="914400" rtl="0" eaLnBrk="1" latinLnBrk="0" hangingPunct="1">
+            <a:lvl7pPr marL="2971800" indent="-228600" algn="l" defTabSz="914400" rtl="0" eaLnBrk="1" latinLnBrk="0" hangingPunct="1">
               <a:lnSpc>
                 <a:spcPct val="90000"/>
               </a:lnSpc>
@@ -15191,8 +17329,8 @@
                 <a:spcPts val="500"/>
               </a:spcBef>
               <a:buFont typeface="Arial" panose="020B0604020202020204" pitchFamily="34" charset="0"/>
-              <a:buNone/>
-              <a:defRPr sz="1600" b="1" kern="1200">
+              <a:buChar char="•"/>
+              <a:defRPr sz="1800" kern="1200">
                 <a:solidFill>
                   <a:schemeClr val="tx1"/>
                 </a:solidFill>
@@ -15201,7 +17339,7 @@
                 <a:cs typeface="+mn-cs"/>
               </a:defRPr>
             </a:lvl7pPr>
-            <a:lvl8pPr marL="3200400" indent="0" algn="l" defTabSz="914400" rtl="0" eaLnBrk="1" latinLnBrk="0" hangingPunct="1">
+            <a:lvl8pPr marL="3429000" indent="-228600" algn="l" defTabSz="914400" rtl="0" eaLnBrk="1" latinLnBrk="0" hangingPunct="1">
               <a:lnSpc>
                 <a:spcPct val="90000"/>
               </a:lnSpc>
@@ -15209,8 +17347,8 @@
                 <a:spcPts val="500"/>
               </a:spcBef>
               <a:buFont typeface="Arial" panose="020B0604020202020204" pitchFamily="34" charset="0"/>
-              <a:buNone/>
-              <a:defRPr sz="1600" b="1" kern="1200">
+              <a:buChar char="•"/>
+              <a:defRPr sz="1800" kern="1200">
                 <a:solidFill>
                   <a:schemeClr val="tx1"/>
                 </a:solidFill>
@@ -15219,7 +17357,7 @@
                 <a:cs typeface="+mn-cs"/>
               </a:defRPr>
             </a:lvl8pPr>
-            <a:lvl9pPr marL="3657600" indent="0" algn="l" defTabSz="914400" rtl="0" eaLnBrk="1" latinLnBrk="0" hangingPunct="1">
+            <a:lvl9pPr marL="3886200" indent="-228600" algn="l" defTabSz="914400" rtl="0" eaLnBrk="1" latinLnBrk="0" hangingPunct="1">
               <a:lnSpc>
                 <a:spcPct val="90000"/>
               </a:lnSpc>
@@ -15227,8 +17365,8 @@
                 <a:spcPts val="500"/>
               </a:spcBef>
               <a:buFont typeface="Arial" panose="020B0604020202020204" pitchFamily="34" charset="0"/>
-              <a:buNone/>
-              <a:defRPr sz="1600" b="1" kern="1200">
+              <a:buChar char="•"/>
+              <a:defRPr sz="1800" kern="1200">
                 <a:solidFill>
                   <a:schemeClr val="tx1"/>
                 </a:solidFill>
@@ -15239,17 +17377,35 @@
             </a:lvl9pPr>
           </a:lstStyle>
           <a:p>
-            <a:r>
-              <a:rPr lang="en-US" dirty="0"/>
-              <a:t>Loan Counts for Ethnicity for three K Mean Cluster </a:t>
-            </a:r>
+            <a:pPr lvl="0"/>
+            <a:r>
+              <a:rPr lang="en-US" sz="6400" dirty="0"/>
+              <a:t>In most states, the number of white applicants is higher as compared to other races. This might be also due to fact that there are more white people in the USA </a:t>
+            </a:r>
+          </a:p>
+          <a:p>
+            <a:pPr lvl="0"/>
+            <a:r>
+              <a:rPr lang="en-US" sz="6400" dirty="0"/>
+              <a:t>A number of applications for loan denials are higher for Black or African American race followed by Asian race.</a:t>
+            </a:r>
+          </a:p>
+          <a:p>
+            <a:pPr lvl="0"/>
+            <a:r>
+              <a:rPr lang="en-US" sz="6400" dirty="0"/>
+              <a:t>Number of approvals for loans are highest - 82% and denials are at 18% as per the data study</a:t>
+            </a:r>
+          </a:p>
+          <a:p>
+            <a:endParaRPr lang="en-US" dirty="0"/>
           </a:p>
         </p:txBody>
       </p:sp>
     </p:spTree>
     <p:extLst>
       <p:ext uri="{BB962C8B-B14F-4D97-AF65-F5344CB8AC3E}">
-        <p14:creationId xmlns:p14="http://schemas.microsoft.com/office/powerpoint/2010/main" val="3437173371"/>
+        <p14:creationId xmlns:p14="http://schemas.microsoft.com/office/powerpoint/2010/main" val="45225696"/>
       </p:ext>
     </p:extLst>
   </p:cSld>
@@ -15276,79 +17432,12 @@
           <a:chExt cx="0" cy="0"/>
         </a:xfrm>
       </p:grpSpPr>
-      <p:sp>
-        <p:nvSpPr>
-          <p:cNvPr id="5" name="Title 1">
-            <a:extLst>
-              <a:ext uri="{FF2B5EF4-FFF2-40B4-BE49-F238E27FC236}">
-                <a16:creationId xmlns:a16="http://schemas.microsoft.com/office/drawing/2014/main" id="{EFDE8E5C-F3F8-4047-937E-A5C983CF1F6B}"/>
-              </a:ext>
-            </a:extLst>
-          </p:cNvPr>
-          <p:cNvSpPr txBox="1">
-            <a:spLocks/>
-          </p:cNvSpPr>
-          <p:nvPr/>
-        </p:nvSpPr>
-        <p:spPr>
-          <a:xfrm>
-            <a:off x="12032" y="1"/>
-            <a:ext cx="12192000" cy="505325"/>
-          </a:xfrm>
-          <a:prstGeom prst="rect">
-            <a:avLst/>
-          </a:prstGeom>
-          <a:solidFill>
-            <a:schemeClr val="accent5">
-              <a:lumMod val="60000"/>
-              <a:lumOff val="40000"/>
-            </a:schemeClr>
-          </a:solidFill>
-        </p:spPr>
-        <p:txBody>
-          <a:bodyPr vert="horz" lIns="91440" tIns="45720" rIns="91440" bIns="45720" rtlCol="0" anchor="ctr">
-            <a:noAutofit/>
-          </a:bodyPr>
-          <a:lstStyle>
-            <a:lvl1pPr algn="l" defTabSz="914400" rtl="0" eaLnBrk="1" latinLnBrk="0" hangingPunct="1">
-              <a:lnSpc>
-                <a:spcPct val="90000"/>
-              </a:lnSpc>
-              <a:spcBef>
-                <a:spcPct val="0"/>
-              </a:spcBef>
-              <a:buNone/>
-              <a:defRPr sz="4400" kern="1200">
-                <a:solidFill>
-                  <a:schemeClr val="tx1"/>
-                </a:solidFill>
-                <a:latin typeface="+mj-lt"/>
-                <a:ea typeface="+mj-ea"/>
-                <a:cs typeface="+mj-cs"/>
-              </a:defRPr>
-            </a:lvl1pPr>
-          </a:lstStyle>
-          <a:p>
-            <a:r>
-              <a:rPr lang="en-US" sz="3600">
-                <a:latin typeface="+mn-lt"/>
-                <a:cs typeface="Arial" panose="020B0604020202020204" pitchFamily="34" charset="0"/>
-              </a:rPr>
-              <a:t>Applicants Race</a:t>
-            </a:r>
-            <a:endParaRPr lang="en-US" sz="3600" dirty="0">
-              <a:latin typeface="+mn-lt"/>
-              <a:cs typeface="Arial" panose="020B0604020202020204" pitchFamily="34" charset="0"/>
-            </a:endParaRPr>
-          </a:p>
-        </p:txBody>
-      </p:sp>
       <p:pic>
         <p:nvPicPr>
-          <p:cNvPr id="6" name="Content Placeholder 5">
+          <p:cNvPr id="5" name="Content Placeholder 4">
             <a:extLst>
               <a:ext uri="{FF2B5EF4-FFF2-40B4-BE49-F238E27FC236}">
-                <a16:creationId xmlns:a16="http://schemas.microsoft.com/office/drawing/2014/main" id="{B130010A-4E6A-4F9C-A9CE-2F74E3E8B8AF}"/>
+                <a16:creationId xmlns:a16="http://schemas.microsoft.com/office/drawing/2014/main" id="{CD7C0361-94CA-4165-A43E-F1E819CF04A8}"/>
               </a:ext>
             </a:extLst>
           </p:cNvPr>
@@ -15356,7 +17445,7 @@
             <a:picLocks noGrp="1"/>
           </p:cNvPicPr>
           <p:nvPr>
-            <p:ph sz="half" idx="1"/>
+            <p:ph idx="1"/>
           </p:nvPr>
         </p:nvPicPr>
         <p:blipFill>
@@ -15367,15 +17456,14 @@
               </a:ext>
             </a:extLst>
           </a:blip>
-          <a:srcRect/>
           <a:stretch>
             <a:fillRect/>
           </a:stretch>
         </p:blipFill>
-        <p:spPr bwMode="auto">
+        <p:spPr>
           <a:xfrm>
-            <a:off x="57145" y="665162"/>
-            <a:ext cx="6038855" cy="4214813"/>
+            <a:off x="1167064" y="890337"/>
+            <a:ext cx="9829800" cy="4417991"/>
           </a:xfrm>
           <a:prstGeom prst="rect">
             <a:avLst/>
@@ -15392,59 +17480,305 @@
           </a:effectLst>
         </p:spPr>
       </p:pic>
-      <p:pic>
-        <p:nvPicPr>
-          <p:cNvPr id="10" name="Content Placeholder 9">
+      <p:sp>
+        <p:nvSpPr>
+          <p:cNvPr id="6" name="Title 1">
             <a:extLst>
               <a:ext uri="{FF2B5EF4-FFF2-40B4-BE49-F238E27FC236}">
-                <a16:creationId xmlns:a16="http://schemas.microsoft.com/office/drawing/2014/main" id="{EBD6974A-292C-4862-9C30-F7442B772B69}"/>
+                <a16:creationId xmlns:a16="http://schemas.microsoft.com/office/drawing/2014/main" id="{F49B7299-8F9D-4E6D-9463-E30C265CF1B1}"/>
               </a:ext>
             </a:extLst>
           </p:cNvPr>
-          <p:cNvPicPr>
-            <a:picLocks noGrp="1"/>
-          </p:cNvPicPr>
-          <p:nvPr>
-            <p:ph sz="half" idx="2"/>
-          </p:nvPr>
-        </p:nvPicPr>
-        <p:blipFill>
-          <a:blip r:embed="rId3">
-            <a:extLst>
-              <a:ext uri="{28A0092B-C50C-407E-A947-70E740481C1C}">
-                <a14:useLocalDpi xmlns:a14="http://schemas.microsoft.com/office/drawing/2010/main" val="0"/>
-              </a:ext>
-            </a:extLst>
-          </a:blip>
-          <a:srcRect/>
-          <a:stretch>
-            <a:fillRect/>
-          </a:stretch>
-        </p:blipFill>
-        <p:spPr bwMode="auto">
+          <p:cNvSpPr txBox="1">
+            <a:spLocks/>
+          </p:cNvSpPr>
+          <p:nvPr/>
+        </p:nvSpPr>
+        <p:spPr>
           <a:xfrm>
-            <a:off x="6272215" y="2772569"/>
-            <a:ext cx="5862640" cy="4006628"/>
+            <a:off x="-11289" y="0"/>
+            <a:ext cx="12192000" cy="447674"/>
           </a:xfrm>
           <a:prstGeom prst="rect">
             <a:avLst/>
           </a:prstGeom>
+          <a:solidFill>
+            <a:schemeClr val="accent5">
+              <a:lumMod val="60000"/>
+              <a:lumOff val="40000"/>
+            </a:schemeClr>
+          </a:solidFill>
+        </p:spPr>
+        <p:txBody>
+          <a:bodyPr vert="horz" lIns="91440" tIns="45720" rIns="91440" bIns="45720" rtlCol="0" anchor="ctr">
+            <a:noAutofit/>
+          </a:bodyPr>
+          <a:lstStyle>
+            <a:lvl1pPr>
+              <a:lnSpc>
+                <a:spcPct val="90000"/>
+              </a:lnSpc>
+              <a:spcBef>
+                <a:spcPct val="0"/>
+              </a:spcBef>
+              <a:buNone/>
+              <a:defRPr sz="3600">
+                <a:ea typeface="+mj-ea"/>
+                <a:cs typeface="Arial" panose="020B0604020202020204" pitchFamily="34" charset="0"/>
+              </a:defRPr>
+            </a:lvl1pPr>
+          </a:lstStyle>
+          <a:p>
+            <a:r>
+              <a:rPr lang="en-US" dirty="0"/>
+              <a:t>Loan Status – Applicant Gender</a:t>
+            </a:r>
+          </a:p>
+        </p:txBody>
+      </p:sp>
+      <p:sp>
+        <p:nvSpPr>
+          <p:cNvPr id="9" name="Text Placeholder 3">
+            <a:extLst>
+              <a:ext uri="{FF2B5EF4-FFF2-40B4-BE49-F238E27FC236}">
+                <a16:creationId xmlns:a16="http://schemas.microsoft.com/office/drawing/2014/main" id="{90EF34D3-10B4-480A-9A28-4127568908D6}"/>
+              </a:ext>
+            </a:extLst>
+          </p:cNvPr>
+          <p:cNvSpPr txBox="1">
+            <a:spLocks/>
+          </p:cNvSpPr>
+          <p:nvPr/>
+        </p:nvSpPr>
+        <p:spPr>
+          <a:xfrm>
+            <a:off x="1167063" y="5498432"/>
+            <a:ext cx="9829801" cy="1263314"/>
+          </a:xfrm>
+          <a:prstGeom prst="rect">
+            <a:avLst/>
+          </a:prstGeom>
+          <a:solidFill>
+            <a:schemeClr val="bg2"/>
+          </a:solidFill>
           <a:ln>
-            <a:noFill/>
+            <a:solidFill>
+              <a:schemeClr val="bg2">
+                <a:lumMod val="75000"/>
+              </a:schemeClr>
+            </a:solidFill>
           </a:ln>
-          <a:effectLst>
-            <a:outerShdw blurRad="292100" dist="139700" dir="2700000" algn="tl" rotWithShape="0">
-              <a:srgbClr val="333333">
-                <a:alpha val="65000"/>
-              </a:srgbClr>
-            </a:outerShdw>
-          </a:effectLst>
         </p:spPr>
-      </p:pic>
+        <p:txBody>
+          <a:bodyPr vert="horz" lIns="91440" tIns="45720" rIns="91440" bIns="45720" rtlCol="0">
+            <a:noAutofit/>
+          </a:bodyPr>
+          <a:lstStyle>
+            <a:lvl1pPr marL="0" indent="0" algn="l" defTabSz="914400" rtl="0" eaLnBrk="1" latinLnBrk="0" hangingPunct="1">
+              <a:lnSpc>
+                <a:spcPct val="90000"/>
+              </a:lnSpc>
+              <a:spcBef>
+                <a:spcPts val="1000"/>
+              </a:spcBef>
+              <a:buFont typeface="Arial" panose="020B0604020202020204" pitchFamily="34" charset="0"/>
+              <a:buNone/>
+              <a:defRPr sz="1600" kern="1200">
+                <a:solidFill>
+                  <a:schemeClr val="tx1"/>
+                </a:solidFill>
+                <a:latin typeface="+mn-lt"/>
+                <a:ea typeface="+mn-ea"/>
+                <a:cs typeface="+mn-cs"/>
+              </a:defRPr>
+            </a:lvl1pPr>
+            <a:lvl2pPr marL="457200" indent="0" algn="l" defTabSz="914400" rtl="0" eaLnBrk="1" latinLnBrk="0" hangingPunct="1">
+              <a:lnSpc>
+                <a:spcPct val="90000"/>
+              </a:lnSpc>
+              <a:spcBef>
+                <a:spcPts val="500"/>
+              </a:spcBef>
+              <a:buFont typeface="Arial" panose="020B0604020202020204" pitchFamily="34" charset="0"/>
+              <a:buNone/>
+              <a:defRPr sz="1400" kern="1200">
+                <a:solidFill>
+                  <a:schemeClr val="tx1"/>
+                </a:solidFill>
+                <a:latin typeface="+mn-lt"/>
+                <a:ea typeface="+mn-ea"/>
+                <a:cs typeface="+mn-cs"/>
+              </a:defRPr>
+            </a:lvl2pPr>
+            <a:lvl3pPr marL="914400" indent="0" algn="l" defTabSz="914400" rtl="0" eaLnBrk="1" latinLnBrk="0" hangingPunct="1">
+              <a:lnSpc>
+                <a:spcPct val="90000"/>
+              </a:lnSpc>
+              <a:spcBef>
+                <a:spcPts val="500"/>
+              </a:spcBef>
+              <a:buFont typeface="Arial" panose="020B0604020202020204" pitchFamily="34" charset="0"/>
+              <a:buNone/>
+              <a:defRPr sz="1200" kern="1200">
+                <a:solidFill>
+                  <a:schemeClr val="tx1"/>
+                </a:solidFill>
+                <a:latin typeface="+mn-lt"/>
+                <a:ea typeface="+mn-ea"/>
+                <a:cs typeface="+mn-cs"/>
+              </a:defRPr>
+            </a:lvl3pPr>
+            <a:lvl4pPr marL="1371600" indent="0" algn="l" defTabSz="914400" rtl="0" eaLnBrk="1" latinLnBrk="0" hangingPunct="1">
+              <a:lnSpc>
+                <a:spcPct val="90000"/>
+              </a:lnSpc>
+              <a:spcBef>
+                <a:spcPts val="500"/>
+              </a:spcBef>
+              <a:buFont typeface="Arial" panose="020B0604020202020204" pitchFamily="34" charset="0"/>
+              <a:buNone/>
+              <a:defRPr sz="1000" kern="1200">
+                <a:solidFill>
+                  <a:schemeClr val="tx1"/>
+                </a:solidFill>
+                <a:latin typeface="+mn-lt"/>
+                <a:ea typeface="+mn-ea"/>
+                <a:cs typeface="+mn-cs"/>
+              </a:defRPr>
+            </a:lvl4pPr>
+            <a:lvl5pPr marL="1828800" indent="0" algn="l" defTabSz="914400" rtl="0" eaLnBrk="1" latinLnBrk="0" hangingPunct="1">
+              <a:lnSpc>
+                <a:spcPct val="90000"/>
+              </a:lnSpc>
+              <a:spcBef>
+                <a:spcPts val="500"/>
+              </a:spcBef>
+              <a:buFont typeface="Arial" panose="020B0604020202020204" pitchFamily="34" charset="0"/>
+              <a:buNone/>
+              <a:defRPr sz="1000" kern="1200">
+                <a:solidFill>
+                  <a:schemeClr val="tx1"/>
+                </a:solidFill>
+                <a:latin typeface="+mn-lt"/>
+                <a:ea typeface="+mn-ea"/>
+                <a:cs typeface="+mn-cs"/>
+              </a:defRPr>
+            </a:lvl5pPr>
+            <a:lvl6pPr marL="2286000" indent="0" algn="l" defTabSz="914400" rtl="0" eaLnBrk="1" latinLnBrk="0" hangingPunct="1">
+              <a:lnSpc>
+                <a:spcPct val="90000"/>
+              </a:lnSpc>
+              <a:spcBef>
+                <a:spcPts val="500"/>
+              </a:spcBef>
+              <a:buFont typeface="Arial" panose="020B0604020202020204" pitchFamily="34" charset="0"/>
+              <a:buNone/>
+              <a:defRPr sz="1000" kern="1200">
+                <a:solidFill>
+                  <a:schemeClr val="tx1"/>
+                </a:solidFill>
+                <a:latin typeface="+mn-lt"/>
+                <a:ea typeface="+mn-ea"/>
+                <a:cs typeface="+mn-cs"/>
+              </a:defRPr>
+            </a:lvl6pPr>
+            <a:lvl7pPr marL="2743200" indent="0" algn="l" defTabSz="914400" rtl="0" eaLnBrk="1" latinLnBrk="0" hangingPunct="1">
+              <a:lnSpc>
+                <a:spcPct val="90000"/>
+              </a:lnSpc>
+              <a:spcBef>
+                <a:spcPts val="500"/>
+              </a:spcBef>
+              <a:buFont typeface="Arial" panose="020B0604020202020204" pitchFamily="34" charset="0"/>
+              <a:buNone/>
+              <a:defRPr sz="1000" kern="1200">
+                <a:solidFill>
+                  <a:schemeClr val="tx1"/>
+                </a:solidFill>
+                <a:latin typeface="+mn-lt"/>
+                <a:ea typeface="+mn-ea"/>
+                <a:cs typeface="+mn-cs"/>
+              </a:defRPr>
+            </a:lvl7pPr>
+            <a:lvl8pPr marL="3200400" indent="0" algn="l" defTabSz="914400" rtl="0" eaLnBrk="1" latinLnBrk="0" hangingPunct="1">
+              <a:lnSpc>
+                <a:spcPct val="90000"/>
+              </a:lnSpc>
+              <a:spcBef>
+                <a:spcPts val="500"/>
+              </a:spcBef>
+              <a:buFont typeface="Arial" panose="020B0604020202020204" pitchFamily="34" charset="0"/>
+              <a:buNone/>
+              <a:defRPr sz="1000" kern="1200">
+                <a:solidFill>
+                  <a:schemeClr val="tx1"/>
+                </a:solidFill>
+                <a:latin typeface="+mn-lt"/>
+                <a:ea typeface="+mn-ea"/>
+                <a:cs typeface="+mn-cs"/>
+              </a:defRPr>
+            </a:lvl8pPr>
+            <a:lvl9pPr marL="3657600" indent="0" algn="l" defTabSz="914400" rtl="0" eaLnBrk="1" latinLnBrk="0" hangingPunct="1">
+              <a:lnSpc>
+                <a:spcPct val="90000"/>
+              </a:lnSpc>
+              <a:spcBef>
+                <a:spcPts val="500"/>
+              </a:spcBef>
+              <a:buFont typeface="Arial" panose="020B0604020202020204" pitchFamily="34" charset="0"/>
+              <a:buNone/>
+              <a:defRPr sz="1000" kern="1200">
+                <a:solidFill>
+                  <a:schemeClr val="tx1"/>
+                </a:solidFill>
+                <a:latin typeface="+mn-lt"/>
+                <a:ea typeface="+mn-ea"/>
+                <a:cs typeface="+mn-cs"/>
+              </a:defRPr>
+            </a:lvl9pPr>
+          </a:lstStyle>
+          <a:p>
+            <a:pPr marL="285750" lvl="0" indent="-285750">
+              <a:buFont typeface="Arial" panose="020B0604020202020204" pitchFamily="34" charset="0"/>
+              <a:buChar char="•"/>
+            </a:pPr>
+            <a:r>
+              <a:rPr lang="en-US" sz="1400" dirty="0"/>
+              <a:t>The number of male applicants is higher as compared to female applicants for all of US states. This could be due to the reason that a lower number of female applicants have applied for loans</a:t>
+            </a:r>
+          </a:p>
+          <a:p>
+            <a:pPr marL="285750" indent="-285750">
+              <a:buFont typeface="Arial" panose="020B0604020202020204" pitchFamily="34" charset="0"/>
+              <a:buChar char="•"/>
+            </a:pPr>
+            <a:r>
+              <a:rPr lang="en-US" sz="1400" dirty="0"/>
+              <a:t>81% of male applications were accepted and 19% denied visa-via 77% of female applications were accepted and 23% denied</a:t>
+            </a:r>
+          </a:p>
+          <a:p>
+            <a:pPr marL="285750" indent="-285750">
+              <a:buFont typeface="Arial" panose="020B0604020202020204" pitchFamily="34" charset="0"/>
+              <a:buChar char="•"/>
+            </a:pPr>
+            <a:r>
+              <a:rPr lang="en-US" sz="1400" dirty="0"/>
+              <a:t>A number of Approved Male applicants are higher and the rate of denial for male applicants is also on the higher side</a:t>
+            </a:r>
+          </a:p>
+          <a:p>
+            <a:r>
+              <a:rPr lang="en-US" dirty="0"/>
+              <a:t> </a:t>
+            </a:r>
+          </a:p>
+        </p:txBody>
+      </p:sp>
     </p:spTree>
     <p:extLst>
       <p:ext uri="{BB962C8B-B14F-4D97-AF65-F5344CB8AC3E}">
-        <p14:creationId xmlns:p14="http://schemas.microsoft.com/office/powerpoint/2010/main" val="4056615568"/>
+        <p14:creationId xmlns:p14="http://schemas.microsoft.com/office/powerpoint/2010/main" val="2367879726"/>
       </p:ext>
     </p:extLst>
   </p:cSld>
